--- a/宣道詩/(宣道詩155) 獻己於主.pptx
+++ b/宣道詩/(宣道詩155) 獻己於主.pptx
@@ -5,24 +5,37 @@
     <p:sldMasterId id="2147483660" r:id="rId1"/>
   </p:sldMasterIdLst>
   <p:notesMasterIdLst>
-    <p:notesMasterId r:id="rId14"/>
+    <p:notesMasterId r:id="rId27"/>
   </p:notesMasterIdLst>
   <p:handoutMasterIdLst>
-    <p:handoutMasterId r:id="rId15"/>
+    <p:handoutMasterId r:id="rId28"/>
   </p:handoutMasterIdLst>
   <p:sldIdLst>
-    <p:sldId id="1614" r:id="rId2"/>
-    <p:sldId id="1615" r:id="rId3"/>
-    <p:sldId id="1616" r:id="rId4"/>
-    <p:sldId id="1617" r:id="rId5"/>
-    <p:sldId id="1618" r:id="rId6"/>
-    <p:sldId id="1619" r:id="rId7"/>
-    <p:sldId id="1620" r:id="rId8"/>
-    <p:sldId id="1621" r:id="rId9"/>
-    <p:sldId id="1622" r:id="rId10"/>
-    <p:sldId id="1623" r:id="rId11"/>
-    <p:sldId id="1624" r:id="rId12"/>
-    <p:sldId id="1625" r:id="rId13"/>
+    <p:sldId id="694" r:id="rId2"/>
+    <p:sldId id="695" r:id="rId3"/>
+    <p:sldId id="696" r:id="rId4"/>
+    <p:sldId id="697" r:id="rId5"/>
+    <p:sldId id="698" r:id="rId6"/>
+    <p:sldId id="699" r:id="rId7"/>
+    <p:sldId id="700" r:id="rId8"/>
+    <p:sldId id="709" r:id="rId9"/>
+    <p:sldId id="710" r:id="rId10"/>
+    <p:sldId id="701" r:id="rId11"/>
+    <p:sldId id="702" r:id="rId12"/>
+    <p:sldId id="711" r:id="rId13"/>
+    <p:sldId id="712" r:id="rId14"/>
+    <p:sldId id="703" r:id="rId15"/>
+    <p:sldId id="704" r:id="rId16"/>
+    <p:sldId id="713" r:id="rId17"/>
+    <p:sldId id="714" r:id="rId18"/>
+    <p:sldId id="705" r:id="rId19"/>
+    <p:sldId id="706" r:id="rId20"/>
+    <p:sldId id="715" r:id="rId21"/>
+    <p:sldId id="716" r:id="rId22"/>
+    <p:sldId id="707" r:id="rId23"/>
+    <p:sldId id="708" r:id="rId24"/>
+    <p:sldId id="717" r:id="rId25"/>
+    <p:sldId id="718" r:id="rId26"/>
   </p:sldIdLst>
   <p:sldSz cx="12192000" cy="6858000"/>
   <p:notesSz cx="6858000" cy="9144000"/>
@@ -321,6 +334,11 @@
         </p:txBody>
       </p:sp>
     </p:spTree>
+    <p:extLst>
+      <p:ext uri="{BB962C8B-B14F-4D97-AF65-F5344CB8AC3E}">
+        <p14:creationId xmlns:p14="http://schemas.microsoft.com/office/powerpoint/2010/main" val="1"/>
+      </p:ext>
+    </p:extLst>
   </p:cSld>
   <p:clrMap bg1="lt1" tx1="dk1" bg2="lt2" tx2="dk2" accent1="accent1" accent2="accent2" accent3="accent3" accent4="accent4" accent5="accent5" accent6="accent6" hlink="hlink" folHlink="folHlink"/>
 </p:handoutMaster>
@@ -470,38 +488,37 @@
           <a:p>
             <a:pPr lvl="0"/>
             <a:r>
-              <a:rPr lang="zh-TW" altLang="en-US" smtClean="0"/>
+              <a:rPr lang="zh-TW" altLang="en-US"/>
               <a:t>按一下以編輯母片文字樣式</a:t>
             </a:r>
           </a:p>
           <a:p>
             <a:pPr lvl="1"/>
             <a:r>
-              <a:rPr lang="zh-TW" altLang="en-US" smtClean="0"/>
+              <a:rPr lang="zh-TW" altLang="en-US"/>
               <a:t>第二層</a:t>
             </a:r>
           </a:p>
           <a:p>
             <a:pPr lvl="2"/>
             <a:r>
-              <a:rPr lang="zh-TW" altLang="en-US" smtClean="0"/>
+              <a:rPr lang="zh-TW" altLang="en-US"/>
               <a:t>第三層</a:t>
             </a:r>
           </a:p>
           <a:p>
             <a:pPr lvl="3"/>
             <a:r>
-              <a:rPr lang="zh-TW" altLang="en-US" smtClean="0"/>
+              <a:rPr lang="zh-TW" altLang="en-US"/>
               <a:t>第四層</a:t>
             </a:r>
           </a:p>
           <a:p>
             <a:pPr lvl="4"/>
             <a:r>
-              <a:rPr lang="zh-TW" altLang="en-US" smtClean="0"/>
+              <a:rPr lang="zh-TW" altLang="en-US"/>
               <a:t>第五層</a:t>
             </a:r>
-            <a:endParaRPr lang="zh-TW" altLang="en-US"/>
           </a:p>
         </p:txBody>
       </p:sp>
@@ -707,7 +724,7 @@
           <a:lstStyle/>
           <a:p>
             <a:r>
-              <a:rPr lang="en-US" altLang="zh-TW" smtClean="0"/>
+              <a:rPr lang="en-US" altLang="zh-TW"/>
               <a:t>Click to edit Master title style</a:t>
             </a:r>
             <a:endParaRPr lang="zh-TW" altLang="en-US"/>
@@ -826,7 +843,7 @@
           </a:lstStyle>
           <a:p>
             <a:r>
-              <a:rPr lang="en-US" altLang="zh-TW" smtClean="0"/>
+              <a:rPr lang="en-US" altLang="zh-TW"/>
               <a:t>Click to edit Master subtitle style</a:t>
             </a:r>
             <a:endParaRPr lang="zh-TW" altLang="en-US"/>
@@ -949,7 +966,7 @@
           <a:lstStyle/>
           <a:p>
             <a:r>
-              <a:rPr lang="en-US" altLang="zh-TW" smtClean="0"/>
+              <a:rPr lang="en-US" altLang="zh-TW"/>
               <a:t>Click to edit Master title style</a:t>
             </a:r>
             <a:endParaRPr lang="zh-TW" altLang="en-US"/>
@@ -973,35 +990,35 @@
           <a:p>
             <a:pPr lvl="0"/>
             <a:r>
-              <a:rPr lang="en-US" altLang="zh-TW" smtClean="0"/>
+              <a:rPr lang="en-US" altLang="zh-TW"/>
               <a:t>Edit Master text styles</a:t>
             </a:r>
           </a:p>
           <a:p>
             <a:pPr lvl="1"/>
             <a:r>
-              <a:rPr lang="en-US" altLang="zh-TW" smtClean="0"/>
+              <a:rPr lang="en-US" altLang="zh-TW"/>
               <a:t>Second level</a:t>
             </a:r>
           </a:p>
           <a:p>
             <a:pPr lvl="2"/>
             <a:r>
-              <a:rPr lang="en-US" altLang="zh-TW" smtClean="0"/>
+              <a:rPr lang="en-US" altLang="zh-TW"/>
               <a:t>Third level</a:t>
             </a:r>
           </a:p>
           <a:p>
             <a:pPr lvl="3"/>
             <a:r>
-              <a:rPr lang="en-US" altLang="zh-TW" smtClean="0"/>
+              <a:rPr lang="en-US" altLang="zh-TW"/>
               <a:t>Fourth level</a:t>
             </a:r>
           </a:p>
           <a:p>
             <a:pPr lvl="4"/>
             <a:r>
-              <a:rPr lang="en-US" altLang="zh-TW" smtClean="0"/>
+              <a:rPr lang="en-US" altLang="zh-TW"/>
               <a:t>Fifth level</a:t>
             </a:r>
             <a:endParaRPr lang="zh-TW" altLang="en-US"/>
@@ -1129,7 +1146,7 @@
           <a:lstStyle/>
           <a:p>
             <a:r>
-              <a:rPr lang="en-US" altLang="zh-TW" smtClean="0"/>
+              <a:rPr lang="en-US" altLang="zh-TW"/>
               <a:t>Click to edit Master title style</a:t>
             </a:r>
             <a:endParaRPr lang="zh-TW" altLang="en-US"/>
@@ -1158,35 +1175,35 @@
           <a:p>
             <a:pPr lvl="0"/>
             <a:r>
-              <a:rPr lang="en-US" altLang="zh-TW" smtClean="0"/>
+              <a:rPr lang="en-US" altLang="zh-TW"/>
               <a:t>Edit Master text styles</a:t>
             </a:r>
           </a:p>
           <a:p>
             <a:pPr lvl="1"/>
             <a:r>
-              <a:rPr lang="en-US" altLang="zh-TW" smtClean="0"/>
+              <a:rPr lang="en-US" altLang="zh-TW"/>
               <a:t>Second level</a:t>
             </a:r>
           </a:p>
           <a:p>
             <a:pPr lvl="2"/>
             <a:r>
-              <a:rPr lang="en-US" altLang="zh-TW" smtClean="0"/>
+              <a:rPr lang="en-US" altLang="zh-TW"/>
               <a:t>Third level</a:t>
             </a:r>
           </a:p>
           <a:p>
             <a:pPr lvl="3"/>
             <a:r>
-              <a:rPr lang="en-US" altLang="zh-TW" smtClean="0"/>
+              <a:rPr lang="en-US" altLang="zh-TW"/>
               <a:t>Fourth level</a:t>
             </a:r>
           </a:p>
           <a:p>
             <a:pPr lvl="4"/>
             <a:r>
-              <a:rPr lang="en-US" altLang="zh-TW" smtClean="0"/>
+              <a:rPr lang="en-US" altLang="zh-TW"/>
               <a:t>Fifth level</a:t>
             </a:r>
             <a:endParaRPr lang="zh-TW" altLang="en-US"/>
@@ -1309,7 +1326,7 @@
           <a:lstStyle/>
           <a:p>
             <a:r>
-              <a:rPr lang="en-US" altLang="zh-TW" smtClean="0"/>
+              <a:rPr lang="en-US" altLang="zh-TW"/>
               <a:t>Click to edit Master title style</a:t>
             </a:r>
             <a:endParaRPr lang="zh-TW" altLang="en-US"/>
@@ -1333,35 +1350,35 @@
           <a:p>
             <a:pPr lvl="0"/>
             <a:r>
-              <a:rPr lang="en-US" altLang="zh-TW" smtClean="0"/>
+              <a:rPr lang="en-US" altLang="zh-TW"/>
               <a:t>Edit Master text styles</a:t>
             </a:r>
           </a:p>
           <a:p>
             <a:pPr lvl="1"/>
             <a:r>
-              <a:rPr lang="en-US" altLang="zh-TW" smtClean="0"/>
+              <a:rPr lang="en-US" altLang="zh-TW"/>
               <a:t>Second level</a:t>
             </a:r>
           </a:p>
           <a:p>
             <a:pPr lvl="2"/>
             <a:r>
-              <a:rPr lang="en-US" altLang="zh-TW" smtClean="0"/>
+              <a:rPr lang="en-US" altLang="zh-TW"/>
               <a:t>Third level</a:t>
             </a:r>
           </a:p>
           <a:p>
             <a:pPr lvl="3"/>
             <a:r>
-              <a:rPr lang="en-US" altLang="zh-TW" smtClean="0"/>
+              <a:rPr lang="en-US" altLang="zh-TW"/>
               <a:t>Fourth level</a:t>
             </a:r>
           </a:p>
           <a:p>
             <a:pPr lvl="4"/>
             <a:r>
-              <a:rPr lang="en-US" altLang="zh-TW" smtClean="0"/>
+              <a:rPr lang="en-US" altLang="zh-TW"/>
               <a:t>Fifth level</a:t>
             </a:r>
             <a:endParaRPr lang="zh-TW" altLang="en-US"/>
@@ -1493,7 +1510,7 @@
           </a:lstStyle>
           <a:p>
             <a:r>
-              <a:rPr lang="en-US" altLang="zh-TW" smtClean="0"/>
+              <a:rPr lang="en-US" altLang="zh-TW"/>
               <a:t>Click to edit Master title style</a:t>
             </a:r>
             <a:endParaRPr lang="zh-TW" altLang="en-US"/>
@@ -1613,7 +1630,7 @@
           <a:p>
             <a:pPr lvl="0"/>
             <a:r>
-              <a:rPr lang="en-US" altLang="zh-TW" smtClean="0"/>
+              <a:rPr lang="en-US" altLang="zh-TW"/>
               <a:t>Edit Master text styles</a:t>
             </a:r>
           </a:p>
@@ -1735,7 +1752,7 @@
           <a:lstStyle/>
           <a:p>
             <a:r>
-              <a:rPr lang="en-US" altLang="zh-TW" smtClean="0"/>
+              <a:rPr lang="en-US" altLang="zh-TW"/>
               <a:t>Click to edit Master title style</a:t>
             </a:r>
             <a:endParaRPr lang="zh-TW" altLang="en-US"/>
@@ -1792,35 +1809,35 @@
           <a:p>
             <a:pPr lvl="0"/>
             <a:r>
-              <a:rPr lang="en-US" altLang="zh-TW" smtClean="0"/>
+              <a:rPr lang="en-US" altLang="zh-TW"/>
               <a:t>Edit Master text styles</a:t>
             </a:r>
           </a:p>
           <a:p>
             <a:pPr lvl="1"/>
             <a:r>
-              <a:rPr lang="en-US" altLang="zh-TW" smtClean="0"/>
+              <a:rPr lang="en-US" altLang="zh-TW"/>
               <a:t>Second level</a:t>
             </a:r>
           </a:p>
           <a:p>
             <a:pPr lvl="2"/>
             <a:r>
-              <a:rPr lang="en-US" altLang="zh-TW" smtClean="0"/>
+              <a:rPr lang="en-US" altLang="zh-TW"/>
               <a:t>Third level</a:t>
             </a:r>
           </a:p>
           <a:p>
             <a:pPr lvl="3"/>
             <a:r>
-              <a:rPr lang="en-US" altLang="zh-TW" smtClean="0"/>
+              <a:rPr lang="en-US" altLang="zh-TW"/>
               <a:t>Fourth level</a:t>
             </a:r>
           </a:p>
           <a:p>
             <a:pPr lvl="4"/>
             <a:r>
-              <a:rPr lang="en-US" altLang="zh-TW" smtClean="0"/>
+              <a:rPr lang="en-US" altLang="zh-TW"/>
               <a:t>Fifth level</a:t>
             </a:r>
             <a:endParaRPr lang="zh-TW" altLang="en-US"/>
@@ -1877,35 +1894,35 @@
           <a:p>
             <a:pPr lvl="0"/>
             <a:r>
-              <a:rPr lang="en-US" altLang="zh-TW" smtClean="0"/>
+              <a:rPr lang="en-US" altLang="zh-TW"/>
               <a:t>Edit Master text styles</a:t>
             </a:r>
           </a:p>
           <a:p>
             <a:pPr lvl="1"/>
             <a:r>
-              <a:rPr lang="en-US" altLang="zh-TW" smtClean="0"/>
+              <a:rPr lang="en-US" altLang="zh-TW"/>
               <a:t>Second level</a:t>
             </a:r>
           </a:p>
           <a:p>
             <a:pPr lvl="2"/>
             <a:r>
-              <a:rPr lang="en-US" altLang="zh-TW" smtClean="0"/>
+              <a:rPr lang="en-US" altLang="zh-TW"/>
               <a:t>Third level</a:t>
             </a:r>
           </a:p>
           <a:p>
             <a:pPr lvl="3"/>
             <a:r>
-              <a:rPr lang="en-US" altLang="zh-TW" smtClean="0"/>
+              <a:rPr lang="en-US" altLang="zh-TW"/>
               <a:t>Fourth level</a:t>
             </a:r>
           </a:p>
           <a:p>
             <a:pPr lvl="4"/>
             <a:r>
-              <a:rPr lang="en-US" altLang="zh-TW" smtClean="0"/>
+              <a:rPr lang="en-US" altLang="zh-TW"/>
               <a:t>Fifth level</a:t>
             </a:r>
             <a:endParaRPr lang="zh-TW" altLang="en-US"/>
@@ -2032,7 +2049,7 @@
           </a:lstStyle>
           <a:p>
             <a:r>
-              <a:rPr lang="en-US" altLang="zh-TW" smtClean="0"/>
+              <a:rPr lang="en-US" altLang="zh-TW"/>
               <a:t>Click to edit Master title style</a:t>
             </a:r>
             <a:endParaRPr lang="zh-TW" altLang="en-US"/>
@@ -2098,7 +2115,7 @@
           <a:p>
             <a:pPr lvl="0"/>
             <a:r>
-              <a:rPr lang="en-US" altLang="zh-TW" smtClean="0"/>
+              <a:rPr lang="en-US" altLang="zh-TW"/>
               <a:t>Edit Master text styles</a:t>
             </a:r>
           </a:p>
@@ -2154,35 +2171,35 @@
           <a:p>
             <a:pPr lvl="0"/>
             <a:r>
-              <a:rPr lang="en-US" altLang="zh-TW" smtClean="0"/>
+              <a:rPr lang="en-US" altLang="zh-TW"/>
               <a:t>Edit Master text styles</a:t>
             </a:r>
           </a:p>
           <a:p>
             <a:pPr lvl="1"/>
             <a:r>
-              <a:rPr lang="en-US" altLang="zh-TW" smtClean="0"/>
+              <a:rPr lang="en-US" altLang="zh-TW"/>
               <a:t>Second level</a:t>
             </a:r>
           </a:p>
           <a:p>
             <a:pPr lvl="2"/>
             <a:r>
-              <a:rPr lang="en-US" altLang="zh-TW" smtClean="0"/>
+              <a:rPr lang="en-US" altLang="zh-TW"/>
               <a:t>Third level</a:t>
             </a:r>
           </a:p>
           <a:p>
             <a:pPr lvl="3"/>
             <a:r>
-              <a:rPr lang="en-US" altLang="zh-TW" smtClean="0"/>
+              <a:rPr lang="en-US" altLang="zh-TW"/>
               <a:t>Fourth level</a:t>
             </a:r>
           </a:p>
           <a:p>
             <a:pPr lvl="4"/>
             <a:r>
-              <a:rPr lang="en-US" altLang="zh-TW" smtClean="0"/>
+              <a:rPr lang="en-US" altLang="zh-TW"/>
               <a:t>Fifth level</a:t>
             </a:r>
             <a:endParaRPr lang="zh-TW" altLang="en-US"/>
@@ -2248,7 +2265,7 @@
           <a:p>
             <a:pPr lvl="0"/>
             <a:r>
-              <a:rPr lang="en-US" altLang="zh-TW" smtClean="0"/>
+              <a:rPr lang="en-US" altLang="zh-TW"/>
               <a:t>Edit Master text styles</a:t>
             </a:r>
           </a:p>
@@ -2304,35 +2321,35 @@
           <a:p>
             <a:pPr lvl="0"/>
             <a:r>
-              <a:rPr lang="en-US" altLang="zh-TW" smtClean="0"/>
+              <a:rPr lang="en-US" altLang="zh-TW"/>
               <a:t>Edit Master text styles</a:t>
             </a:r>
           </a:p>
           <a:p>
             <a:pPr lvl="1"/>
             <a:r>
-              <a:rPr lang="en-US" altLang="zh-TW" smtClean="0"/>
+              <a:rPr lang="en-US" altLang="zh-TW"/>
               <a:t>Second level</a:t>
             </a:r>
           </a:p>
           <a:p>
             <a:pPr lvl="2"/>
             <a:r>
-              <a:rPr lang="en-US" altLang="zh-TW" smtClean="0"/>
+              <a:rPr lang="en-US" altLang="zh-TW"/>
               <a:t>Third level</a:t>
             </a:r>
           </a:p>
           <a:p>
             <a:pPr lvl="3"/>
             <a:r>
-              <a:rPr lang="en-US" altLang="zh-TW" smtClean="0"/>
+              <a:rPr lang="en-US" altLang="zh-TW"/>
               <a:t>Fourth level</a:t>
             </a:r>
           </a:p>
           <a:p>
             <a:pPr lvl="4"/>
             <a:r>
-              <a:rPr lang="en-US" altLang="zh-TW" smtClean="0"/>
+              <a:rPr lang="en-US" altLang="zh-TW"/>
               <a:t>Fifth level</a:t>
             </a:r>
             <a:endParaRPr lang="zh-TW" altLang="en-US"/>
@@ -2455,7 +2472,7 @@
           <a:lstStyle/>
           <a:p>
             <a:r>
-              <a:rPr lang="en-US" altLang="zh-TW" smtClean="0"/>
+              <a:rPr lang="en-US" altLang="zh-TW"/>
               <a:t>Click to edit Master title style</a:t>
             </a:r>
             <a:endParaRPr lang="zh-TW" altLang="en-US"/>
@@ -2687,7 +2704,7 @@
           </a:lstStyle>
           <a:p>
             <a:r>
-              <a:rPr lang="en-US" altLang="zh-TW" smtClean="0"/>
+              <a:rPr lang="en-US" altLang="zh-TW"/>
               <a:t>Click to edit Master title style</a:t>
             </a:r>
             <a:endParaRPr lang="zh-TW" altLang="en-US"/>
@@ -2744,35 +2761,35 @@
           <a:p>
             <a:pPr lvl="0"/>
             <a:r>
-              <a:rPr lang="en-US" altLang="zh-TW" smtClean="0"/>
+              <a:rPr lang="en-US" altLang="zh-TW"/>
               <a:t>Edit Master text styles</a:t>
             </a:r>
           </a:p>
           <a:p>
             <a:pPr lvl="1"/>
             <a:r>
-              <a:rPr lang="en-US" altLang="zh-TW" smtClean="0"/>
+              <a:rPr lang="en-US" altLang="zh-TW"/>
               <a:t>Second level</a:t>
             </a:r>
           </a:p>
           <a:p>
             <a:pPr lvl="2"/>
             <a:r>
-              <a:rPr lang="en-US" altLang="zh-TW" smtClean="0"/>
+              <a:rPr lang="en-US" altLang="zh-TW"/>
               <a:t>Third level</a:t>
             </a:r>
           </a:p>
           <a:p>
             <a:pPr lvl="3"/>
             <a:r>
-              <a:rPr lang="en-US" altLang="zh-TW" smtClean="0"/>
+              <a:rPr lang="en-US" altLang="zh-TW"/>
               <a:t>Fourth level</a:t>
             </a:r>
           </a:p>
           <a:p>
             <a:pPr lvl="4"/>
             <a:r>
-              <a:rPr lang="en-US" altLang="zh-TW" smtClean="0"/>
+              <a:rPr lang="en-US" altLang="zh-TW"/>
               <a:t>Fifth level</a:t>
             </a:r>
             <a:endParaRPr lang="zh-TW" altLang="en-US"/>
@@ -2838,7 +2855,7 @@
           <a:p>
             <a:pPr lvl="0"/>
             <a:r>
-              <a:rPr lang="en-US" altLang="zh-TW" smtClean="0"/>
+              <a:rPr lang="en-US" altLang="zh-TW"/>
               <a:t>Edit Master text styles</a:t>
             </a:r>
           </a:p>
@@ -2969,7 +2986,7 @@
           </a:lstStyle>
           <a:p>
             <a:r>
-              <a:rPr lang="en-US" altLang="zh-TW" smtClean="0"/>
+              <a:rPr lang="en-US" altLang="zh-TW"/>
               <a:t>Click to edit Master title style</a:t>
             </a:r>
             <a:endParaRPr lang="zh-TW" altLang="en-US"/>
@@ -3034,7 +3051,7 @@
           </a:lstStyle>
           <a:p>
             <a:r>
-              <a:rPr lang="en-US" altLang="zh-TW" smtClean="0"/>
+              <a:rPr lang="en-US" altLang="zh-TW"/>
               <a:t>Click icon to add picture</a:t>
             </a:r>
             <a:endParaRPr lang="zh-TW" altLang="en-US"/>
@@ -3100,7 +3117,7 @@
           <a:p>
             <a:pPr lvl="0"/>
             <a:r>
-              <a:rPr lang="en-US" altLang="zh-TW" smtClean="0"/>
+              <a:rPr lang="en-US" altLang="zh-TW"/>
               <a:t>Edit Master text styles</a:t>
             </a:r>
           </a:p>
@@ -3242,10 +3259,9 @@
           <a:lstStyle/>
           <a:p>
             <a:r>
-              <a:rPr lang="zh-TW" altLang="en-US" smtClean="0"/>
+              <a:rPr lang="zh-TW" altLang="en-US"/>
               <a:t>按一下以編輯母片標題樣式</a:t>
             </a:r>
-            <a:endParaRPr lang="zh-TW" altLang="en-US"/>
           </a:p>
         </p:txBody>
       </p:sp>
@@ -3276,38 +3292,37 @@
           <a:p>
             <a:pPr lvl="0"/>
             <a:r>
-              <a:rPr lang="zh-TW" altLang="en-US" smtClean="0"/>
+              <a:rPr lang="zh-TW" altLang="en-US"/>
               <a:t>按一下以編輯母片文字樣式</a:t>
             </a:r>
           </a:p>
           <a:p>
             <a:pPr lvl="1"/>
             <a:r>
-              <a:rPr lang="zh-TW" altLang="en-US" smtClean="0"/>
+              <a:rPr lang="zh-TW" altLang="en-US"/>
               <a:t>第二層</a:t>
             </a:r>
           </a:p>
           <a:p>
             <a:pPr lvl="2"/>
             <a:r>
-              <a:rPr lang="zh-TW" altLang="en-US" smtClean="0"/>
+              <a:rPr lang="zh-TW" altLang="en-US"/>
               <a:t>第三層</a:t>
             </a:r>
           </a:p>
           <a:p>
             <a:pPr lvl="3"/>
             <a:r>
-              <a:rPr lang="zh-TW" altLang="en-US" smtClean="0"/>
+              <a:rPr lang="zh-TW" altLang="en-US"/>
               <a:t>第四層</a:t>
             </a:r>
           </a:p>
           <a:p>
             <a:pPr lvl="4"/>
             <a:r>
-              <a:rPr lang="zh-TW" altLang="en-US" smtClean="0"/>
+              <a:rPr lang="zh-TW" altLang="en-US"/>
               <a:t>第五層</a:t>
             </a:r>
-            <a:endParaRPr lang="zh-TW" altLang="en-US"/>
           </a:p>
         </p:txBody>
       </p:sp>
@@ -3728,7 +3743,7 @@
       </p:grpSpPr>
       <p:sp>
         <p:nvSpPr>
-          <p:cNvPr id="4" name="Title 3"/>
+          <p:cNvPr id="4" name="標題 3"/>
           <p:cNvSpPr>
             <a:spLocks noGrp="1"/>
           </p:cNvSpPr>
@@ -3736,166 +3751,106 @@
             <p:ph type="title"/>
           </p:nvPr>
         </p:nvSpPr>
-        <p:spPr/>
+        <p:spPr>
+          <a:xfrm>
+            <a:off x="0" y="2660915"/>
+            <a:ext cx="12192000" cy="1143000"/>
+          </a:xfrm>
+        </p:spPr>
         <p:txBody>
           <a:bodyPr>
-            <a:normAutofit/>
+            <a:noAutofit/>
           </a:bodyPr>
           <a:lstStyle/>
           <a:p>
             <a:r>
-              <a:rPr lang="en-US" altLang="zh-CN" sz="4800" b="1" dirty="0">
-                <a:solidFill>
-                  <a:srgbClr val="002060"/>
-                </a:solidFill>
-                <a:latin typeface="Microsoft JhengHei" panose="020B0604030504040204" pitchFamily="34" charset="-120"/>
-                <a:ea typeface="Microsoft JhengHei" panose="020B0604030504040204" pitchFamily="34" charset="-120"/>
+              <a:rPr lang="zh-CN" altLang="en-US" sz="5333" b="1" u="sng" dirty="0">
+                <a:solidFill>
+                  <a:srgbClr val="660033"/>
+                </a:solidFill>
+                <a:effectLst>
+                  <a:outerShdw blurRad="38100" dist="38100" dir="2700000" algn="tl">
+                    <a:srgbClr val="000000">
+                      <a:alpha val="43137"/>
+                    </a:srgbClr>
+                  </a:outerShdw>
+                </a:effectLst>
+                <a:latin typeface="微軟正黑體" pitchFamily="34" charset="-120"/>
+                <a:ea typeface="微軟正黑體" pitchFamily="34" charset="-120"/>
               </a:rPr>
-              <a:t>【</a:t>
-            </a:r>
-            <a:r>
-              <a:rPr lang="zh-CN" altLang="en-US" sz="4800" b="1" dirty="0">
-                <a:solidFill>
-                  <a:srgbClr val="002060"/>
-                </a:solidFill>
-                <a:latin typeface="Microsoft JhengHei" panose="020B0604030504040204" pitchFamily="34" charset="-120"/>
-                <a:ea typeface="Microsoft JhengHei" panose="020B0604030504040204" pitchFamily="34" charset="-120"/>
+              <a:t>宣道詩 </a:t>
+            </a:r>
+            <a:r>
+              <a:rPr lang="en-US" altLang="zh-CN" sz="5333" b="1" u="sng" dirty="0">
+                <a:solidFill>
+                  <a:srgbClr val="660033"/>
+                </a:solidFill>
+                <a:effectLst>
+                  <a:outerShdw blurRad="38100" dist="38100" dir="2700000" algn="tl">
+                    <a:srgbClr val="000000">
+                      <a:alpha val="43137"/>
+                    </a:srgbClr>
+                  </a:outerShdw>
+                </a:effectLst>
+                <a:latin typeface="微軟正黑體" pitchFamily="34" charset="-120"/>
+                <a:ea typeface="微軟正黑體" pitchFamily="34" charset="-120"/>
+              </a:rPr>
+              <a:t>155</a:t>
+            </a:r>
+            <a:br>
+              <a:rPr lang="en-US" altLang="zh-CN" sz="7200" b="1" i="1" dirty="0">
+                <a:solidFill>
+                  <a:srgbClr val="660033"/>
+                </a:solidFill>
+                <a:effectLst>
+                  <a:outerShdw blurRad="38100" dist="38100" dir="2700000" algn="tl">
+                    <a:srgbClr val="000000">
+                      <a:alpha val="43137"/>
+                    </a:srgbClr>
+                  </a:outerShdw>
+                </a:effectLst>
+                <a:latin typeface="微軟正黑體" pitchFamily="34" charset="-120"/>
+                <a:ea typeface="微軟正黑體" pitchFamily="34" charset="-120"/>
+              </a:rPr>
+            </a:br>
+            <a:r>
+              <a:rPr lang="zh-CN" altLang="en-US" sz="8000" b="1" dirty="0">
+                <a:solidFill>
+                  <a:srgbClr val="000066"/>
+                </a:solidFill>
+                <a:effectLst>
+                  <a:outerShdw blurRad="38100" dist="38100" dir="2700000" algn="tl">
+                    <a:srgbClr val="000000">
+                      <a:alpha val="43137"/>
+                    </a:srgbClr>
+                  </a:outerShdw>
+                </a:effectLst>
+                <a:latin typeface="微軟正黑體" pitchFamily="34" charset="-120"/>
+                <a:ea typeface="微軟正黑體" pitchFamily="34" charset="-120"/>
               </a:rPr>
               <a:t>獻己於主</a:t>
             </a:r>
-            <a:r>
-              <a:rPr lang="en-US" altLang="zh-CN" sz="4800" b="1" dirty="0">
-                <a:solidFill>
-                  <a:srgbClr val="002060"/>
-                </a:solidFill>
-                <a:latin typeface="Microsoft JhengHei" panose="020B0604030504040204" pitchFamily="34" charset="-120"/>
-                <a:ea typeface="Microsoft JhengHei" panose="020B0604030504040204" pitchFamily="34" charset="-120"/>
-              </a:rPr>
-              <a:t>】</a:t>
-            </a:r>
-          </a:p>
-        </p:txBody>
-      </p:sp>
-      <p:sp>
-        <p:nvSpPr>
-          <p:cNvPr id="5" name="Content Placeholder 4"/>
-          <p:cNvSpPr>
-            <a:spLocks noGrp="1"/>
-          </p:cNvSpPr>
-          <p:nvPr>
-            <p:ph idx="1"/>
-          </p:nvPr>
-        </p:nvSpPr>
-        <p:spPr/>
-        <p:txBody>
-          <a:bodyPr>
-            <a:normAutofit/>
-          </a:bodyPr>
-          <a:lstStyle/>
-          <a:p>
-            <a:pPr marL="0" indent="0" algn="ctr">
-              <a:buNone/>
-            </a:pPr>
-            <a:r>
-              <a:rPr lang="zh-TW" altLang="en-US" sz="5400" b="1" dirty="0">
-                <a:solidFill>
-                  <a:srgbClr val="002060"/>
-                </a:solidFill>
-                <a:latin typeface="Microsoft JhengHei" panose="020B0604030504040204" pitchFamily="34" charset="-120"/>
-                <a:ea typeface="Microsoft JhengHei" panose="020B0604030504040204" pitchFamily="34" charset="-120"/>
-              </a:rPr>
-              <a:t>我一生求主管理</a:t>
-            </a:r>
-          </a:p>
-          <a:p>
-            <a:pPr marL="0" indent="0" algn="ctr">
-              <a:buNone/>
-            </a:pPr>
-            <a:r>
-              <a:rPr lang="zh-TW" altLang="en-US" sz="5400" b="1" dirty="0">
-                <a:solidFill>
-                  <a:srgbClr val="002060"/>
-                </a:solidFill>
-                <a:latin typeface="Microsoft JhengHei" panose="020B0604030504040204" pitchFamily="34" charset="-120"/>
-                <a:ea typeface="Microsoft JhengHei" panose="020B0604030504040204" pitchFamily="34" charset="-120"/>
-              </a:rPr>
-              <a:t>願獻身心為活祭</a:t>
-            </a:r>
-          </a:p>
-          <a:p>
-            <a:pPr marL="0" indent="0" algn="ctr">
-              <a:buNone/>
-            </a:pPr>
-            <a:r>
-              <a:rPr lang="zh-TW" altLang="en-US" sz="5400" b="1" dirty="0">
-                <a:solidFill>
-                  <a:srgbClr val="002060"/>
-                </a:solidFill>
-                <a:latin typeface="Microsoft JhengHei" panose="020B0604030504040204" pitchFamily="34" charset="-120"/>
-                <a:ea typeface="Microsoft JhengHei" panose="020B0604030504040204" pitchFamily="34" charset="-120"/>
-              </a:rPr>
-              <a:t>我光陰全歸主用</a:t>
-            </a:r>
-          </a:p>
-          <a:p>
-            <a:pPr marL="0" indent="0" algn="ctr">
-              <a:buNone/>
-            </a:pPr>
-            <a:r>
-              <a:rPr lang="zh-TW" altLang="en-US" sz="5400" b="1" dirty="0">
-                <a:solidFill>
-                  <a:srgbClr val="002060"/>
-                </a:solidFill>
-                <a:latin typeface="Microsoft JhengHei" panose="020B0604030504040204" pitchFamily="34" charset="-120"/>
-                <a:ea typeface="Microsoft JhengHei" panose="020B0604030504040204" pitchFamily="34" charset="-120"/>
-              </a:rPr>
-              <a:t>不够報答主恩寵</a:t>
-            </a:r>
-          </a:p>
-        </p:txBody>
-      </p:sp>
-      <p:sp>
-        <p:nvSpPr>
-          <p:cNvPr id="6" name="Text Box 1"/>
-          <p:cNvSpPr txBox="1"/>
-          <p:nvPr/>
-        </p:nvSpPr>
-        <p:spPr>
-          <a:xfrm>
-            <a:off x="1199456" y="1700808"/>
-            <a:ext cx="1380490" cy="923330"/>
-          </a:xfrm>
-          <a:prstGeom prst="rect">
-            <a:avLst/>
-          </a:prstGeom>
-          <a:noFill/>
-          <a:ln w="9525">
-            <a:noFill/>
-            <a:miter lim="800000"/>
-          </a:ln>
-        </p:spPr>
-        <p:txBody>
-          <a:bodyPr wrap="square">
-            <a:spAutoFit/>
-          </a:bodyPr>
-          <a:lstStyle/>
-          <a:p>
-            <a:pPr algn="ctr"/>
-            <a:r>
-              <a:rPr lang="en-US" sz="5400" b="1" dirty="0">
-                <a:solidFill>
-                  <a:srgbClr val="002060"/>
-                </a:solidFill>
-              </a:rPr>
-              <a:t>1.</a:t>
-            </a:r>
+            <a:endParaRPr lang="zh-TW" altLang="en-US" sz="8000" b="1" dirty="0">
+              <a:solidFill>
+                <a:srgbClr val="000066"/>
+              </a:solidFill>
+              <a:effectLst>
+                <a:outerShdw blurRad="38100" dist="38100" dir="2700000" algn="tl">
+                  <a:srgbClr val="000000">
+                    <a:alpha val="43137"/>
+                  </a:srgbClr>
+                </a:outerShdw>
+              </a:effectLst>
+              <a:latin typeface="微軟正黑體" pitchFamily="34" charset="-120"/>
+              <a:ea typeface="微軟正黑體" pitchFamily="34" charset="-120"/>
+            </a:endParaRPr>
           </a:p>
         </p:txBody>
       </p:sp>
     </p:spTree>
     <p:extLst>
       <p:ext uri="{BB962C8B-B14F-4D97-AF65-F5344CB8AC3E}">
-        <p14:creationId xmlns:p14="http://schemas.microsoft.com/office/powerpoint/2010/main" val="1504497195"/>
+        <p14:creationId xmlns:p14="http://schemas.microsoft.com/office/powerpoint/2010/main" val="2520355192"/>
       </p:ext>
     </p:extLst>
   </p:cSld>
@@ -3910,7 +3865,13 @@
   <p:cSld>
     <p:spTree>
       <p:nvGrpSpPr>
-        <p:cNvPr id="1" name=""/>
+        <p:cNvPr id="1" name="">
+          <a:extLst>
+            <a:ext uri="{FF2B5EF4-FFF2-40B4-BE49-F238E27FC236}">
+              <a16:creationId xmlns:a16="http://schemas.microsoft.com/office/drawing/2014/main" id="{CF134A8A-D4C6-CAC3-69E0-EB47C396F77A}"/>
+            </a:ext>
+          </a:extLst>
+        </p:cNvPr>
         <p:cNvGrpSpPr/>
         <p:nvPr/>
       </p:nvGrpSpPr>
@@ -3924,182 +3885,104 @@
       </p:grpSpPr>
       <p:sp>
         <p:nvSpPr>
-          <p:cNvPr id="4" name="Title 3"/>
-          <p:cNvSpPr>
-            <a:spLocks noGrp="1"/>
-          </p:cNvSpPr>
-          <p:nvPr>
-            <p:ph type="title"/>
-          </p:nvPr>
-        </p:nvSpPr>
-        <p:spPr/>
-        <p:txBody>
-          <a:bodyPr>
+          <p:cNvPr id="5" name="內容版面配置區 4">
+            <a:extLst>
+              <a:ext uri="{FF2B5EF4-FFF2-40B4-BE49-F238E27FC236}">
+                <a16:creationId xmlns:a16="http://schemas.microsoft.com/office/drawing/2014/main" id="{F25835C0-4008-A59A-E30B-DB7BC2913B1A}"/>
+              </a:ext>
+            </a:extLst>
+          </p:cNvPr>
+          <p:cNvSpPr>
+            <a:spLocks noGrp="1"/>
+          </p:cNvSpPr>
+          <p:nvPr>
+            <p:ph idx="1"/>
+          </p:nvPr>
+        </p:nvSpPr>
+        <p:spPr>
+          <a:xfrm>
+            <a:off x="0" y="2084853"/>
+            <a:ext cx="12192000" cy="2404863"/>
+          </a:xfrm>
+        </p:spPr>
+        <p:txBody>
+          <a:bodyPr anchor="ctr">
             <a:normAutofit/>
           </a:bodyPr>
           <a:lstStyle/>
           <a:p>
-            <a:r>
-              <a:rPr lang="en-US" altLang="zh-CN" sz="4800" b="1" dirty="0">
-                <a:solidFill>
-                  <a:srgbClr val="002060"/>
+            <a:pPr marL="0" indent="0" algn="ctr">
+              <a:buNone/>
+            </a:pPr>
+            <a:r>
+              <a:rPr lang="zh-TW" altLang="en-US" sz="6400" b="1" dirty="0">
+                <a:solidFill>
+                  <a:srgbClr val="000066"/>
                 </a:solidFill>
                 <a:latin typeface="Microsoft JhengHei" panose="020B0604030504040204" pitchFamily="34" charset="-120"/>
                 <a:ea typeface="Microsoft JhengHei" panose="020B0604030504040204" pitchFamily="34" charset="-120"/>
               </a:rPr>
-              <a:t>【</a:t>
-            </a:r>
-            <a:r>
-              <a:rPr lang="zh-CN" altLang="en-US" sz="4800" b="1" dirty="0">
-                <a:solidFill>
-                  <a:srgbClr val="002060"/>
+              <a:t>使我口時常頌揚</a:t>
+            </a:r>
+          </a:p>
+          <a:p>
+            <a:pPr marL="0" indent="0" algn="ctr">
+              <a:buNone/>
+            </a:pPr>
+            <a:r>
+              <a:rPr lang="zh-TW" altLang="en-US" sz="6400" b="1" dirty="0">
+                <a:solidFill>
+                  <a:srgbClr val="000066"/>
                 </a:solidFill>
                 <a:latin typeface="Microsoft JhengHei" panose="020B0604030504040204" pitchFamily="34" charset="-120"/>
                 <a:ea typeface="Microsoft JhengHei" panose="020B0604030504040204" pitchFamily="34" charset="-120"/>
               </a:rPr>
-              <a:t>獻己於主</a:t>
-            </a:r>
-            <a:r>
-              <a:rPr lang="en-US" altLang="zh-CN" sz="4800" b="1" dirty="0">
-                <a:solidFill>
-                  <a:srgbClr val="002060"/>
-                </a:solidFill>
-                <a:latin typeface="Microsoft JhengHei" panose="020B0604030504040204" pitchFamily="34" charset="-120"/>
-                <a:ea typeface="Microsoft JhengHei" panose="020B0604030504040204" pitchFamily="34" charset="-120"/>
+              <a:t>每歌唱榮耀我神</a:t>
+            </a:r>
+          </a:p>
+        </p:txBody>
+      </p:sp>
+      <p:sp>
+        <p:nvSpPr>
+          <p:cNvPr id="3" name="TextBox 2">
+            <a:extLst>
+              <a:ext uri="{FF2B5EF4-FFF2-40B4-BE49-F238E27FC236}">
+                <a16:creationId xmlns:a16="http://schemas.microsoft.com/office/drawing/2014/main" id="{9C46C03A-5B4D-A046-63C6-835902C42EE6}"/>
+              </a:ext>
+            </a:extLst>
+          </p:cNvPr>
+          <p:cNvSpPr txBox="1"/>
+          <p:nvPr/>
+        </p:nvSpPr>
+        <p:spPr>
+          <a:xfrm>
+            <a:off x="0" y="5061183"/>
+            <a:ext cx="12192000" cy="666786"/>
+          </a:xfrm>
+          <a:prstGeom prst="rect">
+            <a:avLst/>
+          </a:prstGeom>
+          <a:noFill/>
+        </p:spPr>
+        <p:txBody>
+          <a:bodyPr wrap="square" rtlCol="0">
+            <a:spAutoFit/>
+          </a:bodyPr>
+          <a:lstStyle/>
+          <a:p>
+            <a:pPr algn="ctr"/>
+            <a:r>
+              <a:rPr lang="en-US" sz="3733" b="1" dirty="0">
+                <a:solidFill>
+                  <a:srgbClr val="000066"/>
+                </a:solidFill>
               </a:rPr>
-              <a:t>】</a:t>
-            </a:r>
-          </a:p>
-        </p:txBody>
-      </p:sp>
-      <p:sp>
-        <p:nvSpPr>
-          <p:cNvPr id="5" name="Content Placeholder 4"/>
-          <p:cNvSpPr>
-            <a:spLocks noGrp="1"/>
-          </p:cNvSpPr>
-          <p:nvPr>
-            <p:ph idx="1"/>
-          </p:nvPr>
-        </p:nvSpPr>
-        <p:spPr/>
-        <p:txBody>
-          <a:bodyPr>
-            <a:normAutofit/>
-          </a:bodyPr>
-          <a:lstStyle/>
-          <a:p>
-            <a:pPr marL="0" indent="0" algn="ctr">
-              <a:buNone/>
-            </a:pPr>
-            <a:r>
-              <a:rPr lang="zh-TW" altLang="en-US" sz="5400" b="1" dirty="0">
-                <a:solidFill>
-                  <a:srgbClr val="002060"/>
-                </a:solidFill>
-                <a:latin typeface="Microsoft JhengHei" panose="020B0604030504040204" pitchFamily="34" charset="-120"/>
-                <a:ea typeface="Microsoft JhengHei" panose="020B0604030504040204" pitchFamily="34" charset="-120"/>
-              </a:rPr>
-              <a:t>在救主寶貴血內洗淨</a:t>
-            </a:r>
-          </a:p>
-          <a:p>
-            <a:pPr marL="0" indent="0" algn="ctr">
-              <a:buNone/>
-            </a:pPr>
-            <a:r>
-              <a:rPr lang="zh-TW" altLang="en-US" sz="5400" b="1" dirty="0">
-                <a:solidFill>
-                  <a:srgbClr val="002060"/>
-                </a:solidFill>
-                <a:latin typeface="Microsoft JhengHei" panose="020B0604030504040204" pitchFamily="34" charset="-120"/>
-                <a:ea typeface="Microsoft JhengHei" panose="020B0604030504040204" pitchFamily="34" charset="-120"/>
-              </a:rPr>
-              <a:t>使我從血泉能得成</a:t>
-            </a:r>
-            <a:r>
-              <a:rPr lang="zh-TW" altLang="en-US" sz="5400" b="1" dirty="0">
-                <a:solidFill>
-                  <a:srgbClr val="002060"/>
-                </a:solidFill>
-                <a:latin typeface="Microsoft JhengHei" panose="020B0604030504040204" pitchFamily="34" charset="-120"/>
-                <a:ea typeface="Microsoft JhengHei" panose="020B0604030504040204" pitchFamily="34" charset="-120"/>
-              </a:rPr>
-              <a:t>聖</a:t>
-            </a:r>
-            <a:endParaRPr lang="en-US" altLang="zh-TW" sz="5400" b="1" dirty="0">
+              <a:t>( 3 / 6 )</a:t>
+            </a:r>
+            <a:endParaRPr lang="vi-VN" sz="3733" b="1" dirty="0">
               <a:solidFill>
-                <a:srgbClr val="002060"/>
+                <a:srgbClr val="000066"/>
               </a:solidFill>
-              <a:latin typeface="Microsoft JhengHei" panose="020B0604030504040204" pitchFamily="34" charset="-120"/>
-              <a:ea typeface="Microsoft JhengHei" panose="020B0604030504040204" pitchFamily="34" charset="-120"/>
-            </a:endParaRPr>
-          </a:p>
-          <a:p>
-            <a:pPr marL="0" indent="0" algn="ctr">
-              <a:buNone/>
-            </a:pPr>
-            <a:r>
-              <a:rPr lang="zh-TW" altLang="en-US" sz="5400" b="1" dirty="0">
-                <a:solidFill>
-                  <a:srgbClr val="002060"/>
-                </a:solidFill>
-                <a:latin typeface="Microsoft JhengHei" panose="020B0604030504040204" pitchFamily="34" charset="-120"/>
-                <a:ea typeface="Microsoft JhengHei" panose="020B0604030504040204" pitchFamily="34" charset="-120"/>
-              </a:rPr>
-              <a:t>主   我命我</a:t>
-            </a:r>
-            <a:r>
-              <a:rPr lang="zh-TW" altLang="en-US" sz="5400" b="1" dirty="0">
-                <a:solidFill>
-                  <a:srgbClr val="002060"/>
-                </a:solidFill>
-                <a:latin typeface="Microsoft JhengHei" panose="020B0604030504040204" pitchFamily="34" charset="-120"/>
-                <a:ea typeface="Microsoft JhengHei" panose="020B0604030504040204" pitchFamily="34" charset="-120"/>
-              </a:rPr>
-              <a:t>心一</a:t>
-            </a:r>
-            <a:r>
-              <a:rPr lang="zh-TW" altLang="en-US" sz="5400" b="1" dirty="0">
-                <a:solidFill>
-                  <a:srgbClr val="002060"/>
-                </a:solidFill>
-                <a:latin typeface="Microsoft JhengHei" panose="020B0604030504040204" pitchFamily="34" charset="-120"/>
-                <a:ea typeface="Microsoft JhengHei" panose="020B0604030504040204" pitchFamily="34" charset="-120"/>
-              </a:rPr>
-              <a:t>切都歸與你</a:t>
-            </a:r>
-          </a:p>
-          <a:p>
-            <a:pPr marL="0" indent="0" algn="ctr">
-              <a:buNone/>
-            </a:pPr>
-            <a:r>
-              <a:rPr lang="zh-TW" altLang="en-US" sz="5400" b="1" dirty="0">
-                <a:solidFill>
-                  <a:srgbClr val="002060"/>
-                </a:solidFill>
-                <a:latin typeface="Microsoft JhengHei" panose="020B0604030504040204" pitchFamily="34" charset="-120"/>
-                <a:ea typeface="Microsoft JhengHei" panose="020B0604030504040204" pitchFamily="34" charset="-120"/>
-              </a:rPr>
-              <a:t>從今日直到永</a:t>
-            </a:r>
-            <a:r>
-              <a:rPr lang="zh-TW" altLang="en-US" sz="5400" b="1" dirty="0">
-                <a:solidFill>
-                  <a:srgbClr val="002060"/>
-                </a:solidFill>
-                <a:latin typeface="Microsoft JhengHei" panose="020B0604030504040204" pitchFamily="34" charset="-120"/>
-                <a:ea typeface="Microsoft JhengHei" panose="020B0604030504040204" pitchFamily="34" charset="-120"/>
-              </a:rPr>
-              <a:t>遠</a:t>
-            </a:r>
-            <a:endParaRPr lang="zh-TW" altLang="en-US" sz="5400" b="1" dirty="0">
-              <a:solidFill>
-                <a:srgbClr val="002060"/>
-              </a:solidFill>
-              <a:latin typeface="Microsoft JhengHei" panose="020B0604030504040204" pitchFamily="34" charset="-120"/>
-              <a:ea typeface="Microsoft JhengHei" panose="020B0604030504040204" pitchFamily="34" charset="-120"/>
             </a:endParaRPr>
           </a:p>
         </p:txBody>
@@ -4107,7 +3990,7 @@
     </p:spTree>
     <p:extLst>
       <p:ext uri="{BB962C8B-B14F-4D97-AF65-F5344CB8AC3E}">
-        <p14:creationId xmlns:p14="http://schemas.microsoft.com/office/powerpoint/2010/main" val="1850868374"/>
+        <p14:creationId xmlns:p14="http://schemas.microsoft.com/office/powerpoint/2010/main" val="1399214663"/>
       </p:ext>
     </p:extLst>
   </p:cSld>
@@ -4122,7 +4005,13 @@
   <p:cSld>
     <p:spTree>
       <p:nvGrpSpPr>
-        <p:cNvPr id="1" name=""/>
+        <p:cNvPr id="1" name="">
+          <a:extLst>
+            <a:ext uri="{FF2B5EF4-FFF2-40B4-BE49-F238E27FC236}">
+              <a16:creationId xmlns:a16="http://schemas.microsoft.com/office/drawing/2014/main" id="{2514F169-5B6F-1228-20B8-D49C6DD61126}"/>
+            </a:ext>
+          </a:extLst>
+        </p:cNvPr>
         <p:cNvGrpSpPr/>
         <p:nvPr/>
       </p:nvGrpSpPr>
@@ -4136,178 +4025,123 @@
       </p:grpSpPr>
       <p:sp>
         <p:nvSpPr>
-          <p:cNvPr id="4" name="Title 3"/>
-          <p:cNvSpPr>
-            <a:spLocks noGrp="1"/>
-          </p:cNvSpPr>
-          <p:nvPr>
-            <p:ph type="title"/>
-          </p:nvPr>
-        </p:nvSpPr>
-        <p:spPr/>
-        <p:txBody>
-          <a:bodyPr>
+          <p:cNvPr id="5" name="內容版面配置區 4">
+            <a:extLst>
+              <a:ext uri="{FF2B5EF4-FFF2-40B4-BE49-F238E27FC236}">
+                <a16:creationId xmlns:a16="http://schemas.microsoft.com/office/drawing/2014/main" id="{2F6B39D8-0E7B-ED46-0982-A8452D60AD0B}"/>
+              </a:ext>
+            </a:extLst>
+          </p:cNvPr>
+          <p:cNvSpPr>
+            <a:spLocks noGrp="1"/>
+          </p:cNvSpPr>
+          <p:nvPr>
+            <p:ph idx="1"/>
+          </p:nvPr>
+        </p:nvSpPr>
+        <p:spPr>
+          <a:xfrm>
+            <a:off x="0" y="2084853"/>
+            <a:ext cx="12192000" cy="2404863"/>
+          </a:xfrm>
+        </p:spPr>
+        <p:txBody>
+          <a:bodyPr anchor="ctr">
             <a:normAutofit/>
           </a:bodyPr>
           <a:lstStyle/>
           <a:p>
-            <a:r>
-              <a:rPr lang="en-US" altLang="zh-CN" sz="4800" b="1" dirty="0">
-                <a:solidFill>
-                  <a:srgbClr val="002060"/>
+            <a:pPr marL="0" indent="0" algn="ctr">
+              <a:buNone/>
+            </a:pPr>
+            <a:r>
+              <a:rPr lang="zh-TW" altLang="en-US" sz="6400" b="1" dirty="0">
+                <a:solidFill>
+                  <a:srgbClr val="000066"/>
                 </a:solidFill>
                 <a:latin typeface="Microsoft JhengHei" panose="020B0604030504040204" pitchFamily="34" charset="-120"/>
                 <a:ea typeface="Microsoft JhengHei" panose="020B0604030504040204" pitchFamily="34" charset="-120"/>
               </a:rPr>
-              <a:t>【</a:t>
-            </a:r>
-            <a:r>
-              <a:rPr lang="zh-CN" altLang="en-US" sz="4800" b="1" dirty="0">
-                <a:solidFill>
-                  <a:srgbClr val="002060"/>
+              <a:t>使我口滿有主言</a:t>
+            </a:r>
+          </a:p>
+          <a:p>
+            <a:pPr marL="0" indent="0" algn="ctr">
+              <a:buNone/>
+            </a:pPr>
+            <a:r>
+              <a:rPr lang="zh-TW" altLang="en-US" sz="6400" b="1" dirty="0">
+                <a:solidFill>
+                  <a:srgbClr val="000066"/>
                 </a:solidFill>
                 <a:latin typeface="Microsoft JhengHei" panose="020B0604030504040204" pitchFamily="34" charset="-120"/>
                 <a:ea typeface="Microsoft JhengHei" panose="020B0604030504040204" pitchFamily="34" charset="-120"/>
               </a:rPr>
-              <a:t>獻己於主</a:t>
-            </a:r>
-            <a:r>
-              <a:rPr lang="en-US" altLang="zh-CN" sz="4800" b="1" dirty="0">
-                <a:solidFill>
-                  <a:srgbClr val="002060"/>
+              <a:t>到處宣講</a:t>
+            </a:r>
+            <a:r>
+              <a:rPr lang="zh-CN" altLang="zh-TW" sz="6400" b="1" dirty="0">
+                <a:solidFill>
+                  <a:srgbClr val="000066"/>
                 </a:solidFill>
                 <a:latin typeface="Microsoft JhengHei" panose="020B0604030504040204" pitchFamily="34" charset="-120"/>
                 <a:ea typeface="Microsoft JhengHei" panose="020B0604030504040204" pitchFamily="34" charset="-120"/>
               </a:rPr>
-              <a:t>】</a:t>
-            </a:r>
-          </a:p>
-        </p:txBody>
-      </p:sp>
-      <p:sp>
-        <p:nvSpPr>
-          <p:cNvPr id="5" name="Content Placeholder 4"/>
-          <p:cNvSpPr>
-            <a:spLocks noGrp="1"/>
-          </p:cNvSpPr>
-          <p:nvPr>
-            <p:ph idx="1"/>
-          </p:nvPr>
-        </p:nvSpPr>
-        <p:spPr/>
-        <p:txBody>
-          <a:bodyPr>
-            <a:normAutofit/>
-          </a:bodyPr>
-          <a:lstStyle/>
-          <a:p>
-            <a:pPr marL="0" indent="0" algn="ctr">
-              <a:buNone/>
-            </a:pPr>
-            <a:r>
-              <a:rPr lang="zh-TW" altLang="en-US" sz="5400" b="1" dirty="0">
-                <a:solidFill>
-                  <a:srgbClr val="002060"/>
+              <a:t>在</a:t>
+            </a:r>
+            <a:r>
+              <a:rPr lang="zh-TW" altLang="en-US" sz="6400" b="1" dirty="0">
+                <a:solidFill>
+                  <a:srgbClr val="000066"/>
                 </a:solidFill>
                 <a:latin typeface="Microsoft JhengHei" panose="020B0604030504040204" pitchFamily="34" charset="-120"/>
                 <a:ea typeface="Microsoft JhengHei" panose="020B0604030504040204" pitchFamily="34" charset="-120"/>
               </a:rPr>
-              <a:t>使我愛如火上升</a:t>
-            </a:r>
-          </a:p>
-          <a:p>
-            <a:pPr marL="0" indent="0" algn="ctr">
-              <a:buNone/>
-            </a:pPr>
-            <a:r>
-              <a:rPr lang="zh-TW" altLang="en-US" sz="5400" b="1" dirty="0">
-                <a:solidFill>
-                  <a:srgbClr val="002060"/>
-                </a:solidFill>
-                <a:latin typeface="Microsoft JhengHei" panose="020B0604030504040204" pitchFamily="34" charset="-120"/>
-                <a:ea typeface="Microsoft JhengHei" panose="020B0604030504040204" pitchFamily="34" charset="-120"/>
-              </a:rPr>
-              <a:t>全獻給我主我神</a:t>
-            </a:r>
-          </a:p>
-          <a:p>
-            <a:pPr marL="0" indent="0" algn="ctr">
-              <a:buNone/>
-            </a:pPr>
-            <a:r>
-              <a:rPr lang="zh-TW" altLang="en-US" sz="5400" b="1" dirty="0">
-                <a:solidFill>
-                  <a:srgbClr val="002060"/>
-                </a:solidFill>
-                <a:latin typeface="Microsoft JhengHei" panose="020B0604030504040204" pitchFamily="34" charset="-120"/>
-                <a:ea typeface="Microsoft JhengHei" panose="020B0604030504040204" pitchFamily="34" charset="-120"/>
-              </a:rPr>
-              <a:t>我願獻一切所有</a:t>
-            </a:r>
-          </a:p>
-          <a:p>
-            <a:pPr marL="0" indent="0" algn="ctr">
-              <a:buNone/>
-            </a:pPr>
-            <a:r>
-              <a:rPr lang="zh-TW" altLang="en-US" sz="5400" b="1" dirty="0">
-                <a:solidFill>
-                  <a:srgbClr val="002060"/>
-                </a:solidFill>
-                <a:latin typeface="Microsoft JhengHei" panose="020B0604030504040204" pitchFamily="34" charset="-120"/>
-                <a:ea typeface="Microsoft JhengHei" panose="020B0604030504040204" pitchFamily="34" charset="-120"/>
-              </a:rPr>
-              <a:t>因我本來屬乎主</a:t>
-            </a:r>
-          </a:p>
-        </p:txBody>
-      </p:sp>
-      <p:sp>
-        <p:nvSpPr>
-          <p:cNvPr id="6" name="Text Box 1"/>
+              <a:t>人前</a:t>
+            </a:r>
+          </a:p>
+        </p:txBody>
+      </p:sp>
+      <p:sp>
+        <p:nvSpPr>
+          <p:cNvPr id="3" name="TextBox 2">
+            <a:extLst>
+              <a:ext uri="{FF2B5EF4-FFF2-40B4-BE49-F238E27FC236}">
+                <a16:creationId xmlns:a16="http://schemas.microsoft.com/office/drawing/2014/main" id="{6CC251EF-01DE-5DAD-87F3-300216F927B9}"/>
+              </a:ext>
+            </a:extLst>
+          </p:cNvPr>
           <p:cNvSpPr txBox="1"/>
           <p:nvPr/>
         </p:nvSpPr>
         <p:spPr>
           <a:xfrm>
-            <a:off x="1199456" y="1700808"/>
-            <a:ext cx="1380490" cy="923330"/>
+            <a:off x="0" y="5061183"/>
+            <a:ext cx="12192000" cy="666786"/>
           </a:xfrm>
           <a:prstGeom prst="rect">
             <a:avLst/>
           </a:prstGeom>
           <a:noFill/>
-          <a:ln w="9525">
-            <a:noFill/>
-            <a:miter lim="800000"/>
-          </a:ln>
         </p:spPr>
         <p:txBody>
-          <a:bodyPr wrap="square">
+          <a:bodyPr wrap="square" rtlCol="0">
             <a:spAutoFit/>
           </a:bodyPr>
           <a:lstStyle/>
           <a:p>
             <a:pPr algn="ctr"/>
             <a:r>
-              <a:rPr lang="en-US" sz="5400" b="1" dirty="0">
-                <a:solidFill>
-                  <a:srgbClr val="002060"/>
+              <a:rPr lang="en-US" sz="3733" b="1" dirty="0">
+                <a:solidFill>
+                  <a:srgbClr val="000066"/>
                 </a:solidFill>
               </a:rPr>
-              <a:t>6</a:t>
-            </a:r>
-            <a:r>
-              <a:rPr lang="en-US" sz="5400" b="1" dirty="0" smtClean="0">
-                <a:solidFill>
-                  <a:srgbClr val="002060"/>
-                </a:solidFill>
-              </a:rPr>
-              <a:t>.</a:t>
-            </a:r>
-            <a:endParaRPr lang="en-US" sz="5400" b="1" dirty="0">
+              <a:t>( 3 / 6 )</a:t>
+            </a:r>
+            <a:endParaRPr lang="vi-VN" sz="3733" b="1" dirty="0">
               <a:solidFill>
-                <a:srgbClr val="002060"/>
+                <a:srgbClr val="000066"/>
               </a:solidFill>
             </a:endParaRPr>
           </a:p>
@@ -4316,7 +4150,7 @@
     </p:spTree>
     <p:extLst>
       <p:ext uri="{BB962C8B-B14F-4D97-AF65-F5344CB8AC3E}">
-        <p14:creationId xmlns:p14="http://schemas.microsoft.com/office/powerpoint/2010/main" val="3301909749"/>
+        <p14:creationId xmlns:p14="http://schemas.microsoft.com/office/powerpoint/2010/main" val="2052549604"/>
       </p:ext>
     </p:extLst>
   </p:cSld>
@@ -4331,7 +4165,13 @@
   <p:cSld>
     <p:spTree>
       <p:nvGrpSpPr>
-        <p:cNvPr id="1" name=""/>
+        <p:cNvPr id="1" name="">
+          <a:extLst>
+            <a:ext uri="{FF2B5EF4-FFF2-40B4-BE49-F238E27FC236}">
+              <a16:creationId xmlns:a16="http://schemas.microsoft.com/office/drawing/2014/main" id="{10D9694E-08F9-760F-F067-08BFA94CED4B}"/>
+            </a:ext>
+          </a:extLst>
+        </p:cNvPr>
         <p:cNvGrpSpPr/>
         <p:nvPr/>
       </p:nvGrpSpPr>
@@ -4345,78 +4185,39 @@
       </p:grpSpPr>
       <p:sp>
         <p:nvSpPr>
-          <p:cNvPr id="4" name="Title 3"/>
-          <p:cNvSpPr>
-            <a:spLocks noGrp="1"/>
-          </p:cNvSpPr>
-          <p:nvPr>
-            <p:ph type="title"/>
-          </p:nvPr>
-        </p:nvSpPr>
-        <p:spPr/>
-        <p:txBody>
-          <a:bodyPr>
+          <p:cNvPr id="5" name="內容版面配置區 4">
+            <a:extLst>
+              <a:ext uri="{FF2B5EF4-FFF2-40B4-BE49-F238E27FC236}">
+                <a16:creationId xmlns:a16="http://schemas.microsoft.com/office/drawing/2014/main" id="{D506F2C0-0779-E113-B2B6-D33D451734C1}"/>
+              </a:ext>
+            </a:extLst>
+          </p:cNvPr>
+          <p:cNvSpPr>
+            <a:spLocks noGrp="1"/>
+          </p:cNvSpPr>
+          <p:nvPr>
+            <p:ph idx="1"/>
+          </p:nvPr>
+        </p:nvSpPr>
+        <p:spPr>
+          <a:xfrm>
+            <a:off x="0" y="2084853"/>
+            <a:ext cx="12192000" cy="2404863"/>
+          </a:xfrm>
+        </p:spPr>
+        <p:txBody>
+          <a:bodyPr anchor="ctr">
             <a:normAutofit/>
           </a:bodyPr>
           <a:lstStyle/>
           <a:p>
-            <a:r>
-              <a:rPr lang="en-US" altLang="zh-CN" sz="4800" b="1" dirty="0">
-                <a:solidFill>
-                  <a:srgbClr val="002060"/>
-                </a:solidFill>
-                <a:latin typeface="Microsoft JhengHei" panose="020B0604030504040204" pitchFamily="34" charset="-120"/>
-                <a:ea typeface="Microsoft JhengHei" panose="020B0604030504040204" pitchFamily="34" charset="-120"/>
-              </a:rPr>
-              <a:t>【</a:t>
-            </a:r>
-            <a:r>
-              <a:rPr lang="zh-CN" altLang="en-US" sz="4800" b="1" dirty="0">
-                <a:solidFill>
-                  <a:srgbClr val="002060"/>
-                </a:solidFill>
-                <a:latin typeface="Microsoft JhengHei" panose="020B0604030504040204" pitchFamily="34" charset="-120"/>
-                <a:ea typeface="Microsoft JhengHei" panose="020B0604030504040204" pitchFamily="34" charset="-120"/>
-              </a:rPr>
-              <a:t>獻己於主</a:t>
-            </a:r>
-            <a:r>
-              <a:rPr lang="en-US" altLang="zh-CN" sz="4800" b="1" dirty="0">
-                <a:solidFill>
-                  <a:srgbClr val="002060"/>
-                </a:solidFill>
-                <a:latin typeface="Microsoft JhengHei" panose="020B0604030504040204" pitchFamily="34" charset="-120"/>
-                <a:ea typeface="Microsoft JhengHei" panose="020B0604030504040204" pitchFamily="34" charset="-120"/>
-              </a:rPr>
-              <a:t>】</a:t>
-            </a:r>
-          </a:p>
-        </p:txBody>
-      </p:sp>
-      <p:sp>
-        <p:nvSpPr>
-          <p:cNvPr id="5" name="Content Placeholder 4"/>
-          <p:cNvSpPr>
-            <a:spLocks noGrp="1"/>
-          </p:cNvSpPr>
-          <p:nvPr>
-            <p:ph idx="1"/>
-          </p:nvPr>
-        </p:nvSpPr>
-        <p:spPr/>
-        <p:txBody>
-          <a:bodyPr>
-            <a:normAutofit/>
-          </a:bodyPr>
-          <a:lstStyle/>
-          <a:p>
             <a:pPr marL="0" indent="0" algn="ctr">
               <a:buNone/>
             </a:pPr>
             <a:r>
-              <a:rPr lang="zh-TW" altLang="en-US" sz="5400" b="1" dirty="0">
-                <a:solidFill>
-                  <a:srgbClr val="002060"/>
+              <a:rPr lang="zh-TW" altLang="en-US" sz="6400" b="1" dirty="0">
+                <a:solidFill>
+                  <a:srgbClr val="000066"/>
                 </a:solidFill>
                 <a:latin typeface="Microsoft JhengHei" panose="020B0604030504040204" pitchFamily="34" charset="-120"/>
                 <a:ea typeface="Microsoft JhengHei" panose="020B0604030504040204" pitchFamily="34" charset="-120"/>
@@ -4429,66 +4230,196 @@
               <a:buNone/>
             </a:pPr>
             <a:r>
-              <a:rPr lang="zh-TW" altLang="en-US" sz="5400" b="1" dirty="0">
-                <a:solidFill>
-                  <a:srgbClr val="002060"/>
+              <a:rPr lang="zh-TW" altLang="en-US" sz="6400" b="1" dirty="0">
+                <a:solidFill>
+                  <a:srgbClr val="000066"/>
                 </a:solidFill>
                 <a:latin typeface="Microsoft JhengHei" panose="020B0604030504040204" pitchFamily="34" charset="-120"/>
                 <a:ea typeface="Microsoft JhengHei" panose="020B0604030504040204" pitchFamily="34" charset="-120"/>
               </a:rPr>
-              <a:t>使我從血泉能得成</a:t>
-            </a:r>
-            <a:r>
-              <a:rPr lang="zh-TW" altLang="en-US" sz="5400" b="1" dirty="0">
-                <a:solidFill>
-                  <a:srgbClr val="002060"/>
-                </a:solidFill>
-                <a:latin typeface="Microsoft JhengHei" panose="020B0604030504040204" pitchFamily="34" charset="-120"/>
-                <a:ea typeface="Microsoft JhengHei" panose="020B0604030504040204" pitchFamily="34" charset="-120"/>
-              </a:rPr>
-              <a:t>聖</a:t>
-            </a:r>
-            <a:endParaRPr lang="en-US" altLang="zh-TW" sz="5400" b="1" dirty="0">
+              <a:t>使我從血泉能得成聖</a:t>
+            </a:r>
+            <a:endParaRPr lang="en-US" altLang="zh-TW" sz="6400" b="1" dirty="0">
               <a:solidFill>
-                <a:srgbClr val="002060"/>
+                <a:srgbClr val="000066"/>
               </a:solidFill>
               <a:latin typeface="Microsoft JhengHei" panose="020B0604030504040204" pitchFamily="34" charset="-120"/>
               <a:ea typeface="Microsoft JhengHei" panose="020B0604030504040204" pitchFamily="34" charset="-120"/>
             </a:endParaRPr>
           </a:p>
+        </p:txBody>
+      </p:sp>
+    </p:spTree>
+    <p:extLst>
+      <p:ext uri="{BB962C8B-B14F-4D97-AF65-F5344CB8AC3E}">
+        <p14:creationId xmlns:p14="http://schemas.microsoft.com/office/powerpoint/2010/main" val="542533309"/>
+      </p:ext>
+    </p:extLst>
+  </p:cSld>
+  <p:clrMapOvr>
+    <a:masterClrMapping/>
+  </p:clrMapOvr>
+</p:sld>
+</file>
+
+<file path=ppt/slides/slide13.xml><?xml version="1.0" encoding="utf-8"?>
+<p:sld xmlns:a="http://schemas.openxmlformats.org/drawingml/2006/main" xmlns:r="http://schemas.openxmlformats.org/officeDocument/2006/relationships" xmlns:p="http://schemas.openxmlformats.org/presentationml/2006/main">
+  <p:cSld>
+    <p:spTree>
+      <p:nvGrpSpPr>
+        <p:cNvPr id="1" name="">
+          <a:extLst>
+            <a:ext uri="{FF2B5EF4-FFF2-40B4-BE49-F238E27FC236}">
+              <a16:creationId xmlns:a16="http://schemas.microsoft.com/office/drawing/2014/main" id="{AC103525-E879-D894-0761-CDDDD2CAEBC6}"/>
+            </a:ext>
+          </a:extLst>
+        </p:cNvPr>
+        <p:cNvGrpSpPr/>
+        <p:nvPr/>
+      </p:nvGrpSpPr>
+      <p:grpSpPr>
+        <a:xfrm>
+          <a:off x="0" y="0"/>
+          <a:ext cx="0" cy="0"/>
+          <a:chOff x="0" y="0"/>
+          <a:chExt cx="0" cy="0"/>
+        </a:xfrm>
+      </p:grpSpPr>
+      <p:sp>
+        <p:nvSpPr>
+          <p:cNvPr id="5" name="內容版面配置區 4">
+            <a:extLst>
+              <a:ext uri="{FF2B5EF4-FFF2-40B4-BE49-F238E27FC236}">
+                <a16:creationId xmlns:a16="http://schemas.microsoft.com/office/drawing/2014/main" id="{0BA8F5D9-240B-6C7D-F4F1-FDEE03ED3C4D}"/>
+              </a:ext>
+            </a:extLst>
+          </p:cNvPr>
+          <p:cNvSpPr>
+            <a:spLocks noGrp="1"/>
+          </p:cNvSpPr>
+          <p:nvPr>
+            <p:ph idx="1"/>
+          </p:nvPr>
+        </p:nvSpPr>
+        <p:spPr>
+          <a:xfrm>
+            <a:off x="0" y="2084853"/>
+            <a:ext cx="12192000" cy="2404863"/>
+          </a:xfrm>
+        </p:spPr>
+        <p:txBody>
+          <a:bodyPr anchor="ctr">
+            <a:normAutofit/>
+          </a:bodyPr>
+          <a:lstStyle/>
           <a:p>
             <a:pPr marL="0" indent="0" algn="ctr">
               <a:buNone/>
             </a:pPr>
             <a:r>
-              <a:rPr lang="zh-TW" altLang="en-US" sz="5400" b="1" dirty="0">
-                <a:solidFill>
-                  <a:srgbClr val="002060"/>
+              <a:rPr lang="zh-TW" altLang="en-US" sz="6400" b="1" dirty="0">
+                <a:solidFill>
+                  <a:srgbClr val="000066"/>
                 </a:solidFill>
                 <a:latin typeface="Microsoft JhengHei" panose="020B0604030504040204" pitchFamily="34" charset="-120"/>
                 <a:ea typeface="Microsoft JhengHei" panose="020B0604030504040204" pitchFamily="34" charset="-120"/>
               </a:rPr>
-              <a:t>主   我命我</a:t>
-            </a:r>
-            <a:r>
-              <a:rPr lang="zh-TW" altLang="en-US" sz="5400" b="1" dirty="0">
-                <a:solidFill>
-                  <a:srgbClr val="002060"/>
+              <a:t>主   我命我心一切都歸與祢</a:t>
+            </a:r>
+          </a:p>
+          <a:p>
+            <a:pPr marL="0" indent="0" algn="ctr">
+              <a:buNone/>
+            </a:pPr>
+            <a:r>
+              <a:rPr lang="zh-TW" altLang="en-US" sz="6400" b="1" dirty="0">
+                <a:solidFill>
+                  <a:srgbClr val="000066"/>
                 </a:solidFill>
                 <a:latin typeface="Microsoft JhengHei" panose="020B0604030504040204" pitchFamily="34" charset="-120"/>
                 <a:ea typeface="Microsoft JhengHei" panose="020B0604030504040204" pitchFamily="34" charset="-120"/>
               </a:rPr>
-              <a:t>心一</a:t>
-            </a:r>
-            <a:r>
-              <a:rPr lang="zh-TW" altLang="en-US" sz="5400" b="1" dirty="0">
-                <a:solidFill>
-                  <a:srgbClr val="002060"/>
+              <a:t>從今日直到永遠</a:t>
+            </a:r>
+          </a:p>
+        </p:txBody>
+      </p:sp>
+    </p:spTree>
+    <p:extLst>
+      <p:ext uri="{BB962C8B-B14F-4D97-AF65-F5344CB8AC3E}">
+        <p14:creationId xmlns:p14="http://schemas.microsoft.com/office/powerpoint/2010/main" val="74341357"/>
+      </p:ext>
+    </p:extLst>
+  </p:cSld>
+  <p:clrMapOvr>
+    <a:masterClrMapping/>
+  </p:clrMapOvr>
+</p:sld>
+</file>
+
+<file path=ppt/slides/slide14.xml><?xml version="1.0" encoding="utf-8"?>
+<p:sld xmlns:a="http://schemas.openxmlformats.org/drawingml/2006/main" xmlns:r="http://schemas.openxmlformats.org/officeDocument/2006/relationships" xmlns:p="http://schemas.openxmlformats.org/presentationml/2006/main">
+  <p:cSld>
+    <p:spTree>
+      <p:nvGrpSpPr>
+        <p:cNvPr id="1" name="">
+          <a:extLst>
+            <a:ext uri="{FF2B5EF4-FFF2-40B4-BE49-F238E27FC236}">
+              <a16:creationId xmlns:a16="http://schemas.microsoft.com/office/drawing/2014/main" id="{D787C945-9AD5-5FE7-42B8-358DBB4B3A6D}"/>
+            </a:ext>
+          </a:extLst>
+        </p:cNvPr>
+        <p:cNvGrpSpPr/>
+        <p:nvPr/>
+      </p:nvGrpSpPr>
+      <p:grpSpPr>
+        <a:xfrm>
+          <a:off x="0" y="0"/>
+          <a:ext cx="0" cy="0"/>
+          <a:chOff x="0" y="0"/>
+          <a:chExt cx="0" cy="0"/>
+        </a:xfrm>
+      </p:grpSpPr>
+      <p:sp>
+        <p:nvSpPr>
+          <p:cNvPr id="5" name="內容版面配置區 4">
+            <a:extLst>
+              <a:ext uri="{FF2B5EF4-FFF2-40B4-BE49-F238E27FC236}">
+                <a16:creationId xmlns:a16="http://schemas.microsoft.com/office/drawing/2014/main" id="{4A4E78BE-CE4B-97AC-ADAB-6E7C70A357D9}"/>
+              </a:ext>
+            </a:extLst>
+          </p:cNvPr>
+          <p:cNvSpPr>
+            <a:spLocks noGrp="1"/>
+          </p:cNvSpPr>
+          <p:nvPr>
+            <p:ph idx="1"/>
+          </p:nvPr>
+        </p:nvSpPr>
+        <p:spPr>
+          <a:xfrm>
+            <a:off x="0" y="2084853"/>
+            <a:ext cx="12192000" cy="2404863"/>
+          </a:xfrm>
+        </p:spPr>
+        <p:txBody>
+          <a:bodyPr anchor="ctr">
+            <a:normAutofit/>
+          </a:bodyPr>
+          <a:lstStyle/>
+          <a:p>
+            <a:pPr marL="0" indent="0" algn="ctr">
+              <a:buNone/>
+            </a:pPr>
+            <a:r>
+              <a:rPr lang="zh-TW" altLang="en-US" sz="6400" b="1" dirty="0">
+                <a:solidFill>
+                  <a:srgbClr val="000066"/>
                 </a:solidFill>
                 <a:latin typeface="Microsoft JhengHei" panose="020B0604030504040204" pitchFamily="34" charset="-120"/>
                 <a:ea typeface="Microsoft JhengHei" panose="020B0604030504040204" pitchFamily="34" charset="-120"/>
               </a:rPr>
-              <a:t>切都歸與你</a:t>
+              <a:t>使我財雖是一文</a:t>
             </a:r>
           </a:p>
           <a:p>
@@ -4496,28 +4427,298 @@
               <a:buNone/>
             </a:pPr>
             <a:r>
-              <a:rPr lang="zh-TW" altLang="en-US" sz="5400" b="1" dirty="0">
-                <a:solidFill>
-                  <a:srgbClr val="002060"/>
+              <a:rPr lang="zh-TW" altLang="en-US" sz="6400" b="1" dirty="0">
+                <a:solidFill>
+                  <a:srgbClr val="000066"/>
                 </a:solidFill>
                 <a:latin typeface="Microsoft JhengHei" panose="020B0604030504040204" pitchFamily="34" charset="-120"/>
                 <a:ea typeface="Microsoft JhengHei" panose="020B0604030504040204" pitchFamily="34" charset="-120"/>
               </a:rPr>
-              <a:t>從今日直到永</a:t>
-            </a:r>
-            <a:r>
-              <a:rPr lang="zh-TW" altLang="en-US" sz="5400" b="1" dirty="0">
-                <a:solidFill>
-                  <a:srgbClr val="002060"/>
+              <a:t>不敢為自己收存</a:t>
+            </a:r>
+          </a:p>
+        </p:txBody>
+      </p:sp>
+      <p:sp>
+        <p:nvSpPr>
+          <p:cNvPr id="3" name="TextBox 2">
+            <a:extLst>
+              <a:ext uri="{FF2B5EF4-FFF2-40B4-BE49-F238E27FC236}">
+                <a16:creationId xmlns:a16="http://schemas.microsoft.com/office/drawing/2014/main" id="{F8688EFE-0040-C56B-53A5-E8E6791FDA8F}"/>
+              </a:ext>
+            </a:extLst>
+          </p:cNvPr>
+          <p:cNvSpPr txBox="1"/>
+          <p:nvPr/>
+        </p:nvSpPr>
+        <p:spPr>
+          <a:xfrm>
+            <a:off x="0" y="5061183"/>
+            <a:ext cx="12192000" cy="666786"/>
+          </a:xfrm>
+          <a:prstGeom prst="rect">
+            <a:avLst/>
+          </a:prstGeom>
+          <a:noFill/>
+        </p:spPr>
+        <p:txBody>
+          <a:bodyPr wrap="square" rtlCol="0">
+            <a:spAutoFit/>
+          </a:bodyPr>
+          <a:lstStyle/>
+          <a:p>
+            <a:pPr algn="ctr"/>
+            <a:r>
+              <a:rPr lang="en-US" sz="3733" b="1" dirty="0">
+                <a:solidFill>
+                  <a:srgbClr val="000066"/>
+                </a:solidFill>
+              </a:rPr>
+              <a:t>( 4 / 6 )</a:t>
+            </a:r>
+            <a:endParaRPr lang="vi-VN" sz="3733" b="1" dirty="0">
+              <a:solidFill>
+                <a:srgbClr val="000066"/>
+              </a:solidFill>
+            </a:endParaRPr>
+          </a:p>
+        </p:txBody>
+      </p:sp>
+    </p:spTree>
+    <p:extLst>
+      <p:ext uri="{BB962C8B-B14F-4D97-AF65-F5344CB8AC3E}">
+        <p14:creationId xmlns:p14="http://schemas.microsoft.com/office/powerpoint/2010/main" val="745669978"/>
+      </p:ext>
+    </p:extLst>
+  </p:cSld>
+  <p:clrMapOvr>
+    <a:masterClrMapping/>
+  </p:clrMapOvr>
+</p:sld>
+</file>
+
+<file path=ppt/slides/slide15.xml><?xml version="1.0" encoding="utf-8"?>
+<p:sld xmlns:a="http://schemas.openxmlformats.org/drawingml/2006/main" xmlns:r="http://schemas.openxmlformats.org/officeDocument/2006/relationships" xmlns:p="http://schemas.openxmlformats.org/presentationml/2006/main">
+  <p:cSld>
+    <p:spTree>
+      <p:nvGrpSpPr>
+        <p:cNvPr id="1" name="">
+          <a:extLst>
+            <a:ext uri="{FF2B5EF4-FFF2-40B4-BE49-F238E27FC236}">
+              <a16:creationId xmlns:a16="http://schemas.microsoft.com/office/drawing/2014/main" id="{299E5437-6E27-603A-995D-65DB85E4574B}"/>
+            </a:ext>
+          </a:extLst>
+        </p:cNvPr>
+        <p:cNvGrpSpPr/>
+        <p:nvPr/>
+      </p:nvGrpSpPr>
+      <p:grpSpPr>
+        <a:xfrm>
+          <a:off x="0" y="0"/>
+          <a:ext cx="0" cy="0"/>
+          <a:chOff x="0" y="0"/>
+          <a:chExt cx="0" cy="0"/>
+        </a:xfrm>
+      </p:grpSpPr>
+      <p:sp>
+        <p:nvSpPr>
+          <p:cNvPr id="5" name="內容版面配置區 4">
+            <a:extLst>
+              <a:ext uri="{FF2B5EF4-FFF2-40B4-BE49-F238E27FC236}">
+                <a16:creationId xmlns:a16="http://schemas.microsoft.com/office/drawing/2014/main" id="{290F60D9-9928-BEE2-7ABA-D9E837A23575}"/>
+              </a:ext>
+            </a:extLst>
+          </p:cNvPr>
+          <p:cNvSpPr>
+            <a:spLocks noGrp="1"/>
+          </p:cNvSpPr>
+          <p:nvPr>
+            <p:ph idx="1"/>
+          </p:nvPr>
+        </p:nvSpPr>
+        <p:spPr>
+          <a:xfrm>
+            <a:off x="0" y="2084853"/>
+            <a:ext cx="12192000" cy="2404863"/>
+          </a:xfrm>
+        </p:spPr>
+        <p:txBody>
+          <a:bodyPr anchor="ctr">
+            <a:normAutofit/>
+          </a:bodyPr>
+          <a:lstStyle/>
+          <a:p>
+            <a:pPr marL="0" indent="0" algn="ctr">
+              <a:buNone/>
+            </a:pPr>
+            <a:r>
+              <a:rPr lang="zh-TW" altLang="en-US" sz="6400" b="1" dirty="0">
+                <a:solidFill>
+                  <a:srgbClr val="000066"/>
                 </a:solidFill>
                 <a:latin typeface="Microsoft JhengHei" panose="020B0604030504040204" pitchFamily="34" charset="-120"/>
                 <a:ea typeface="Microsoft JhengHei" panose="020B0604030504040204" pitchFamily="34" charset="-120"/>
               </a:rPr>
-              <a:t>遠</a:t>
-            </a:r>
-            <a:endParaRPr lang="zh-TW" altLang="en-US" sz="5400" b="1" dirty="0">
+              <a:t>我願為基督僕人</a:t>
+            </a:r>
+          </a:p>
+          <a:p>
+            <a:pPr marL="0" indent="0" algn="ctr">
+              <a:buNone/>
+            </a:pPr>
+            <a:r>
+              <a:rPr lang="zh-TW" altLang="en-US" sz="6400" b="1" dirty="0">
+                <a:solidFill>
+                  <a:srgbClr val="000066"/>
+                </a:solidFill>
+                <a:latin typeface="Microsoft JhengHei" panose="020B0604030504040204" pitchFamily="34" charset="-120"/>
+                <a:ea typeface="Microsoft JhengHei" panose="020B0604030504040204" pitchFamily="34" charset="-120"/>
+              </a:rPr>
+              <a:t>服事主赤胆忠心</a:t>
+            </a:r>
+          </a:p>
+        </p:txBody>
+      </p:sp>
+      <p:sp>
+        <p:nvSpPr>
+          <p:cNvPr id="3" name="TextBox 2">
+            <a:extLst>
+              <a:ext uri="{FF2B5EF4-FFF2-40B4-BE49-F238E27FC236}">
+                <a16:creationId xmlns:a16="http://schemas.microsoft.com/office/drawing/2014/main" id="{965CA565-2CAF-50FE-B9AF-5CA98A4CEAF8}"/>
+              </a:ext>
+            </a:extLst>
+          </p:cNvPr>
+          <p:cNvSpPr txBox="1"/>
+          <p:nvPr/>
+        </p:nvSpPr>
+        <p:spPr>
+          <a:xfrm>
+            <a:off x="0" y="5061183"/>
+            <a:ext cx="12192000" cy="666786"/>
+          </a:xfrm>
+          <a:prstGeom prst="rect">
+            <a:avLst/>
+          </a:prstGeom>
+          <a:noFill/>
+        </p:spPr>
+        <p:txBody>
+          <a:bodyPr wrap="square" rtlCol="0">
+            <a:spAutoFit/>
+          </a:bodyPr>
+          <a:lstStyle/>
+          <a:p>
+            <a:pPr algn="ctr"/>
+            <a:r>
+              <a:rPr lang="en-US" sz="3733" b="1" dirty="0">
+                <a:solidFill>
+                  <a:srgbClr val="000066"/>
+                </a:solidFill>
+              </a:rPr>
+              <a:t>( 4 / 6 )</a:t>
+            </a:r>
+            <a:endParaRPr lang="vi-VN" sz="3733" b="1" dirty="0">
               <a:solidFill>
-                <a:srgbClr val="002060"/>
+                <a:srgbClr val="000066"/>
+              </a:solidFill>
+            </a:endParaRPr>
+          </a:p>
+        </p:txBody>
+      </p:sp>
+    </p:spTree>
+    <p:extLst>
+      <p:ext uri="{BB962C8B-B14F-4D97-AF65-F5344CB8AC3E}">
+        <p14:creationId xmlns:p14="http://schemas.microsoft.com/office/powerpoint/2010/main" val="3884871218"/>
+      </p:ext>
+    </p:extLst>
+  </p:cSld>
+  <p:clrMapOvr>
+    <a:masterClrMapping/>
+  </p:clrMapOvr>
+</p:sld>
+</file>
+
+<file path=ppt/slides/slide16.xml><?xml version="1.0" encoding="utf-8"?>
+<p:sld xmlns:a="http://schemas.openxmlformats.org/drawingml/2006/main" xmlns:r="http://schemas.openxmlformats.org/officeDocument/2006/relationships" xmlns:p="http://schemas.openxmlformats.org/presentationml/2006/main">
+  <p:cSld>
+    <p:spTree>
+      <p:nvGrpSpPr>
+        <p:cNvPr id="1" name="">
+          <a:extLst>
+            <a:ext uri="{FF2B5EF4-FFF2-40B4-BE49-F238E27FC236}">
+              <a16:creationId xmlns:a16="http://schemas.microsoft.com/office/drawing/2014/main" id="{403FBB98-8BC5-D611-2FB7-7E829AEF3172}"/>
+            </a:ext>
+          </a:extLst>
+        </p:cNvPr>
+        <p:cNvGrpSpPr/>
+        <p:nvPr/>
+      </p:nvGrpSpPr>
+      <p:grpSpPr>
+        <a:xfrm>
+          <a:off x="0" y="0"/>
+          <a:ext cx="0" cy="0"/>
+          <a:chOff x="0" y="0"/>
+          <a:chExt cx="0" cy="0"/>
+        </a:xfrm>
+      </p:grpSpPr>
+      <p:sp>
+        <p:nvSpPr>
+          <p:cNvPr id="5" name="內容版面配置區 4">
+            <a:extLst>
+              <a:ext uri="{FF2B5EF4-FFF2-40B4-BE49-F238E27FC236}">
+                <a16:creationId xmlns:a16="http://schemas.microsoft.com/office/drawing/2014/main" id="{FF98650B-1D50-C36B-3581-9687EA812E34}"/>
+              </a:ext>
+            </a:extLst>
+          </p:cNvPr>
+          <p:cNvSpPr>
+            <a:spLocks noGrp="1"/>
+          </p:cNvSpPr>
+          <p:nvPr>
+            <p:ph idx="1"/>
+          </p:nvPr>
+        </p:nvSpPr>
+        <p:spPr>
+          <a:xfrm>
+            <a:off x="0" y="2084853"/>
+            <a:ext cx="12192000" cy="2404863"/>
+          </a:xfrm>
+        </p:spPr>
+        <p:txBody>
+          <a:bodyPr anchor="ctr">
+            <a:normAutofit/>
+          </a:bodyPr>
+          <a:lstStyle/>
+          <a:p>
+            <a:pPr marL="0" indent="0" algn="ctr">
+              <a:buNone/>
+            </a:pPr>
+            <a:r>
+              <a:rPr lang="zh-TW" altLang="en-US" sz="6400" b="1" dirty="0">
+                <a:solidFill>
+                  <a:srgbClr val="000066"/>
+                </a:solidFill>
+                <a:latin typeface="Microsoft JhengHei" panose="020B0604030504040204" pitchFamily="34" charset="-120"/>
+                <a:ea typeface="Microsoft JhengHei" panose="020B0604030504040204" pitchFamily="34" charset="-120"/>
+              </a:rPr>
+              <a:t>在救主寶貴血內洗淨</a:t>
+            </a:r>
+          </a:p>
+          <a:p>
+            <a:pPr marL="0" indent="0" algn="ctr">
+              <a:buNone/>
+            </a:pPr>
+            <a:r>
+              <a:rPr lang="zh-TW" altLang="en-US" sz="6400" b="1" dirty="0">
+                <a:solidFill>
+                  <a:srgbClr val="000066"/>
+                </a:solidFill>
+                <a:latin typeface="Microsoft JhengHei" panose="020B0604030504040204" pitchFamily="34" charset="-120"/>
+                <a:ea typeface="Microsoft JhengHei" panose="020B0604030504040204" pitchFamily="34" charset="-120"/>
+              </a:rPr>
+              <a:t>使我從血泉能得成聖</a:t>
+            </a:r>
+            <a:endParaRPr lang="en-US" altLang="zh-TW" sz="6400" b="1" dirty="0">
+              <a:solidFill>
+                <a:srgbClr val="000066"/>
               </a:solidFill>
               <a:latin typeface="Microsoft JhengHei" panose="020B0604030504040204" pitchFamily="34" charset="-120"/>
               <a:ea typeface="Microsoft JhengHei" panose="020B0604030504040204" pitchFamily="34" charset="-120"/>
@@ -4528,7 +4729,382 @@
     </p:spTree>
     <p:extLst>
       <p:ext uri="{BB962C8B-B14F-4D97-AF65-F5344CB8AC3E}">
-        <p14:creationId xmlns:p14="http://schemas.microsoft.com/office/powerpoint/2010/main" val="3121911752"/>
+        <p14:creationId xmlns:p14="http://schemas.microsoft.com/office/powerpoint/2010/main" val="3147626783"/>
+      </p:ext>
+    </p:extLst>
+  </p:cSld>
+  <p:clrMapOvr>
+    <a:masterClrMapping/>
+  </p:clrMapOvr>
+</p:sld>
+</file>
+
+<file path=ppt/slides/slide17.xml><?xml version="1.0" encoding="utf-8"?>
+<p:sld xmlns:a="http://schemas.openxmlformats.org/drawingml/2006/main" xmlns:r="http://schemas.openxmlformats.org/officeDocument/2006/relationships" xmlns:p="http://schemas.openxmlformats.org/presentationml/2006/main">
+  <p:cSld>
+    <p:spTree>
+      <p:nvGrpSpPr>
+        <p:cNvPr id="1" name="">
+          <a:extLst>
+            <a:ext uri="{FF2B5EF4-FFF2-40B4-BE49-F238E27FC236}">
+              <a16:creationId xmlns:a16="http://schemas.microsoft.com/office/drawing/2014/main" id="{EDA02575-42CC-9D6C-E140-C2CB48808BE2}"/>
+            </a:ext>
+          </a:extLst>
+        </p:cNvPr>
+        <p:cNvGrpSpPr/>
+        <p:nvPr/>
+      </p:nvGrpSpPr>
+      <p:grpSpPr>
+        <a:xfrm>
+          <a:off x="0" y="0"/>
+          <a:ext cx="0" cy="0"/>
+          <a:chOff x="0" y="0"/>
+          <a:chExt cx="0" cy="0"/>
+        </a:xfrm>
+      </p:grpSpPr>
+      <p:sp>
+        <p:nvSpPr>
+          <p:cNvPr id="5" name="內容版面配置區 4">
+            <a:extLst>
+              <a:ext uri="{FF2B5EF4-FFF2-40B4-BE49-F238E27FC236}">
+                <a16:creationId xmlns:a16="http://schemas.microsoft.com/office/drawing/2014/main" id="{3923FB33-AB17-4808-469C-F5BED1FC6C0F}"/>
+              </a:ext>
+            </a:extLst>
+          </p:cNvPr>
+          <p:cNvSpPr>
+            <a:spLocks noGrp="1"/>
+          </p:cNvSpPr>
+          <p:nvPr>
+            <p:ph idx="1"/>
+          </p:nvPr>
+        </p:nvSpPr>
+        <p:spPr>
+          <a:xfrm>
+            <a:off x="0" y="2084853"/>
+            <a:ext cx="12192000" cy="2404863"/>
+          </a:xfrm>
+        </p:spPr>
+        <p:txBody>
+          <a:bodyPr anchor="ctr">
+            <a:normAutofit/>
+          </a:bodyPr>
+          <a:lstStyle/>
+          <a:p>
+            <a:pPr marL="0" indent="0" algn="ctr">
+              <a:buNone/>
+            </a:pPr>
+            <a:r>
+              <a:rPr lang="zh-TW" altLang="en-US" sz="6400" b="1" dirty="0">
+                <a:solidFill>
+                  <a:srgbClr val="000066"/>
+                </a:solidFill>
+                <a:latin typeface="Microsoft JhengHei" panose="020B0604030504040204" pitchFamily="34" charset="-120"/>
+                <a:ea typeface="Microsoft JhengHei" panose="020B0604030504040204" pitchFamily="34" charset="-120"/>
+              </a:rPr>
+              <a:t>主   我命我心一切都歸與祢</a:t>
+            </a:r>
+          </a:p>
+          <a:p>
+            <a:pPr marL="0" indent="0" algn="ctr">
+              <a:buNone/>
+            </a:pPr>
+            <a:r>
+              <a:rPr lang="zh-TW" altLang="en-US" sz="6400" b="1" dirty="0">
+                <a:solidFill>
+                  <a:srgbClr val="000066"/>
+                </a:solidFill>
+                <a:latin typeface="Microsoft JhengHei" panose="020B0604030504040204" pitchFamily="34" charset="-120"/>
+                <a:ea typeface="Microsoft JhengHei" panose="020B0604030504040204" pitchFamily="34" charset="-120"/>
+              </a:rPr>
+              <a:t>從今日直到永遠</a:t>
+            </a:r>
+          </a:p>
+        </p:txBody>
+      </p:sp>
+    </p:spTree>
+    <p:extLst>
+      <p:ext uri="{BB962C8B-B14F-4D97-AF65-F5344CB8AC3E}">
+        <p14:creationId xmlns:p14="http://schemas.microsoft.com/office/powerpoint/2010/main" val="3182285498"/>
+      </p:ext>
+    </p:extLst>
+  </p:cSld>
+  <p:clrMapOvr>
+    <a:masterClrMapping/>
+  </p:clrMapOvr>
+</p:sld>
+</file>
+
+<file path=ppt/slides/slide18.xml><?xml version="1.0" encoding="utf-8"?>
+<p:sld xmlns:a="http://schemas.openxmlformats.org/drawingml/2006/main" xmlns:r="http://schemas.openxmlformats.org/officeDocument/2006/relationships" xmlns:p="http://schemas.openxmlformats.org/presentationml/2006/main">
+  <p:cSld>
+    <p:spTree>
+      <p:nvGrpSpPr>
+        <p:cNvPr id="1" name="">
+          <a:extLst>
+            <a:ext uri="{FF2B5EF4-FFF2-40B4-BE49-F238E27FC236}">
+              <a16:creationId xmlns:a16="http://schemas.microsoft.com/office/drawing/2014/main" id="{6E00D7BD-2751-E7B3-A1E1-73B2D2617C84}"/>
+            </a:ext>
+          </a:extLst>
+        </p:cNvPr>
+        <p:cNvGrpSpPr/>
+        <p:nvPr/>
+      </p:nvGrpSpPr>
+      <p:grpSpPr>
+        <a:xfrm>
+          <a:off x="0" y="0"/>
+          <a:ext cx="0" cy="0"/>
+          <a:chOff x="0" y="0"/>
+          <a:chExt cx="0" cy="0"/>
+        </a:xfrm>
+      </p:grpSpPr>
+      <p:sp>
+        <p:nvSpPr>
+          <p:cNvPr id="5" name="內容版面配置區 4">
+            <a:extLst>
+              <a:ext uri="{FF2B5EF4-FFF2-40B4-BE49-F238E27FC236}">
+                <a16:creationId xmlns:a16="http://schemas.microsoft.com/office/drawing/2014/main" id="{EE069801-9B29-622F-3E3D-034060E369F9}"/>
+              </a:ext>
+            </a:extLst>
+          </p:cNvPr>
+          <p:cNvSpPr>
+            <a:spLocks noGrp="1"/>
+          </p:cNvSpPr>
+          <p:nvPr>
+            <p:ph idx="1"/>
+          </p:nvPr>
+        </p:nvSpPr>
+        <p:spPr>
+          <a:xfrm>
+            <a:off x="0" y="2084853"/>
+            <a:ext cx="12192000" cy="2404863"/>
+          </a:xfrm>
+        </p:spPr>
+        <p:txBody>
+          <a:bodyPr anchor="ctr">
+            <a:normAutofit/>
+          </a:bodyPr>
+          <a:lstStyle/>
+          <a:p>
+            <a:pPr marL="0" indent="0" algn="ctr">
+              <a:buNone/>
+            </a:pPr>
+            <a:r>
+              <a:rPr lang="zh-TW" altLang="en-US" sz="6400" b="1" dirty="0">
+                <a:solidFill>
+                  <a:srgbClr val="000066"/>
+                </a:solidFill>
+                <a:latin typeface="Microsoft JhengHei" panose="020B0604030504040204" pitchFamily="34" charset="-120"/>
+                <a:ea typeface="Microsoft JhengHei" panose="020B0604030504040204" pitchFamily="34" charset="-120"/>
+              </a:rPr>
+              <a:t>我不願隨從自己</a:t>
+            </a:r>
+          </a:p>
+          <a:p>
+            <a:pPr marL="0" indent="0" algn="ctr">
+              <a:buNone/>
+            </a:pPr>
+            <a:r>
+              <a:rPr lang="zh-TW" altLang="en-US" sz="6400" b="1" dirty="0">
+                <a:solidFill>
+                  <a:srgbClr val="000066"/>
+                </a:solidFill>
+                <a:latin typeface="Microsoft JhengHei" panose="020B0604030504040204" pitchFamily="34" charset="-120"/>
+                <a:ea typeface="Microsoft JhengHei" panose="020B0604030504040204" pitchFamily="34" charset="-120"/>
+              </a:rPr>
+              <a:t>都要憑我主旨意</a:t>
+            </a:r>
+          </a:p>
+        </p:txBody>
+      </p:sp>
+      <p:sp>
+        <p:nvSpPr>
+          <p:cNvPr id="3" name="TextBox 2">
+            <a:extLst>
+              <a:ext uri="{FF2B5EF4-FFF2-40B4-BE49-F238E27FC236}">
+                <a16:creationId xmlns:a16="http://schemas.microsoft.com/office/drawing/2014/main" id="{77075861-180B-EA75-D79D-BA262347C1DE}"/>
+              </a:ext>
+            </a:extLst>
+          </p:cNvPr>
+          <p:cNvSpPr txBox="1"/>
+          <p:nvPr/>
+        </p:nvSpPr>
+        <p:spPr>
+          <a:xfrm>
+            <a:off x="0" y="5061183"/>
+            <a:ext cx="12192000" cy="666786"/>
+          </a:xfrm>
+          <a:prstGeom prst="rect">
+            <a:avLst/>
+          </a:prstGeom>
+          <a:noFill/>
+        </p:spPr>
+        <p:txBody>
+          <a:bodyPr wrap="square" rtlCol="0">
+            <a:spAutoFit/>
+          </a:bodyPr>
+          <a:lstStyle/>
+          <a:p>
+            <a:pPr algn="ctr"/>
+            <a:r>
+              <a:rPr lang="en-US" sz="3733" b="1" dirty="0">
+                <a:solidFill>
+                  <a:srgbClr val="000066"/>
+                </a:solidFill>
+              </a:rPr>
+              <a:t>( 5 / 6 )</a:t>
+            </a:r>
+            <a:endParaRPr lang="vi-VN" sz="3733" b="1" dirty="0">
+              <a:solidFill>
+                <a:srgbClr val="000066"/>
+              </a:solidFill>
+            </a:endParaRPr>
+          </a:p>
+        </p:txBody>
+      </p:sp>
+    </p:spTree>
+    <p:extLst>
+      <p:ext uri="{BB962C8B-B14F-4D97-AF65-F5344CB8AC3E}">
+        <p14:creationId xmlns:p14="http://schemas.microsoft.com/office/powerpoint/2010/main" val="590724210"/>
+      </p:ext>
+    </p:extLst>
+  </p:cSld>
+  <p:clrMapOvr>
+    <a:masterClrMapping/>
+  </p:clrMapOvr>
+</p:sld>
+</file>
+
+<file path=ppt/slides/slide19.xml><?xml version="1.0" encoding="utf-8"?>
+<p:sld xmlns:a="http://schemas.openxmlformats.org/drawingml/2006/main" xmlns:r="http://schemas.openxmlformats.org/officeDocument/2006/relationships" xmlns:p="http://schemas.openxmlformats.org/presentationml/2006/main">
+  <p:cSld>
+    <p:spTree>
+      <p:nvGrpSpPr>
+        <p:cNvPr id="1" name="">
+          <a:extLst>
+            <a:ext uri="{FF2B5EF4-FFF2-40B4-BE49-F238E27FC236}">
+              <a16:creationId xmlns:a16="http://schemas.microsoft.com/office/drawing/2014/main" id="{DF80EEF6-4BFF-E48D-C318-1CB5B1FD2D38}"/>
+            </a:ext>
+          </a:extLst>
+        </p:cNvPr>
+        <p:cNvGrpSpPr/>
+        <p:nvPr/>
+      </p:nvGrpSpPr>
+      <p:grpSpPr>
+        <a:xfrm>
+          <a:off x="0" y="0"/>
+          <a:ext cx="0" cy="0"/>
+          <a:chOff x="0" y="0"/>
+          <a:chExt cx="0" cy="0"/>
+        </a:xfrm>
+      </p:grpSpPr>
+      <p:sp>
+        <p:nvSpPr>
+          <p:cNvPr id="5" name="內容版面配置區 4">
+            <a:extLst>
+              <a:ext uri="{FF2B5EF4-FFF2-40B4-BE49-F238E27FC236}">
+                <a16:creationId xmlns:a16="http://schemas.microsoft.com/office/drawing/2014/main" id="{104AD543-6360-22EF-7CB1-72A139DA59FE}"/>
+              </a:ext>
+            </a:extLst>
+          </p:cNvPr>
+          <p:cNvSpPr>
+            <a:spLocks noGrp="1"/>
+          </p:cNvSpPr>
+          <p:nvPr>
+            <p:ph idx="1"/>
+          </p:nvPr>
+        </p:nvSpPr>
+        <p:spPr>
+          <a:xfrm>
+            <a:off x="0" y="2084853"/>
+            <a:ext cx="12192000" cy="2404863"/>
+          </a:xfrm>
+        </p:spPr>
+        <p:txBody>
+          <a:bodyPr anchor="ctr">
+            <a:normAutofit/>
+          </a:bodyPr>
+          <a:lstStyle/>
+          <a:p>
+            <a:pPr marL="0" indent="0" algn="ctr">
+              <a:buNone/>
+            </a:pPr>
+            <a:r>
+              <a:rPr lang="zh-TW" altLang="en-US" sz="6400" b="1" dirty="0">
+                <a:solidFill>
+                  <a:srgbClr val="000066"/>
+                </a:solidFill>
+                <a:latin typeface="Microsoft JhengHei" panose="020B0604030504040204" pitchFamily="34" charset="-120"/>
+                <a:ea typeface="Microsoft JhengHei" panose="020B0604030504040204" pitchFamily="34" charset="-120"/>
+              </a:rPr>
+              <a:t>使我心做主聖殿</a:t>
+            </a:r>
+          </a:p>
+          <a:p>
+            <a:pPr marL="0" indent="0" algn="ctr">
+              <a:buNone/>
+            </a:pPr>
+            <a:r>
+              <a:rPr lang="zh-TW" altLang="en-US" sz="6400" b="1" dirty="0">
+                <a:solidFill>
+                  <a:srgbClr val="000066"/>
+                </a:solidFill>
+                <a:latin typeface="Microsoft JhengHei" panose="020B0604030504040204" pitchFamily="34" charset="-120"/>
+                <a:ea typeface="Microsoft JhengHei" panose="020B0604030504040204" pitchFamily="34" charset="-120"/>
+              </a:rPr>
+              <a:t>聖靈來充滿中間</a:t>
+            </a:r>
+          </a:p>
+        </p:txBody>
+      </p:sp>
+      <p:sp>
+        <p:nvSpPr>
+          <p:cNvPr id="3" name="TextBox 2">
+            <a:extLst>
+              <a:ext uri="{FF2B5EF4-FFF2-40B4-BE49-F238E27FC236}">
+                <a16:creationId xmlns:a16="http://schemas.microsoft.com/office/drawing/2014/main" id="{04AEC7BF-9797-7F51-67C2-8E4793EEF94E}"/>
+              </a:ext>
+            </a:extLst>
+          </p:cNvPr>
+          <p:cNvSpPr txBox="1"/>
+          <p:nvPr/>
+        </p:nvSpPr>
+        <p:spPr>
+          <a:xfrm>
+            <a:off x="0" y="5061183"/>
+            <a:ext cx="12192000" cy="666786"/>
+          </a:xfrm>
+          <a:prstGeom prst="rect">
+            <a:avLst/>
+          </a:prstGeom>
+          <a:noFill/>
+        </p:spPr>
+        <p:txBody>
+          <a:bodyPr wrap="square" rtlCol="0">
+            <a:spAutoFit/>
+          </a:bodyPr>
+          <a:lstStyle/>
+          <a:p>
+            <a:pPr algn="ctr"/>
+            <a:r>
+              <a:rPr lang="en-US" sz="3733" b="1" dirty="0">
+                <a:solidFill>
+                  <a:srgbClr val="000066"/>
+                </a:solidFill>
+              </a:rPr>
+              <a:t>( 5 / 6 )</a:t>
+            </a:r>
+            <a:endParaRPr lang="vi-VN" sz="3733" b="1" dirty="0">
+              <a:solidFill>
+                <a:srgbClr val="000066"/>
+              </a:solidFill>
+            </a:endParaRPr>
+          </a:p>
+        </p:txBody>
+      </p:sp>
+    </p:spTree>
+    <p:extLst>
+      <p:ext uri="{BB962C8B-B14F-4D97-AF65-F5344CB8AC3E}">
+        <p14:creationId xmlns:p14="http://schemas.microsoft.com/office/powerpoint/2010/main" val="2537919223"/>
       </p:ext>
     </p:extLst>
   </p:cSld>
@@ -4557,57 +5133,148 @@
       </p:grpSpPr>
       <p:sp>
         <p:nvSpPr>
-          <p:cNvPr id="4" name="Title 3"/>
-          <p:cNvSpPr>
-            <a:spLocks noGrp="1"/>
-          </p:cNvSpPr>
-          <p:nvPr>
-            <p:ph type="title"/>
-          </p:nvPr>
-        </p:nvSpPr>
-        <p:spPr/>
-        <p:txBody>
-          <a:bodyPr>
+          <p:cNvPr id="5" name="內容版面配置區 4"/>
+          <p:cNvSpPr>
+            <a:spLocks noGrp="1"/>
+          </p:cNvSpPr>
+          <p:nvPr>
+            <p:ph idx="1"/>
+          </p:nvPr>
+        </p:nvSpPr>
+        <p:spPr>
+          <a:xfrm>
+            <a:off x="0" y="2084853"/>
+            <a:ext cx="12192000" cy="2404863"/>
+          </a:xfrm>
+        </p:spPr>
+        <p:txBody>
+          <a:bodyPr anchor="ctr">
             <a:normAutofit/>
           </a:bodyPr>
           <a:lstStyle/>
           <a:p>
-            <a:r>
-              <a:rPr lang="en-US" altLang="zh-CN" sz="4800" b="1" dirty="0">
-                <a:solidFill>
-                  <a:srgbClr val="002060"/>
+            <a:pPr marL="0" indent="0" algn="ctr">
+              <a:buNone/>
+            </a:pPr>
+            <a:r>
+              <a:rPr lang="zh-TW" altLang="en-US" sz="6400" b="1" dirty="0">
+                <a:solidFill>
+                  <a:srgbClr val="000066"/>
                 </a:solidFill>
                 <a:latin typeface="Microsoft JhengHei" panose="020B0604030504040204" pitchFamily="34" charset="-120"/>
                 <a:ea typeface="Microsoft JhengHei" panose="020B0604030504040204" pitchFamily="34" charset="-120"/>
               </a:rPr>
-              <a:t>【</a:t>
-            </a:r>
-            <a:r>
-              <a:rPr lang="zh-CN" altLang="en-US" sz="4800" b="1" dirty="0">
-                <a:solidFill>
-                  <a:srgbClr val="002060"/>
+              <a:t>我一生求主管理</a:t>
+            </a:r>
+            <a:endParaRPr lang="en-US" altLang="zh-TW" sz="6400" b="1" dirty="0">
+              <a:solidFill>
+                <a:srgbClr val="000066"/>
+              </a:solidFill>
+              <a:latin typeface="Microsoft JhengHei" panose="020B0604030504040204" pitchFamily="34" charset="-120"/>
+              <a:ea typeface="Microsoft JhengHei" panose="020B0604030504040204" pitchFamily="34" charset="-120"/>
+            </a:endParaRPr>
+          </a:p>
+          <a:p>
+            <a:pPr marL="0" indent="0" algn="ctr">
+              <a:buNone/>
+            </a:pPr>
+            <a:r>
+              <a:rPr lang="zh-TW" altLang="en-US" sz="6400" b="1" dirty="0">
+                <a:solidFill>
+                  <a:srgbClr val="000066"/>
                 </a:solidFill>
                 <a:latin typeface="Microsoft JhengHei" panose="020B0604030504040204" pitchFamily="34" charset="-120"/>
                 <a:ea typeface="Microsoft JhengHei" panose="020B0604030504040204" pitchFamily="34" charset="-120"/>
               </a:rPr>
-              <a:t>獻己於主</a:t>
-            </a:r>
-            <a:r>
-              <a:rPr lang="en-US" altLang="zh-CN" sz="4800" b="1" dirty="0">
-                <a:solidFill>
-                  <a:srgbClr val="002060"/>
-                </a:solidFill>
-                <a:latin typeface="Microsoft JhengHei" panose="020B0604030504040204" pitchFamily="34" charset="-120"/>
-                <a:ea typeface="Microsoft JhengHei" panose="020B0604030504040204" pitchFamily="34" charset="-120"/>
+              <a:t>願獻身心為活祭</a:t>
+            </a:r>
+          </a:p>
+        </p:txBody>
+      </p:sp>
+      <p:sp>
+        <p:nvSpPr>
+          <p:cNvPr id="3" name="TextBox 2"/>
+          <p:cNvSpPr txBox="1"/>
+          <p:nvPr/>
+        </p:nvSpPr>
+        <p:spPr>
+          <a:xfrm>
+            <a:off x="0" y="5061183"/>
+            <a:ext cx="12192000" cy="666786"/>
+          </a:xfrm>
+          <a:prstGeom prst="rect">
+            <a:avLst/>
+          </a:prstGeom>
+          <a:noFill/>
+        </p:spPr>
+        <p:txBody>
+          <a:bodyPr wrap="square" rtlCol="0">
+            <a:spAutoFit/>
+          </a:bodyPr>
+          <a:lstStyle/>
+          <a:p>
+            <a:pPr algn="ctr"/>
+            <a:r>
+              <a:rPr lang="en-US" sz="3733" b="1" dirty="0">
+                <a:solidFill>
+                  <a:srgbClr val="000066"/>
+                </a:solidFill>
               </a:rPr>
-              <a:t>】</a:t>
-            </a:r>
-          </a:p>
-        </p:txBody>
-      </p:sp>
-      <p:sp>
-        <p:nvSpPr>
-          <p:cNvPr id="5" name="Content Placeholder 4"/>
+              <a:t>( 1 / 6 )</a:t>
+            </a:r>
+            <a:endParaRPr lang="vi-VN" sz="3733" b="1" dirty="0">
+              <a:solidFill>
+                <a:srgbClr val="000066"/>
+              </a:solidFill>
+            </a:endParaRPr>
+          </a:p>
+        </p:txBody>
+      </p:sp>
+    </p:spTree>
+    <p:extLst>
+      <p:ext uri="{BB962C8B-B14F-4D97-AF65-F5344CB8AC3E}">
+        <p14:creationId xmlns:p14="http://schemas.microsoft.com/office/powerpoint/2010/main" val="4011502044"/>
+      </p:ext>
+    </p:extLst>
+  </p:cSld>
+  <p:clrMapOvr>
+    <a:masterClrMapping/>
+  </p:clrMapOvr>
+</p:sld>
+</file>
+
+<file path=ppt/slides/slide20.xml><?xml version="1.0" encoding="utf-8"?>
+<p:sld xmlns:a="http://schemas.openxmlformats.org/drawingml/2006/main" xmlns:r="http://schemas.openxmlformats.org/officeDocument/2006/relationships" xmlns:p="http://schemas.openxmlformats.org/presentationml/2006/main">
+  <p:cSld>
+    <p:spTree>
+      <p:nvGrpSpPr>
+        <p:cNvPr id="1" name="">
+          <a:extLst>
+            <a:ext uri="{FF2B5EF4-FFF2-40B4-BE49-F238E27FC236}">
+              <a16:creationId xmlns:a16="http://schemas.microsoft.com/office/drawing/2014/main" id="{03BA2C1B-11B1-D646-1738-F6C6246CAB83}"/>
+            </a:ext>
+          </a:extLst>
+        </p:cNvPr>
+        <p:cNvGrpSpPr/>
+        <p:nvPr/>
+      </p:nvGrpSpPr>
+      <p:grpSpPr>
+        <a:xfrm>
+          <a:off x="0" y="0"/>
+          <a:ext cx="0" cy="0"/>
+          <a:chOff x="0" y="0"/>
+          <a:chExt cx="0" cy="0"/>
+        </a:xfrm>
+      </p:grpSpPr>
+      <p:sp>
+        <p:nvSpPr>
+          <p:cNvPr id="5" name="內容版面配置區 4">
+            <a:extLst>
+              <a:ext uri="{FF2B5EF4-FFF2-40B4-BE49-F238E27FC236}">
+                <a16:creationId xmlns:a16="http://schemas.microsoft.com/office/drawing/2014/main" id="{8DD83B6C-B3E6-8B65-16F7-52258DC5B2C8}"/>
+              </a:ext>
+            </a:extLst>
+          </p:cNvPr>
           <p:cNvSpPr>
             <a:spLocks noGrp="1"/>
           </p:cNvSpPr>
@@ -4615,9 +5282,14 @@
             <p:ph idx="1"/>
           </p:nvPr>
         </p:nvSpPr>
-        <p:spPr/>
-        <p:txBody>
-          <a:bodyPr>
+        <p:spPr>
+          <a:xfrm>
+            <a:off x="0" y="2084853"/>
+            <a:ext cx="12192000" cy="2404863"/>
+          </a:xfrm>
+        </p:spPr>
+        <p:txBody>
+          <a:bodyPr anchor="ctr">
             <a:normAutofit/>
           </a:bodyPr>
           <a:lstStyle/>
@@ -4626,9 +5298,9 @@
               <a:buNone/>
             </a:pPr>
             <a:r>
-              <a:rPr lang="zh-TW" altLang="en-US" sz="5400" b="1" dirty="0">
-                <a:solidFill>
-                  <a:srgbClr val="002060"/>
+              <a:rPr lang="zh-TW" altLang="en-US" sz="6400" b="1" dirty="0">
+                <a:solidFill>
+                  <a:srgbClr val="000066"/>
                 </a:solidFill>
                 <a:latin typeface="Microsoft JhengHei" panose="020B0604030504040204" pitchFamily="34" charset="-120"/>
                 <a:ea typeface="Microsoft JhengHei" panose="020B0604030504040204" pitchFamily="34" charset="-120"/>
@@ -4641,66 +5313,196 @@
               <a:buNone/>
             </a:pPr>
             <a:r>
-              <a:rPr lang="zh-TW" altLang="en-US" sz="5400" b="1" dirty="0">
-                <a:solidFill>
-                  <a:srgbClr val="002060"/>
+              <a:rPr lang="zh-TW" altLang="en-US" sz="6400" b="1" dirty="0">
+                <a:solidFill>
+                  <a:srgbClr val="000066"/>
                 </a:solidFill>
                 <a:latin typeface="Microsoft JhengHei" panose="020B0604030504040204" pitchFamily="34" charset="-120"/>
                 <a:ea typeface="Microsoft JhengHei" panose="020B0604030504040204" pitchFamily="34" charset="-120"/>
               </a:rPr>
-              <a:t>使我從血泉能得成</a:t>
-            </a:r>
-            <a:r>
-              <a:rPr lang="zh-TW" altLang="en-US" sz="5400" b="1" dirty="0">
-                <a:solidFill>
-                  <a:srgbClr val="002060"/>
-                </a:solidFill>
-                <a:latin typeface="Microsoft JhengHei" panose="020B0604030504040204" pitchFamily="34" charset="-120"/>
-                <a:ea typeface="Microsoft JhengHei" panose="020B0604030504040204" pitchFamily="34" charset="-120"/>
-              </a:rPr>
-              <a:t>聖</a:t>
-            </a:r>
-            <a:endParaRPr lang="en-US" altLang="zh-TW" sz="5400" b="1" dirty="0">
+              <a:t>使我從血泉能得成聖</a:t>
+            </a:r>
+            <a:endParaRPr lang="en-US" altLang="zh-TW" sz="6400" b="1" dirty="0">
               <a:solidFill>
-                <a:srgbClr val="002060"/>
+                <a:srgbClr val="000066"/>
               </a:solidFill>
               <a:latin typeface="Microsoft JhengHei" panose="020B0604030504040204" pitchFamily="34" charset="-120"/>
               <a:ea typeface="Microsoft JhengHei" panose="020B0604030504040204" pitchFamily="34" charset="-120"/>
             </a:endParaRPr>
           </a:p>
+        </p:txBody>
+      </p:sp>
+    </p:spTree>
+    <p:extLst>
+      <p:ext uri="{BB962C8B-B14F-4D97-AF65-F5344CB8AC3E}">
+        <p14:creationId xmlns:p14="http://schemas.microsoft.com/office/powerpoint/2010/main" val="2423334665"/>
+      </p:ext>
+    </p:extLst>
+  </p:cSld>
+  <p:clrMapOvr>
+    <a:masterClrMapping/>
+  </p:clrMapOvr>
+</p:sld>
+</file>
+
+<file path=ppt/slides/slide21.xml><?xml version="1.0" encoding="utf-8"?>
+<p:sld xmlns:a="http://schemas.openxmlformats.org/drawingml/2006/main" xmlns:r="http://schemas.openxmlformats.org/officeDocument/2006/relationships" xmlns:p="http://schemas.openxmlformats.org/presentationml/2006/main">
+  <p:cSld>
+    <p:spTree>
+      <p:nvGrpSpPr>
+        <p:cNvPr id="1" name="">
+          <a:extLst>
+            <a:ext uri="{FF2B5EF4-FFF2-40B4-BE49-F238E27FC236}">
+              <a16:creationId xmlns:a16="http://schemas.microsoft.com/office/drawing/2014/main" id="{084D3C46-51BC-D547-5B7D-0B7B9B919321}"/>
+            </a:ext>
+          </a:extLst>
+        </p:cNvPr>
+        <p:cNvGrpSpPr/>
+        <p:nvPr/>
+      </p:nvGrpSpPr>
+      <p:grpSpPr>
+        <a:xfrm>
+          <a:off x="0" y="0"/>
+          <a:ext cx="0" cy="0"/>
+          <a:chOff x="0" y="0"/>
+          <a:chExt cx="0" cy="0"/>
+        </a:xfrm>
+      </p:grpSpPr>
+      <p:sp>
+        <p:nvSpPr>
+          <p:cNvPr id="5" name="內容版面配置區 4">
+            <a:extLst>
+              <a:ext uri="{FF2B5EF4-FFF2-40B4-BE49-F238E27FC236}">
+                <a16:creationId xmlns:a16="http://schemas.microsoft.com/office/drawing/2014/main" id="{96920146-9EA3-437E-1535-30F9F63DC108}"/>
+              </a:ext>
+            </a:extLst>
+          </p:cNvPr>
+          <p:cNvSpPr>
+            <a:spLocks noGrp="1"/>
+          </p:cNvSpPr>
+          <p:nvPr>
+            <p:ph idx="1"/>
+          </p:nvPr>
+        </p:nvSpPr>
+        <p:spPr>
+          <a:xfrm>
+            <a:off x="0" y="2084853"/>
+            <a:ext cx="12192000" cy="2404863"/>
+          </a:xfrm>
+        </p:spPr>
+        <p:txBody>
+          <a:bodyPr anchor="ctr">
+            <a:normAutofit/>
+          </a:bodyPr>
+          <a:lstStyle/>
           <a:p>
             <a:pPr marL="0" indent="0" algn="ctr">
               <a:buNone/>
             </a:pPr>
             <a:r>
-              <a:rPr lang="zh-TW" altLang="en-US" sz="5400" b="1" dirty="0">
-                <a:solidFill>
-                  <a:srgbClr val="002060"/>
+              <a:rPr lang="zh-TW" altLang="en-US" sz="6400" b="1" dirty="0">
+                <a:solidFill>
+                  <a:srgbClr val="000066"/>
                 </a:solidFill>
                 <a:latin typeface="Microsoft JhengHei" panose="020B0604030504040204" pitchFamily="34" charset="-120"/>
                 <a:ea typeface="Microsoft JhengHei" panose="020B0604030504040204" pitchFamily="34" charset="-120"/>
               </a:rPr>
-              <a:t>主   我命我</a:t>
-            </a:r>
-            <a:r>
-              <a:rPr lang="zh-TW" altLang="en-US" sz="5400" b="1" dirty="0">
-                <a:solidFill>
-                  <a:srgbClr val="002060"/>
+              <a:t>主   我命我心一切都歸與祢</a:t>
+            </a:r>
+          </a:p>
+          <a:p>
+            <a:pPr marL="0" indent="0" algn="ctr">
+              <a:buNone/>
+            </a:pPr>
+            <a:r>
+              <a:rPr lang="zh-TW" altLang="en-US" sz="6400" b="1" dirty="0">
+                <a:solidFill>
+                  <a:srgbClr val="000066"/>
                 </a:solidFill>
                 <a:latin typeface="Microsoft JhengHei" panose="020B0604030504040204" pitchFamily="34" charset="-120"/>
                 <a:ea typeface="Microsoft JhengHei" panose="020B0604030504040204" pitchFamily="34" charset="-120"/>
               </a:rPr>
-              <a:t>心一</a:t>
-            </a:r>
-            <a:r>
-              <a:rPr lang="zh-TW" altLang="en-US" sz="5400" b="1" dirty="0">
-                <a:solidFill>
-                  <a:srgbClr val="002060"/>
+              <a:t>從今日直到永遠</a:t>
+            </a:r>
+          </a:p>
+        </p:txBody>
+      </p:sp>
+    </p:spTree>
+    <p:extLst>
+      <p:ext uri="{BB962C8B-B14F-4D97-AF65-F5344CB8AC3E}">
+        <p14:creationId xmlns:p14="http://schemas.microsoft.com/office/powerpoint/2010/main" val="3582157905"/>
+      </p:ext>
+    </p:extLst>
+  </p:cSld>
+  <p:clrMapOvr>
+    <a:masterClrMapping/>
+  </p:clrMapOvr>
+</p:sld>
+</file>
+
+<file path=ppt/slides/slide22.xml><?xml version="1.0" encoding="utf-8"?>
+<p:sld xmlns:a="http://schemas.openxmlformats.org/drawingml/2006/main" xmlns:r="http://schemas.openxmlformats.org/officeDocument/2006/relationships" xmlns:p="http://schemas.openxmlformats.org/presentationml/2006/main">
+  <p:cSld>
+    <p:spTree>
+      <p:nvGrpSpPr>
+        <p:cNvPr id="1" name="">
+          <a:extLst>
+            <a:ext uri="{FF2B5EF4-FFF2-40B4-BE49-F238E27FC236}">
+              <a16:creationId xmlns:a16="http://schemas.microsoft.com/office/drawing/2014/main" id="{18871F77-EFCC-665D-7F4F-95EBAB336CE3}"/>
+            </a:ext>
+          </a:extLst>
+        </p:cNvPr>
+        <p:cNvGrpSpPr/>
+        <p:nvPr/>
+      </p:nvGrpSpPr>
+      <p:grpSpPr>
+        <a:xfrm>
+          <a:off x="0" y="0"/>
+          <a:ext cx="0" cy="0"/>
+          <a:chOff x="0" y="0"/>
+          <a:chExt cx="0" cy="0"/>
+        </a:xfrm>
+      </p:grpSpPr>
+      <p:sp>
+        <p:nvSpPr>
+          <p:cNvPr id="5" name="內容版面配置區 4">
+            <a:extLst>
+              <a:ext uri="{FF2B5EF4-FFF2-40B4-BE49-F238E27FC236}">
+                <a16:creationId xmlns:a16="http://schemas.microsoft.com/office/drawing/2014/main" id="{1C2AA496-AAB3-0C6E-F50A-9322E1A89064}"/>
+              </a:ext>
+            </a:extLst>
+          </p:cNvPr>
+          <p:cNvSpPr>
+            <a:spLocks noGrp="1"/>
+          </p:cNvSpPr>
+          <p:nvPr>
+            <p:ph idx="1"/>
+          </p:nvPr>
+        </p:nvSpPr>
+        <p:spPr>
+          <a:xfrm>
+            <a:off x="0" y="2084853"/>
+            <a:ext cx="12192000" cy="2404863"/>
+          </a:xfrm>
+        </p:spPr>
+        <p:txBody>
+          <a:bodyPr anchor="ctr">
+            <a:normAutofit/>
+          </a:bodyPr>
+          <a:lstStyle/>
+          <a:p>
+            <a:pPr marL="0" indent="0" algn="ctr">
+              <a:buNone/>
+            </a:pPr>
+            <a:r>
+              <a:rPr lang="zh-TW" altLang="en-US" sz="6400" b="1" dirty="0">
+                <a:solidFill>
+                  <a:srgbClr val="000066"/>
                 </a:solidFill>
                 <a:latin typeface="Microsoft JhengHei" panose="020B0604030504040204" pitchFamily="34" charset="-120"/>
                 <a:ea typeface="Microsoft JhengHei" panose="020B0604030504040204" pitchFamily="34" charset="-120"/>
               </a:rPr>
-              <a:t>切都歸與你</a:t>
+              <a:t>使我愛如火上升</a:t>
             </a:r>
           </a:p>
           <a:p>
@@ -4708,28 +5510,298 @@
               <a:buNone/>
             </a:pPr>
             <a:r>
-              <a:rPr lang="zh-TW" altLang="en-US" sz="5400" b="1" dirty="0">
-                <a:solidFill>
-                  <a:srgbClr val="002060"/>
+              <a:rPr lang="zh-TW" altLang="en-US" sz="6400" b="1" dirty="0">
+                <a:solidFill>
+                  <a:srgbClr val="000066"/>
                 </a:solidFill>
                 <a:latin typeface="Microsoft JhengHei" panose="020B0604030504040204" pitchFamily="34" charset="-120"/>
                 <a:ea typeface="Microsoft JhengHei" panose="020B0604030504040204" pitchFamily="34" charset="-120"/>
               </a:rPr>
-              <a:t>從今日直到永</a:t>
-            </a:r>
-            <a:r>
-              <a:rPr lang="zh-TW" altLang="en-US" sz="5400" b="1" dirty="0">
-                <a:solidFill>
-                  <a:srgbClr val="002060"/>
+              <a:t>全獻給我主我神</a:t>
+            </a:r>
+          </a:p>
+        </p:txBody>
+      </p:sp>
+      <p:sp>
+        <p:nvSpPr>
+          <p:cNvPr id="3" name="TextBox 2">
+            <a:extLst>
+              <a:ext uri="{FF2B5EF4-FFF2-40B4-BE49-F238E27FC236}">
+                <a16:creationId xmlns:a16="http://schemas.microsoft.com/office/drawing/2014/main" id="{D92E943D-486A-E570-B757-56A0EA6E2399}"/>
+              </a:ext>
+            </a:extLst>
+          </p:cNvPr>
+          <p:cNvSpPr txBox="1"/>
+          <p:nvPr/>
+        </p:nvSpPr>
+        <p:spPr>
+          <a:xfrm>
+            <a:off x="0" y="5061183"/>
+            <a:ext cx="12192000" cy="666786"/>
+          </a:xfrm>
+          <a:prstGeom prst="rect">
+            <a:avLst/>
+          </a:prstGeom>
+          <a:noFill/>
+        </p:spPr>
+        <p:txBody>
+          <a:bodyPr wrap="square" rtlCol="0">
+            <a:spAutoFit/>
+          </a:bodyPr>
+          <a:lstStyle/>
+          <a:p>
+            <a:pPr algn="ctr"/>
+            <a:r>
+              <a:rPr lang="en-US" sz="3733" b="1" dirty="0">
+                <a:solidFill>
+                  <a:srgbClr val="000066"/>
+                </a:solidFill>
+              </a:rPr>
+              <a:t>( 6 / 6 )</a:t>
+            </a:r>
+            <a:endParaRPr lang="vi-VN" sz="3733" b="1" dirty="0">
+              <a:solidFill>
+                <a:srgbClr val="000066"/>
+              </a:solidFill>
+            </a:endParaRPr>
+          </a:p>
+        </p:txBody>
+      </p:sp>
+    </p:spTree>
+    <p:extLst>
+      <p:ext uri="{BB962C8B-B14F-4D97-AF65-F5344CB8AC3E}">
+        <p14:creationId xmlns:p14="http://schemas.microsoft.com/office/powerpoint/2010/main" val="2596553908"/>
+      </p:ext>
+    </p:extLst>
+  </p:cSld>
+  <p:clrMapOvr>
+    <a:masterClrMapping/>
+  </p:clrMapOvr>
+</p:sld>
+</file>
+
+<file path=ppt/slides/slide23.xml><?xml version="1.0" encoding="utf-8"?>
+<p:sld xmlns:a="http://schemas.openxmlformats.org/drawingml/2006/main" xmlns:r="http://schemas.openxmlformats.org/officeDocument/2006/relationships" xmlns:p="http://schemas.openxmlformats.org/presentationml/2006/main">
+  <p:cSld>
+    <p:spTree>
+      <p:nvGrpSpPr>
+        <p:cNvPr id="1" name="">
+          <a:extLst>
+            <a:ext uri="{FF2B5EF4-FFF2-40B4-BE49-F238E27FC236}">
+              <a16:creationId xmlns:a16="http://schemas.microsoft.com/office/drawing/2014/main" id="{DBAEC70B-9217-F915-6056-3A2340617CD7}"/>
+            </a:ext>
+          </a:extLst>
+        </p:cNvPr>
+        <p:cNvGrpSpPr/>
+        <p:nvPr/>
+      </p:nvGrpSpPr>
+      <p:grpSpPr>
+        <a:xfrm>
+          <a:off x="0" y="0"/>
+          <a:ext cx="0" cy="0"/>
+          <a:chOff x="0" y="0"/>
+          <a:chExt cx="0" cy="0"/>
+        </a:xfrm>
+      </p:grpSpPr>
+      <p:sp>
+        <p:nvSpPr>
+          <p:cNvPr id="5" name="內容版面配置區 4">
+            <a:extLst>
+              <a:ext uri="{FF2B5EF4-FFF2-40B4-BE49-F238E27FC236}">
+                <a16:creationId xmlns:a16="http://schemas.microsoft.com/office/drawing/2014/main" id="{E415C43C-6E72-65C3-6591-F0C8F2BDC20D}"/>
+              </a:ext>
+            </a:extLst>
+          </p:cNvPr>
+          <p:cNvSpPr>
+            <a:spLocks noGrp="1"/>
+          </p:cNvSpPr>
+          <p:nvPr>
+            <p:ph idx="1"/>
+          </p:nvPr>
+        </p:nvSpPr>
+        <p:spPr>
+          <a:xfrm>
+            <a:off x="0" y="2084853"/>
+            <a:ext cx="12192000" cy="2404863"/>
+          </a:xfrm>
+        </p:spPr>
+        <p:txBody>
+          <a:bodyPr anchor="ctr">
+            <a:normAutofit/>
+          </a:bodyPr>
+          <a:lstStyle/>
+          <a:p>
+            <a:pPr marL="0" indent="0" algn="ctr">
+              <a:buNone/>
+            </a:pPr>
+            <a:r>
+              <a:rPr lang="zh-TW" altLang="en-US" sz="6400" b="1" dirty="0">
+                <a:solidFill>
+                  <a:srgbClr val="000066"/>
                 </a:solidFill>
                 <a:latin typeface="Microsoft JhengHei" panose="020B0604030504040204" pitchFamily="34" charset="-120"/>
                 <a:ea typeface="Microsoft JhengHei" panose="020B0604030504040204" pitchFamily="34" charset="-120"/>
               </a:rPr>
-              <a:t>遠</a:t>
-            </a:r>
-            <a:endParaRPr lang="zh-TW" altLang="en-US" sz="5400" b="1" dirty="0">
+              <a:t>我願獻一切所有</a:t>
+            </a:r>
+          </a:p>
+          <a:p>
+            <a:pPr marL="0" indent="0" algn="ctr">
+              <a:buNone/>
+            </a:pPr>
+            <a:r>
+              <a:rPr lang="zh-TW" altLang="en-US" sz="6400" b="1" dirty="0">
+                <a:solidFill>
+                  <a:srgbClr val="000066"/>
+                </a:solidFill>
+                <a:latin typeface="Microsoft JhengHei" panose="020B0604030504040204" pitchFamily="34" charset="-120"/>
+                <a:ea typeface="Microsoft JhengHei" panose="020B0604030504040204" pitchFamily="34" charset="-120"/>
+              </a:rPr>
+              <a:t>因我本來屬乎主</a:t>
+            </a:r>
+          </a:p>
+        </p:txBody>
+      </p:sp>
+      <p:sp>
+        <p:nvSpPr>
+          <p:cNvPr id="3" name="TextBox 2">
+            <a:extLst>
+              <a:ext uri="{FF2B5EF4-FFF2-40B4-BE49-F238E27FC236}">
+                <a16:creationId xmlns:a16="http://schemas.microsoft.com/office/drawing/2014/main" id="{D7D749A9-AAC9-212D-6D6E-D0A60B97567F}"/>
+              </a:ext>
+            </a:extLst>
+          </p:cNvPr>
+          <p:cNvSpPr txBox="1"/>
+          <p:nvPr/>
+        </p:nvSpPr>
+        <p:spPr>
+          <a:xfrm>
+            <a:off x="0" y="5061183"/>
+            <a:ext cx="12192000" cy="666786"/>
+          </a:xfrm>
+          <a:prstGeom prst="rect">
+            <a:avLst/>
+          </a:prstGeom>
+          <a:noFill/>
+        </p:spPr>
+        <p:txBody>
+          <a:bodyPr wrap="square" rtlCol="0">
+            <a:spAutoFit/>
+          </a:bodyPr>
+          <a:lstStyle/>
+          <a:p>
+            <a:pPr algn="ctr"/>
+            <a:r>
+              <a:rPr lang="en-US" sz="3733" b="1" dirty="0">
+                <a:solidFill>
+                  <a:srgbClr val="000066"/>
+                </a:solidFill>
+              </a:rPr>
+              <a:t>( 6 / 6 )</a:t>
+            </a:r>
+            <a:endParaRPr lang="vi-VN" sz="3733" b="1" dirty="0">
               <a:solidFill>
-                <a:srgbClr val="002060"/>
+                <a:srgbClr val="000066"/>
+              </a:solidFill>
+            </a:endParaRPr>
+          </a:p>
+        </p:txBody>
+      </p:sp>
+    </p:spTree>
+    <p:extLst>
+      <p:ext uri="{BB962C8B-B14F-4D97-AF65-F5344CB8AC3E}">
+        <p14:creationId xmlns:p14="http://schemas.microsoft.com/office/powerpoint/2010/main" val="217991775"/>
+      </p:ext>
+    </p:extLst>
+  </p:cSld>
+  <p:clrMapOvr>
+    <a:masterClrMapping/>
+  </p:clrMapOvr>
+</p:sld>
+</file>
+
+<file path=ppt/slides/slide24.xml><?xml version="1.0" encoding="utf-8"?>
+<p:sld xmlns:a="http://schemas.openxmlformats.org/drawingml/2006/main" xmlns:r="http://schemas.openxmlformats.org/officeDocument/2006/relationships" xmlns:p="http://schemas.openxmlformats.org/presentationml/2006/main">
+  <p:cSld>
+    <p:spTree>
+      <p:nvGrpSpPr>
+        <p:cNvPr id="1" name="">
+          <a:extLst>
+            <a:ext uri="{FF2B5EF4-FFF2-40B4-BE49-F238E27FC236}">
+              <a16:creationId xmlns:a16="http://schemas.microsoft.com/office/drawing/2014/main" id="{4D368334-EC99-9016-E7A8-7DC442CA917C}"/>
+            </a:ext>
+          </a:extLst>
+        </p:cNvPr>
+        <p:cNvGrpSpPr/>
+        <p:nvPr/>
+      </p:nvGrpSpPr>
+      <p:grpSpPr>
+        <a:xfrm>
+          <a:off x="0" y="0"/>
+          <a:ext cx="0" cy="0"/>
+          <a:chOff x="0" y="0"/>
+          <a:chExt cx="0" cy="0"/>
+        </a:xfrm>
+      </p:grpSpPr>
+      <p:sp>
+        <p:nvSpPr>
+          <p:cNvPr id="5" name="內容版面配置區 4">
+            <a:extLst>
+              <a:ext uri="{FF2B5EF4-FFF2-40B4-BE49-F238E27FC236}">
+                <a16:creationId xmlns:a16="http://schemas.microsoft.com/office/drawing/2014/main" id="{4671FBB7-7650-553D-1550-8F5934EB1B7B}"/>
+              </a:ext>
+            </a:extLst>
+          </p:cNvPr>
+          <p:cNvSpPr>
+            <a:spLocks noGrp="1"/>
+          </p:cNvSpPr>
+          <p:nvPr>
+            <p:ph idx="1"/>
+          </p:nvPr>
+        </p:nvSpPr>
+        <p:spPr>
+          <a:xfrm>
+            <a:off x="0" y="2084853"/>
+            <a:ext cx="12192000" cy="2404863"/>
+          </a:xfrm>
+        </p:spPr>
+        <p:txBody>
+          <a:bodyPr anchor="ctr">
+            <a:normAutofit/>
+          </a:bodyPr>
+          <a:lstStyle/>
+          <a:p>
+            <a:pPr marL="0" indent="0" algn="ctr">
+              <a:buNone/>
+            </a:pPr>
+            <a:r>
+              <a:rPr lang="zh-TW" altLang="en-US" sz="6400" b="1" dirty="0">
+                <a:solidFill>
+                  <a:srgbClr val="000066"/>
+                </a:solidFill>
+                <a:latin typeface="Microsoft JhengHei" panose="020B0604030504040204" pitchFamily="34" charset="-120"/>
+                <a:ea typeface="Microsoft JhengHei" panose="020B0604030504040204" pitchFamily="34" charset="-120"/>
+              </a:rPr>
+              <a:t>在救主寶貴血內洗淨</a:t>
+            </a:r>
+          </a:p>
+          <a:p>
+            <a:pPr marL="0" indent="0" algn="ctr">
+              <a:buNone/>
+            </a:pPr>
+            <a:r>
+              <a:rPr lang="zh-TW" altLang="en-US" sz="6400" b="1" dirty="0">
+                <a:solidFill>
+                  <a:srgbClr val="000066"/>
+                </a:solidFill>
+                <a:latin typeface="Microsoft JhengHei" panose="020B0604030504040204" pitchFamily="34" charset="-120"/>
+                <a:ea typeface="Microsoft JhengHei" panose="020B0604030504040204" pitchFamily="34" charset="-120"/>
+              </a:rPr>
+              <a:t>使我從血泉能得成聖</a:t>
+            </a:r>
+            <a:endParaRPr lang="en-US" altLang="zh-TW" sz="6400" b="1" dirty="0">
+              <a:solidFill>
+                <a:srgbClr val="000066"/>
               </a:solidFill>
               <a:latin typeface="Microsoft JhengHei" panose="020B0604030504040204" pitchFamily="34" charset="-120"/>
               <a:ea typeface="Microsoft JhengHei" panose="020B0604030504040204" pitchFamily="34" charset="-120"/>
@@ -4740,7 +5812,102 @@
     </p:spTree>
     <p:extLst>
       <p:ext uri="{BB962C8B-B14F-4D97-AF65-F5344CB8AC3E}">
-        <p14:creationId xmlns:p14="http://schemas.microsoft.com/office/powerpoint/2010/main" val="3900889091"/>
+        <p14:creationId xmlns:p14="http://schemas.microsoft.com/office/powerpoint/2010/main" val="2907385058"/>
+      </p:ext>
+    </p:extLst>
+  </p:cSld>
+  <p:clrMapOvr>
+    <a:masterClrMapping/>
+  </p:clrMapOvr>
+</p:sld>
+</file>
+
+<file path=ppt/slides/slide25.xml><?xml version="1.0" encoding="utf-8"?>
+<p:sld xmlns:a="http://schemas.openxmlformats.org/drawingml/2006/main" xmlns:r="http://schemas.openxmlformats.org/officeDocument/2006/relationships" xmlns:p="http://schemas.openxmlformats.org/presentationml/2006/main">
+  <p:cSld>
+    <p:spTree>
+      <p:nvGrpSpPr>
+        <p:cNvPr id="1" name="">
+          <a:extLst>
+            <a:ext uri="{FF2B5EF4-FFF2-40B4-BE49-F238E27FC236}">
+              <a16:creationId xmlns:a16="http://schemas.microsoft.com/office/drawing/2014/main" id="{CBACEE6D-96D4-AE1E-9B1B-F5C6792C13B2}"/>
+            </a:ext>
+          </a:extLst>
+        </p:cNvPr>
+        <p:cNvGrpSpPr/>
+        <p:nvPr/>
+      </p:nvGrpSpPr>
+      <p:grpSpPr>
+        <a:xfrm>
+          <a:off x="0" y="0"/>
+          <a:ext cx="0" cy="0"/>
+          <a:chOff x="0" y="0"/>
+          <a:chExt cx="0" cy="0"/>
+        </a:xfrm>
+      </p:grpSpPr>
+      <p:sp>
+        <p:nvSpPr>
+          <p:cNvPr id="5" name="內容版面配置區 4">
+            <a:extLst>
+              <a:ext uri="{FF2B5EF4-FFF2-40B4-BE49-F238E27FC236}">
+                <a16:creationId xmlns:a16="http://schemas.microsoft.com/office/drawing/2014/main" id="{31AB0314-B70F-E4CC-D0C4-F36A07DC8B10}"/>
+              </a:ext>
+            </a:extLst>
+          </p:cNvPr>
+          <p:cNvSpPr>
+            <a:spLocks noGrp="1"/>
+          </p:cNvSpPr>
+          <p:nvPr>
+            <p:ph idx="1"/>
+          </p:nvPr>
+        </p:nvSpPr>
+        <p:spPr>
+          <a:xfrm>
+            <a:off x="0" y="2084853"/>
+            <a:ext cx="12192000" cy="2404863"/>
+          </a:xfrm>
+        </p:spPr>
+        <p:txBody>
+          <a:bodyPr anchor="ctr">
+            <a:normAutofit/>
+          </a:bodyPr>
+          <a:lstStyle/>
+          <a:p>
+            <a:pPr marL="0" indent="0" algn="ctr">
+              <a:buNone/>
+            </a:pPr>
+            <a:r>
+              <a:rPr lang="zh-TW" altLang="en-US" sz="6400" b="1" dirty="0">
+                <a:solidFill>
+                  <a:srgbClr val="000066"/>
+                </a:solidFill>
+                <a:latin typeface="Microsoft JhengHei" panose="020B0604030504040204" pitchFamily="34" charset="-120"/>
+                <a:ea typeface="Microsoft JhengHei" panose="020B0604030504040204" pitchFamily="34" charset="-120"/>
+              </a:rPr>
+              <a:t>主   我命我心一切都歸與祢</a:t>
+            </a:r>
+          </a:p>
+          <a:p>
+            <a:pPr marL="0" indent="0" algn="ctr">
+              <a:buNone/>
+            </a:pPr>
+            <a:r>
+              <a:rPr lang="zh-TW" altLang="en-US" sz="6400" b="1" dirty="0">
+                <a:solidFill>
+                  <a:srgbClr val="000066"/>
+                </a:solidFill>
+                <a:latin typeface="Microsoft JhengHei" panose="020B0604030504040204" pitchFamily="34" charset="-120"/>
+                <a:ea typeface="Microsoft JhengHei" panose="020B0604030504040204" pitchFamily="34" charset="-120"/>
+              </a:rPr>
+              <a:t>從今日直到永遠</a:t>
+            </a:r>
+          </a:p>
+        </p:txBody>
+      </p:sp>
+    </p:spTree>
+    <p:extLst>
+      <p:ext uri="{BB962C8B-B14F-4D97-AF65-F5344CB8AC3E}">
+        <p14:creationId xmlns:p14="http://schemas.microsoft.com/office/powerpoint/2010/main" val="1574791799"/>
       </p:ext>
     </p:extLst>
   </p:cSld>
@@ -4755,7 +5922,13 @@
   <p:cSld>
     <p:spTree>
       <p:nvGrpSpPr>
-        <p:cNvPr id="1" name=""/>
+        <p:cNvPr id="1" name="">
+          <a:extLst>
+            <a:ext uri="{FF2B5EF4-FFF2-40B4-BE49-F238E27FC236}">
+              <a16:creationId xmlns:a16="http://schemas.microsoft.com/office/drawing/2014/main" id="{829405D0-3925-4B83-825A-C6A06E01A3E8}"/>
+            </a:ext>
+          </a:extLst>
+        </p:cNvPr>
         <p:cNvGrpSpPr/>
         <p:nvPr/>
       </p:nvGrpSpPr>
@@ -4769,178 +5942,110 @@
       </p:grpSpPr>
       <p:sp>
         <p:nvSpPr>
-          <p:cNvPr id="4" name="Title 3"/>
-          <p:cNvSpPr>
-            <a:spLocks noGrp="1"/>
-          </p:cNvSpPr>
-          <p:nvPr>
-            <p:ph type="title"/>
-          </p:nvPr>
-        </p:nvSpPr>
-        <p:spPr/>
-        <p:txBody>
-          <a:bodyPr>
+          <p:cNvPr id="5" name="內容版面配置區 4">
+            <a:extLst>
+              <a:ext uri="{FF2B5EF4-FFF2-40B4-BE49-F238E27FC236}">
+                <a16:creationId xmlns:a16="http://schemas.microsoft.com/office/drawing/2014/main" id="{048136DB-6B18-0376-9820-A48994193695}"/>
+              </a:ext>
+            </a:extLst>
+          </p:cNvPr>
+          <p:cNvSpPr>
+            <a:spLocks noGrp="1"/>
+          </p:cNvSpPr>
+          <p:nvPr>
+            <p:ph idx="1"/>
+          </p:nvPr>
+        </p:nvSpPr>
+        <p:spPr>
+          <a:xfrm>
+            <a:off x="0" y="2084853"/>
+            <a:ext cx="12192000" cy="2404863"/>
+          </a:xfrm>
+        </p:spPr>
+        <p:txBody>
+          <a:bodyPr anchor="ctr">
             <a:normAutofit/>
           </a:bodyPr>
           <a:lstStyle/>
           <a:p>
-            <a:r>
-              <a:rPr lang="en-US" altLang="zh-CN" sz="4800" b="1" dirty="0">
-                <a:solidFill>
-                  <a:srgbClr val="002060"/>
+            <a:pPr marL="0" indent="0" algn="ctr">
+              <a:buNone/>
+            </a:pPr>
+            <a:r>
+              <a:rPr lang="zh-TW" altLang="en-US" sz="6400" b="1" dirty="0">
+                <a:solidFill>
+                  <a:srgbClr val="000066"/>
                 </a:solidFill>
                 <a:latin typeface="Microsoft JhengHei" panose="020B0604030504040204" pitchFamily="34" charset="-120"/>
                 <a:ea typeface="Microsoft JhengHei" panose="020B0604030504040204" pitchFamily="34" charset="-120"/>
               </a:rPr>
-              <a:t>【</a:t>
-            </a:r>
-            <a:r>
-              <a:rPr lang="zh-CN" altLang="en-US" sz="4800" b="1" dirty="0">
-                <a:solidFill>
-                  <a:srgbClr val="002060"/>
+              <a:t>我光陰全歸主用</a:t>
+            </a:r>
+            <a:endParaRPr lang="en-US" altLang="zh-TW" sz="6400" b="1" dirty="0">
+              <a:solidFill>
+                <a:srgbClr val="000066"/>
+              </a:solidFill>
+              <a:latin typeface="Microsoft JhengHei" panose="020B0604030504040204" pitchFamily="34" charset="-120"/>
+              <a:ea typeface="Microsoft JhengHei" panose="020B0604030504040204" pitchFamily="34" charset="-120"/>
+            </a:endParaRPr>
+          </a:p>
+          <a:p>
+            <a:pPr marL="0" indent="0" algn="ctr">
+              <a:buNone/>
+            </a:pPr>
+            <a:r>
+              <a:rPr lang="zh-TW" altLang="en-US" sz="6400" b="1" dirty="0">
+                <a:solidFill>
+                  <a:srgbClr val="000066"/>
                 </a:solidFill>
                 <a:latin typeface="Microsoft JhengHei" panose="020B0604030504040204" pitchFamily="34" charset="-120"/>
                 <a:ea typeface="Microsoft JhengHei" panose="020B0604030504040204" pitchFamily="34" charset="-120"/>
               </a:rPr>
-              <a:t>獻己於主</a:t>
-            </a:r>
-            <a:r>
-              <a:rPr lang="en-US" altLang="zh-CN" sz="4800" b="1" dirty="0">
-                <a:solidFill>
-                  <a:srgbClr val="002060"/>
-                </a:solidFill>
-                <a:latin typeface="Microsoft JhengHei" panose="020B0604030504040204" pitchFamily="34" charset="-120"/>
-                <a:ea typeface="Microsoft JhengHei" panose="020B0604030504040204" pitchFamily="34" charset="-120"/>
-              </a:rPr>
-              <a:t>】</a:t>
-            </a:r>
-          </a:p>
-        </p:txBody>
-      </p:sp>
-      <p:sp>
-        <p:nvSpPr>
-          <p:cNvPr id="5" name="Content Placeholder 4"/>
-          <p:cNvSpPr>
-            <a:spLocks noGrp="1"/>
-          </p:cNvSpPr>
-          <p:nvPr>
-            <p:ph idx="1"/>
-          </p:nvPr>
-        </p:nvSpPr>
-        <p:spPr/>
-        <p:txBody>
-          <a:bodyPr>
-            <a:normAutofit/>
-          </a:bodyPr>
-          <a:lstStyle/>
-          <a:p>
-            <a:pPr marL="0" indent="0" algn="ctr">
-              <a:buNone/>
-            </a:pPr>
-            <a:r>
-              <a:rPr lang="zh-TW" altLang="en-US" sz="5400" b="1" dirty="0">
-                <a:solidFill>
-                  <a:srgbClr val="002060"/>
-                </a:solidFill>
-                <a:latin typeface="Microsoft JhengHei" panose="020B0604030504040204" pitchFamily="34" charset="-120"/>
-                <a:ea typeface="Microsoft JhengHei" panose="020B0604030504040204" pitchFamily="34" charset="-120"/>
-              </a:rPr>
-              <a:t>使我手作主聖工</a:t>
-            </a:r>
-          </a:p>
-          <a:p>
-            <a:pPr marL="0" indent="0" algn="ctr">
-              <a:buNone/>
-            </a:pPr>
-            <a:r>
-              <a:rPr lang="zh-TW" altLang="en-US" sz="5400" b="1" dirty="0">
-                <a:solidFill>
-                  <a:srgbClr val="002060"/>
-                </a:solidFill>
-                <a:latin typeface="Microsoft JhengHei" panose="020B0604030504040204" pitchFamily="34" charset="-120"/>
-                <a:ea typeface="Microsoft JhengHei" panose="020B0604030504040204" pitchFamily="34" charset="-120"/>
-              </a:rPr>
-              <a:t>因被主慈愛感動</a:t>
-            </a:r>
-          </a:p>
-          <a:p>
-            <a:pPr marL="0" indent="0" algn="ctr">
-              <a:buNone/>
-            </a:pPr>
-            <a:r>
-              <a:rPr lang="zh-TW" altLang="en-US" sz="5400" b="1" dirty="0">
-                <a:solidFill>
-                  <a:srgbClr val="002060"/>
-                </a:solidFill>
-                <a:latin typeface="Microsoft JhengHei" panose="020B0604030504040204" pitchFamily="34" charset="-120"/>
-                <a:ea typeface="Microsoft JhengHei" panose="020B0604030504040204" pitchFamily="34" charset="-120"/>
-              </a:rPr>
-              <a:t>使我脚為主行路</a:t>
-            </a:r>
-          </a:p>
-          <a:p>
-            <a:pPr marL="0" indent="0" algn="ctr">
-              <a:buNone/>
-            </a:pPr>
-            <a:r>
-              <a:rPr lang="zh-TW" altLang="en-US" sz="5400" b="1" dirty="0">
-                <a:solidFill>
-                  <a:srgbClr val="002060"/>
-                </a:solidFill>
-                <a:latin typeface="Microsoft JhengHei" panose="020B0604030504040204" pitchFamily="34" charset="-120"/>
-                <a:ea typeface="Microsoft JhengHei" panose="020B0604030504040204" pitchFamily="34" charset="-120"/>
-              </a:rPr>
-              <a:t>步步都從主吩咐</a:t>
-            </a:r>
-          </a:p>
-        </p:txBody>
-      </p:sp>
-      <p:sp>
-        <p:nvSpPr>
-          <p:cNvPr id="6" name="Text Box 1"/>
+              <a:t>不够報答主恩寵</a:t>
+            </a:r>
+          </a:p>
+        </p:txBody>
+      </p:sp>
+      <p:sp>
+        <p:nvSpPr>
+          <p:cNvPr id="3" name="TextBox 2">
+            <a:extLst>
+              <a:ext uri="{FF2B5EF4-FFF2-40B4-BE49-F238E27FC236}">
+                <a16:creationId xmlns:a16="http://schemas.microsoft.com/office/drawing/2014/main" id="{FF314F19-0855-63E3-D548-2AE1CBE3A726}"/>
+              </a:ext>
+            </a:extLst>
+          </p:cNvPr>
           <p:cNvSpPr txBox="1"/>
           <p:nvPr/>
         </p:nvSpPr>
         <p:spPr>
           <a:xfrm>
-            <a:off x="1199456" y="1700808"/>
-            <a:ext cx="1380490" cy="923330"/>
+            <a:off x="0" y="5061183"/>
+            <a:ext cx="12192000" cy="666786"/>
           </a:xfrm>
           <a:prstGeom prst="rect">
             <a:avLst/>
           </a:prstGeom>
           <a:noFill/>
-          <a:ln w="9525">
-            <a:noFill/>
-            <a:miter lim="800000"/>
-          </a:ln>
         </p:spPr>
         <p:txBody>
-          <a:bodyPr wrap="square">
+          <a:bodyPr wrap="square" rtlCol="0">
             <a:spAutoFit/>
           </a:bodyPr>
           <a:lstStyle/>
           <a:p>
             <a:pPr algn="ctr"/>
             <a:r>
-              <a:rPr lang="en-US" sz="5400" b="1" dirty="0">
-                <a:solidFill>
-                  <a:srgbClr val="002060"/>
+              <a:rPr lang="en-US" sz="3733" b="1" dirty="0">
+                <a:solidFill>
+                  <a:srgbClr val="000066"/>
                 </a:solidFill>
               </a:rPr>
-              <a:t>2</a:t>
-            </a:r>
-            <a:r>
-              <a:rPr lang="en-US" sz="5400" b="1" dirty="0" smtClean="0">
-                <a:solidFill>
-                  <a:srgbClr val="002060"/>
-                </a:solidFill>
-              </a:rPr>
-              <a:t>.</a:t>
-            </a:r>
-            <a:endParaRPr lang="en-US" sz="5400" b="1" dirty="0">
+              <a:t>( 1 / 6 )</a:t>
+            </a:r>
+            <a:endParaRPr lang="vi-VN" sz="3733" b="1" dirty="0">
               <a:solidFill>
-                <a:srgbClr val="002060"/>
+                <a:srgbClr val="000066"/>
               </a:solidFill>
             </a:endParaRPr>
           </a:p>
@@ -4949,7 +6054,7 @@
     </p:spTree>
     <p:extLst>
       <p:ext uri="{BB962C8B-B14F-4D97-AF65-F5344CB8AC3E}">
-        <p14:creationId xmlns:p14="http://schemas.microsoft.com/office/powerpoint/2010/main" val="451527538"/>
+        <p14:creationId xmlns:p14="http://schemas.microsoft.com/office/powerpoint/2010/main" val="3073749783"/>
       </p:ext>
     </p:extLst>
   </p:cSld>
@@ -4964,7 +6069,13 @@
   <p:cSld>
     <p:spTree>
       <p:nvGrpSpPr>
-        <p:cNvPr id="1" name=""/>
+        <p:cNvPr id="1" name="">
+          <a:extLst>
+            <a:ext uri="{FF2B5EF4-FFF2-40B4-BE49-F238E27FC236}">
+              <a16:creationId xmlns:a16="http://schemas.microsoft.com/office/drawing/2014/main" id="{9E093B35-AEF7-8780-950C-3AAA57B7C270}"/>
+            </a:ext>
+          </a:extLst>
+        </p:cNvPr>
         <p:cNvGrpSpPr/>
         <p:nvPr/>
       </p:nvGrpSpPr>
@@ -4978,78 +6089,39 @@
       </p:grpSpPr>
       <p:sp>
         <p:nvSpPr>
-          <p:cNvPr id="4" name="Title 3"/>
-          <p:cNvSpPr>
-            <a:spLocks noGrp="1"/>
-          </p:cNvSpPr>
-          <p:nvPr>
-            <p:ph type="title"/>
-          </p:nvPr>
-        </p:nvSpPr>
-        <p:spPr/>
-        <p:txBody>
-          <a:bodyPr>
+          <p:cNvPr id="5" name="內容版面配置區 4">
+            <a:extLst>
+              <a:ext uri="{FF2B5EF4-FFF2-40B4-BE49-F238E27FC236}">
+                <a16:creationId xmlns:a16="http://schemas.microsoft.com/office/drawing/2014/main" id="{DA5E5CAD-BF20-2186-9356-55EB0D2C6BFA}"/>
+              </a:ext>
+            </a:extLst>
+          </p:cNvPr>
+          <p:cNvSpPr>
+            <a:spLocks noGrp="1"/>
+          </p:cNvSpPr>
+          <p:nvPr>
+            <p:ph idx="1"/>
+          </p:nvPr>
+        </p:nvSpPr>
+        <p:spPr>
+          <a:xfrm>
+            <a:off x="0" y="2084853"/>
+            <a:ext cx="12192000" cy="2404863"/>
+          </a:xfrm>
+        </p:spPr>
+        <p:txBody>
+          <a:bodyPr anchor="ctr">
             <a:normAutofit/>
           </a:bodyPr>
           <a:lstStyle/>
           <a:p>
-            <a:r>
-              <a:rPr lang="en-US" altLang="zh-CN" sz="4800" b="1" dirty="0">
-                <a:solidFill>
-                  <a:srgbClr val="002060"/>
-                </a:solidFill>
-                <a:latin typeface="Microsoft JhengHei" panose="020B0604030504040204" pitchFamily="34" charset="-120"/>
-                <a:ea typeface="Microsoft JhengHei" panose="020B0604030504040204" pitchFamily="34" charset="-120"/>
-              </a:rPr>
-              <a:t>【</a:t>
-            </a:r>
-            <a:r>
-              <a:rPr lang="zh-CN" altLang="en-US" sz="4800" b="1" dirty="0">
-                <a:solidFill>
-                  <a:srgbClr val="002060"/>
-                </a:solidFill>
-                <a:latin typeface="Microsoft JhengHei" panose="020B0604030504040204" pitchFamily="34" charset="-120"/>
-                <a:ea typeface="Microsoft JhengHei" panose="020B0604030504040204" pitchFamily="34" charset="-120"/>
-              </a:rPr>
-              <a:t>獻己於主</a:t>
-            </a:r>
-            <a:r>
-              <a:rPr lang="en-US" altLang="zh-CN" sz="4800" b="1" dirty="0">
-                <a:solidFill>
-                  <a:srgbClr val="002060"/>
-                </a:solidFill>
-                <a:latin typeface="Microsoft JhengHei" panose="020B0604030504040204" pitchFamily="34" charset="-120"/>
-                <a:ea typeface="Microsoft JhengHei" panose="020B0604030504040204" pitchFamily="34" charset="-120"/>
-              </a:rPr>
-              <a:t>】</a:t>
-            </a:r>
-          </a:p>
-        </p:txBody>
-      </p:sp>
-      <p:sp>
-        <p:nvSpPr>
-          <p:cNvPr id="5" name="Content Placeholder 4"/>
-          <p:cNvSpPr>
-            <a:spLocks noGrp="1"/>
-          </p:cNvSpPr>
-          <p:nvPr>
-            <p:ph idx="1"/>
-          </p:nvPr>
-        </p:nvSpPr>
-        <p:spPr/>
-        <p:txBody>
-          <a:bodyPr>
-            <a:normAutofit/>
-          </a:bodyPr>
-          <a:lstStyle/>
-          <a:p>
             <a:pPr marL="0" indent="0" algn="ctr">
               <a:buNone/>
             </a:pPr>
             <a:r>
-              <a:rPr lang="zh-TW" altLang="en-US" sz="5400" b="1" dirty="0">
-                <a:solidFill>
-                  <a:srgbClr val="002060"/>
+              <a:rPr lang="zh-TW" altLang="en-US" sz="6400" b="1" dirty="0">
+                <a:solidFill>
+                  <a:srgbClr val="000066"/>
                 </a:solidFill>
                 <a:latin typeface="Microsoft JhengHei" panose="020B0604030504040204" pitchFamily="34" charset="-120"/>
                 <a:ea typeface="Microsoft JhengHei" panose="020B0604030504040204" pitchFamily="34" charset="-120"/>
@@ -5062,106 +6134,29 @@
               <a:buNone/>
             </a:pPr>
             <a:r>
-              <a:rPr lang="zh-TW" altLang="en-US" sz="5400" b="1" dirty="0">
-                <a:solidFill>
-                  <a:srgbClr val="002060"/>
+              <a:rPr lang="zh-TW" altLang="en-US" sz="6400" b="1" dirty="0">
+                <a:solidFill>
+                  <a:srgbClr val="000066"/>
                 </a:solidFill>
                 <a:latin typeface="Microsoft JhengHei" panose="020B0604030504040204" pitchFamily="34" charset="-120"/>
                 <a:ea typeface="Microsoft JhengHei" panose="020B0604030504040204" pitchFamily="34" charset="-120"/>
               </a:rPr>
-              <a:t>使我從血泉能得成</a:t>
-            </a:r>
-            <a:r>
-              <a:rPr lang="zh-TW" altLang="en-US" sz="5400" b="1" dirty="0">
-                <a:solidFill>
-                  <a:srgbClr val="002060"/>
-                </a:solidFill>
-                <a:latin typeface="Microsoft JhengHei" panose="020B0604030504040204" pitchFamily="34" charset="-120"/>
-                <a:ea typeface="Microsoft JhengHei" panose="020B0604030504040204" pitchFamily="34" charset="-120"/>
-              </a:rPr>
-              <a:t>聖</a:t>
-            </a:r>
-            <a:endParaRPr lang="en-US" altLang="zh-TW" sz="5400" b="1" dirty="0">
+              <a:t>使我從血泉能得成聖</a:t>
+            </a:r>
+            <a:endParaRPr lang="en-US" altLang="zh-TW" sz="6400" b="1" dirty="0">
               <a:solidFill>
-                <a:srgbClr val="002060"/>
+                <a:srgbClr val="000066"/>
               </a:solidFill>
               <a:latin typeface="Microsoft JhengHei" panose="020B0604030504040204" pitchFamily="34" charset="-120"/>
               <a:ea typeface="Microsoft JhengHei" panose="020B0604030504040204" pitchFamily="34" charset="-120"/>
             </a:endParaRPr>
           </a:p>
-          <a:p>
-            <a:pPr marL="0" indent="0" algn="ctr">
-              <a:buNone/>
-            </a:pPr>
-            <a:r>
-              <a:rPr lang="zh-TW" altLang="en-US" sz="5400" b="1" dirty="0">
-                <a:solidFill>
-                  <a:srgbClr val="002060"/>
-                </a:solidFill>
-                <a:latin typeface="Microsoft JhengHei" panose="020B0604030504040204" pitchFamily="34" charset="-120"/>
-                <a:ea typeface="Microsoft JhengHei" panose="020B0604030504040204" pitchFamily="34" charset="-120"/>
-              </a:rPr>
-              <a:t>主   我命我</a:t>
-            </a:r>
-            <a:r>
-              <a:rPr lang="zh-TW" altLang="en-US" sz="5400" b="1" dirty="0">
-                <a:solidFill>
-                  <a:srgbClr val="002060"/>
-                </a:solidFill>
-                <a:latin typeface="Microsoft JhengHei" panose="020B0604030504040204" pitchFamily="34" charset="-120"/>
-                <a:ea typeface="Microsoft JhengHei" panose="020B0604030504040204" pitchFamily="34" charset="-120"/>
-              </a:rPr>
-              <a:t>心一</a:t>
-            </a:r>
-            <a:r>
-              <a:rPr lang="zh-TW" altLang="en-US" sz="5400" b="1" dirty="0">
-                <a:solidFill>
-                  <a:srgbClr val="002060"/>
-                </a:solidFill>
-                <a:latin typeface="Microsoft JhengHei" panose="020B0604030504040204" pitchFamily="34" charset="-120"/>
-                <a:ea typeface="Microsoft JhengHei" panose="020B0604030504040204" pitchFamily="34" charset="-120"/>
-              </a:rPr>
-              <a:t>切都歸與你</a:t>
-            </a:r>
-          </a:p>
-          <a:p>
-            <a:pPr marL="0" indent="0" algn="ctr">
-              <a:buNone/>
-            </a:pPr>
-            <a:r>
-              <a:rPr lang="zh-TW" altLang="en-US" sz="5400" b="1" dirty="0">
-                <a:solidFill>
-                  <a:srgbClr val="002060"/>
-                </a:solidFill>
-                <a:latin typeface="Microsoft JhengHei" panose="020B0604030504040204" pitchFamily="34" charset="-120"/>
-                <a:ea typeface="Microsoft JhengHei" panose="020B0604030504040204" pitchFamily="34" charset="-120"/>
-              </a:rPr>
-              <a:t>從今日直到永</a:t>
-            </a:r>
-            <a:r>
-              <a:rPr lang="zh-TW" altLang="en-US" sz="5400" b="1" dirty="0">
-                <a:solidFill>
-                  <a:srgbClr val="002060"/>
-                </a:solidFill>
-                <a:latin typeface="Microsoft JhengHei" panose="020B0604030504040204" pitchFamily="34" charset="-120"/>
-                <a:ea typeface="Microsoft JhengHei" panose="020B0604030504040204" pitchFamily="34" charset="-120"/>
-              </a:rPr>
-              <a:t>遠</a:t>
-            </a:r>
-            <a:endParaRPr lang="zh-TW" altLang="en-US" sz="5400" b="1" dirty="0">
-              <a:solidFill>
-                <a:srgbClr val="002060"/>
-              </a:solidFill>
-              <a:latin typeface="Microsoft JhengHei" panose="020B0604030504040204" pitchFamily="34" charset="-120"/>
-              <a:ea typeface="Microsoft JhengHei" panose="020B0604030504040204" pitchFamily="34" charset="-120"/>
-            </a:endParaRPr>
-          </a:p>
         </p:txBody>
       </p:sp>
     </p:spTree>
     <p:extLst>
       <p:ext uri="{BB962C8B-B14F-4D97-AF65-F5344CB8AC3E}">
-        <p14:creationId xmlns:p14="http://schemas.microsoft.com/office/powerpoint/2010/main" val="2529509708"/>
+        <p14:creationId xmlns:p14="http://schemas.microsoft.com/office/powerpoint/2010/main" val="2186297261"/>
       </p:ext>
     </p:extLst>
   </p:cSld>
@@ -5176,7 +6171,13 @@
   <p:cSld>
     <p:spTree>
       <p:nvGrpSpPr>
-        <p:cNvPr id="1" name=""/>
+        <p:cNvPr id="1" name="">
+          <a:extLst>
+            <a:ext uri="{FF2B5EF4-FFF2-40B4-BE49-F238E27FC236}">
+              <a16:creationId xmlns:a16="http://schemas.microsoft.com/office/drawing/2014/main" id="{478019BF-A093-2FAC-23AD-53B4F937D3DD}"/>
+            </a:ext>
+          </a:extLst>
+        </p:cNvPr>
         <p:cNvGrpSpPr/>
         <p:nvPr/>
       </p:nvGrpSpPr>
@@ -5190,207 +6191,67 @@
       </p:grpSpPr>
       <p:sp>
         <p:nvSpPr>
-          <p:cNvPr id="4" name="Title 3"/>
-          <p:cNvSpPr>
-            <a:spLocks noGrp="1"/>
-          </p:cNvSpPr>
-          <p:nvPr>
-            <p:ph type="title"/>
-          </p:nvPr>
-        </p:nvSpPr>
-        <p:spPr/>
-        <p:txBody>
-          <a:bodyPr>
+          <p:cNvPr id="5" name="內容版面配置區 4">
+            <a:extLst>
+              <a:ext uri="{FF2B5EF4-FFF2-40B4-BE49-F238E27FC236}">
+                <a16:creationId xmlns:a16="http://schemas.microsoft.com/office/drawing/2014/main" id="{C3A95BA8-1E6A-F6B2-118A-FB468C27BEEF}"/>
+              </a:ext>
+            </a:extLst>
+          </p:cNvPr>
+          <p:cNvSpPr>
+            <a:spLocks noGrp="1"/>
+          </p:cNvSpPr>
+          <p:nvPr>
+            <p:ph idx="1"/>
+          </p:nvPr>
+        </p:nvSpPr>
+        <p:spPr>
+          <a:xfrm>
+            <a:off x="0" y="2084853"/>
+            <a:ext cx="12192000" cy="2404863"/>
+          </a:xfrm>
+        </p:spPr>
+        <p:txBody>
+          <a:bodyPr anchor="ctr">
             <a:normAutofit/>
           </a:bodyPr>
           <a:lstStyle/>
           <a:p>
-            <a:r>
-              <a:rPr lang="en-US" altLang="zh-CN" sz="4800" b="1" dirty="0">
-                <a:solidFill>
-                  <a:srgbClr val="002060"/>
+            <a:pPr marL="0" indent="0" algn="ctr">
+              <a:buNone/>
+            </a:pPr>
+            <a:r>
+              <a:rPr lang="zh-TW" altLang="en-US" sz="6400" b="1" dirty="0">
+                <a:solidFill>
+                  <a:srgbClr val="000066"/>
                 </a:solidFill>
                 <a:latin typeface="Microsoft JhengHei" panose="020B0604030504040204" pitchFamily="34" charset="-120"/>
                 <a:ea typeface="Microsoft JhengHei" panose="020B0604030504040204" pitchFamily="34" charset="-120"/>
               </a:rPr>
-              <a:t>【</a:t>
-            </a:r>
-            <a:r>
-              <a:rPr lang="zh-CN" altLang="en-US" sz="4800" b="1" dirty="0">
-                <a:solidFill>
-                  <a:srgbClr val="002060"/>
+              <a:t>主   我命我心一切都歸與祢</a:t>
+            </a:r>
+          </a:p>
+          <a:p>
+            <a:pPr marL="0" indent="0" algn="ctr">
+              <a:buNone/>
+            </a:pPr>
+            <a:r>
+              <a:rPr lang="zh-TW" altLang="en-US" sz="6400" b="1" dirty="0">
+                <a:solidFill>
+                  <a:srgbClr val="000066"/>
                 </a:solidFill>
                 <a:latin typeface="Microsoft JhengHei" panose="020B0604030504040204" pitchFamily="34" charset="-120"/>
                 <a:ea typeface="Microsoft JhengHei" panose="020B0604030504040204" pitchFamily="34" charset="-120"/>
               </a:rPr>
-              <a:t>獻己於主</a:t>
-            </a:r>
-            <a:r>
-              <a:rPr lang="en-US" altLang="zh-CN" sz="4800" b="1" dirty="0">
-                <a:solidFill>
-                  <a:srgbClr val="002060"/>
-                </a:solidFill>
-                <a:latin typeface="Microsoft JhengHei" panose="020B0604030504040204" pitchFamily="34" charset="-120"/>
-                <a:ea typeface="Microsoft JhengHei" panose="020B0604030504040204" pitchFamily="34" charset="-120"/>
-              </a:rPr>
-              <a:t>】</a:t>
-            </a:r>
-          </a:p>
-        </p:txBody>
-      </p:sp>
-      <p:sp>
-        <p:nvSpPr>
-          <p:cNvPr id="5" name="Content Placeholder 4"/>
-          <p:cNvSpPr>
-            <a:spLocks noGrp="1"/>
-          </p:cNvSpPr>
-          <p:nvPr>
-            <p:ph idx="1"/>
-          </p:nvPr>
-        </p:nvSpPr>
-        <p:spPr/>
-        <p:txBody>
-          <a:bodyPr>
-            <a:normAutofit/>
-          </a:bodyPr>
-          <a:lstStyle/>
-          <a:p>
-            <a:pPr marL="0" indent="0" algn="ctr">
-              <a:buNone/>
-            </a:pPr>
-            <a:r>
-              <a:rPr lang="zh-TW" altLang="en-US" sz="5400" b="1" dirty="0">
-                <a:solidFill>
-                  <a:srgbClr val="002060"/>
-                </a:solidFill>
-                <a:latin typeface="Microsoft JhengHei" panose="020B0604030504040204" pitchFamily="34" charset="-120"/>
-                <a:ea typeface="Microsoft JhengHei" panose="020B0604030504040204" pitchFamily="34" charset="-120"/>
-              </a:rPr>
-              <a:t>使我口時常頌揚</a:t>
-            </a:r>
-          </a:p>
-          <a:p>
-            <a:pPr marL="0" indent="0" algn="ctr">
-              <a:buNone/>
-            </a:pPr>
-            <a:r>
-              <a:rPr lang="zh-TW" altLang="en-US" sz="5400" b="1" dirty="0">
-                <a:solidFill>
-                  <a:srgbClr val="002060"/>
-                </a:solidFill>
-                <a:latin typeface="Microsoft JhengHei" panose="020B0604030504040204" pitchFamily="34" charset="-120"/>
-                <a:ea typeface="Microsoft JhengHei" panose="020B0604030504040204" pitchFamily="34" charset="-120"/>
-              </a:rPr>
-              <a:t>每歌唱榮耀我神</a:t>
-            </a:r>
-          </a:p>
-          <a:p>
-            <a:pPr marL="0" indent="0" algn="ctr">
-              <a:buNone/>
-            </a:pPr>
-            <a:r>
-              <a:rPr lang="zh-TW" altLang="en-US" sz="5400" b="1" dirty="0">
-                <a:solidFill>
-                  <a:srgbClr val="002060"/>
-                </a:solidFill>
-                <a:latin typeface="Microsoft JhengHei" panose="020B0604030504040204" pitchFamily="34" charset="-120"/>
-                <a:ea typeface="Microsoft JhengHei" panose="020B0604030504040204" pitchFamily="34" charset="-120"/>
-              </a:rPr>
-              <a:t>使我口滿有主言</a:t>
-            </a:r>
-          </a:p>
-          <a:p>
-            <a:pPr marL="0" indent="0" algn="ctr">
-              <a:buNone/>
-            </a:pPr>
-            <a:r>
-              <a:rPr lang="zh-TW" altLang="en-US" sz="5400" b="1" dirty="0">
-                <a:solidFill>
-                  <a:srgbClr val="002060"/>
-                </a:solidFill>
-                <a:latin typeface="Microsoft JhengHei" panose="020B0604030504040204" pitchFamily="34" charset="-120"/>
-                <a:ea typeface="Microsoft JhengHei" panose="020B0604030504040204" pitchFamily="34" charset="-120"/>
-              </a:rPr>
-              <a:t>到處宣講</a:t>
-            </a:r>
-            <a:r>
-              <a:rPr lang="zh-CN" altLang="zh-TW" sz="5400" b="1" dirty="0">
-                <a:solidFill>
-                  <a:srgbClr val="002060"/>
-                </a:solidFill>
-                <a:latin typeface="Microsoft JhengHei" panose="020B0604030504040204" pitchFamily="34" charset="-120"/>
-                <a:ea typeface="Microsoft JhengHei" panose="020B0604030504040204" pitchFamily="34" charset="-120"/>
-              </a:rPr>
-              <a:t>在</a:t>
-            </a:r>
-            <a:r>
-              <a:rPr lang="zh-TW" altLang="en-US" sz="5400" b="1" dirty="0">
-                <a:solidFill>
-                  <a:srgbClr val="002060"/>
-                </a:solidFill>
-                <a:latin typeface="Microsoft JhengHei" panose="020B0604030504040204" pitchFamily="34" charset="-120"/>
-                <a:ea typeface="Microsoft JhengHei" panose="020B0604030504040204" pitchFamily="34" charset="-120"/>
-              </a:rPr>
-              <a:t>人前</a:t>
-            </a:r>
-          </a:p>
-        </p:txBody>
-      </p:sp>
-      <p:sp>
-        <p:nvSpPr>
-          <p:cNvPr id="6" name="Text Box 1"/>
-          <p:cNvSpPr txBox="1"/>
-          <p:nvPr/>
-        </p:nvSpPr>
-        <p:spPr>
-          <a:xfrm>
-            <a:off x="1199456" y="1700808"/>
-            <a:ext cx="1380490" cy="923330"/>
-          </a:xfrm>
-          <a:prstGeom prst="rect">
-            <a:avLst/>
-          </a:prstGeom>
-          <a:noFill/>
-          <a:ln w="9525">
-            <a:noFill/>
-            <a:miter lim="800000"/>
-          </a:ln>
-        </p:spPr>
-        <p:txBody>
-          <a:bodyPr wrap="square">
-            <a:spAutoFit/>
-          </a:bodyPr>
-          <a:lstStyle/>
-          <a:p>
-            <a:pPr algn="ctr"/>
-            <a:r>
-              <a:rPr lang="en-US" sz="5400" b="1" dirty="0">
-                <a:solidFill>
-                  <a:srgbClr val="002060"/>
-                </a:solidFill>
-              </a:rPr>
-              <a:t>3</a:t>
-            </a:r>
-            <a:r>
-              <a:rPr lang="en-US" sz="5400" b="1" dirty="0" smtClean="0">
-                <a:solidFill>
-                  <a:srgbClr val="002060"/>
-                </a:solidFill>
-              </a:rPr>
-              <a:t>.</a:t>
-            </a:r>
-            <a:endParaRPr lang="en-US" sz="5400" b="1" dirty="0">
-              <a:solidFill>
-                <a:srgbClr val="002060"/>
-              </a:solidFill>
-            </a:endParaRPr>
+              <a:t>從今日直到永遠</a:t>
+            </a:r>
           </a:p>
         </p:txBody>
       </p:sp>
     </p:spTree>
     <p:extLst>
       <p:ext uri="{BB962C8B-B14F-4D97-AF65-F5344CB8AC3E}">
-        <p14:creationId xmlns:p14="http://schemas.microsoft.com/office/powerpoint/2010/main" val="2236931997"/>
+        <p14:creationId xmlns:p14="http://schemas.microsoft.com/office/powerpoint/2010/main" val="2389127186"/>
       </p:ext>
     </p:extLst>
   </p:cSld>
@@ -5405,7 +6266,13 @@
   <p:cSld>
     <p:spTree>
       <p:nvGrpSpPr>
-        <p:cNvPr id="1" name=""/>
+        <p:cNvPr id="1" name="">
+          <a:extLst>
+            <a:ext uri="{FF2B5EF4-FFF2-40B4-BE49-F238E27FC236}">
+              <a16:creationId xmlns:a16="http://schemas.microsoft.com/office/drawing/2014/main" id="{2FA0132F-81B3-D98B-17AD-0DE5A3737038}"/>
+            </a:ext>
+          </a:extLst>
+        </p:cNvPr>
         <p:cNvGrpSpPr/>
         <p:nvPr/>
       </p:nvGrpSpPr>
@@ -5419,182 +6286,104 @@
       </p:grpSpPr>
       <p:sp>
         <p:nvSpPr>
-          <p:cNvPr id="4" name="Title 3"/>
-          <p:cNvSpPr>
-            <a:spLocks noGrp="1"/>
-          </p:cNvSpPr>
-          <p:nvPr>
-            <p:ph type="title"/>
-          </p:nvPr>
-        </p:nvSpPr>
-        <p:spPr/>
-        <p:txBody>
-          <a:bodyPr>
+          <p:cNvPr id="5" name="內容版面配置區 4">
+            <a:extLst>
+              <a:ext uri="{FF2B5EF4-FFF2-40B4-BE49-F238E27FC236}">
+                <a16:creationId xmlns:a16="http://schemas.microsoft.com/office/drawing/2014/main" id="{6AB22E3D-BFC7-DE3E-AA54-8840D19E1826}"/>
+              </a:ext>
+            </a:extLst>
+          </p:cNvPr>
+          <p:cNvSpPr>
+            <a:spLocks noGrp="1"/>
+          </p:cNvSpPr>
+          <p:nvPr>
+            <p:ph idx="1"/>
+          </p:nvPr>
+        </p:nvSpPr>
+        <p:spPr>
+          <a:xfrm>
+            <a:off x="0" y="2084853"/>
+            <a:ext cx="12192000" cy="2404863"/>
+          </a:xfrm>
+        </p:spPr>
+        <p:txBody>
+          <a:bodyPr anchor="ctr">
             <a:normAutofit/>
           </a:bodyPr>
           <a:lstStyle/>
           <a:p>
-            <a:r>
-              <a:rPr lang="en-US" altLang="zh-CN" sz="4800" b="1" dirty="0">
-                <a:solidFill>
-                  <a:srgbClr val="002060"/>
+            <a:pPr marL="0" indent="0" algn="ctr">
+              <a:buNone/>
+            </a:pPr>
+            <a:r>
+              <a:rPr lang="zh-TW" altLang="en-US" sz="6400" b="1" dirty="0">
+                <a:solidFill>
+                  <a:srgbClr val="000066"/>
                 </a:solidFill>
                 <a:latin typeface="Microsoft JhengHei" panose="020B0604030504040204" pitchFamily="34" charset="-120"/>
                 <a:ea typeface="Microsoft JhengHei" panose="020B0604030504040204" pitchFamily="34" charset="-120"/>
               </a:rPr>
-              <a:t>【</a:t>
-            </a:r>
-            <a:r>
-              <a:rPr lang="zh-CN" altLang="en-US" sz="4800" b="1" dirty="0">
-                <a:solidFill>
-                  <a:srgbClr val="002060"/>
+              <a:t>使我手作主聖工</a:t>
+            </a:r>
+          </a:p>
+          <a:p>
+            <a:pPr marL="0" indent="0" algn="ctr">
+              <a:buNone/>
+            </a:pPr>
+            <a:r>
+              <a:rPr lang="zh-TW" altLang="en-US" sz="6400" b="1" dirty="0">
+                <a:solidFill>
+                  <a:srgbClr val="000066"/>
                 </a:solidFill>
                 <a:latin typeface="Microsoft JhengHei" panose="020B0604030504040204" pitchFamily="34" charset="-120"/>
                 <a:ea typeface="Microsoft JhengHei" panose="020B0604030504040204" pitchFamily="34" charset="-120"/>
               </a:rPr>
-              <a:t>獻己於主</a:t>
-            </a:r>
-            <a:r>
-              <a:rPr lang="en-US" altLang="zh-CN" sz="4800" b="1" dirty="0">
-                <a:solidFill>
-                  <a:srgbClr val="002060"/>
-                </a:solidFill>
-                <a:latin typeface="Microsoft JhengHei" panose="020B0604030504040204" pitchFamily="34" charset="-120"/>
-                <a:ea typeface="Microsoft JhengHei" panose="020B0604030504040204" pitchFamily="34" charset="-120"/>
+              <a:t>因被主慈愛感動</a:t>
+            </a:r>
+          </a:p>
+        </p:txBody>
+      </p:sp>
+      <p:sp>
+        <p:nvSpPr>
+          <p:cNvPr id="3" name="TextBox 2">
+            <a:extLst>
+              <a:ext uri="{FF2B5EF4-FFF2-40B4-BE49-F238E27FC236}">
+                <a16:creationId xmlns:a16="http://schemas.microsoft.com/office/drawing/2014/main" id="{7853A35D-37E5-915C-DFD1-35FCBB539969}"/>
+              </a:ext>
+            </a:extLst>
+          </p:cNvPr>
+          <p:cNvSpPr txBox="1"/>
+          <p:nvPr/>
+        </p:nvSpPr>
+        <p:spPr>
+          <a:xfrm>
+            <a:off x="0" y="5061183"/>
+            <a:ext cx="12192000" cy="666786"/>
+          </a:xfrm>
+          <a:prstGeom prst="rect">
+            <a:avLst/>
+          </a:prstGeom>
+          <a:noFill/>
+        </p:spPr>
+        <p:txBody>
+          <a:bodyPr wrap="square" rtlCol="0">
+            <a:spAutoFit/>
+          </a:bodyPr>
+          <a:lstStyle/>
+          <a:p>
+            <a:pPr algn="ctr"/>
+            <a:r>
+              <a:rPr lang="en-US" sz="3733" b="1" dirty="0">
+                <a:solidFill>
+                  <a:srgbClr val="000066"/>
+                </a:solidFill>
               </a:rPr>
-              <a:t>】</a:t>
-            </a:r>
-          </a:p>
-        </p:txBody>
-      </p:sp>
-      <p:sp>
-        <p:nvSpPr>
-          <p:cNvPr id="5" name="Content Placeholder 4"/>
-          <p:cNvSpPr>
-            <a:spLocks noGrp="1"/>
-          </p:cNvSpPr>
-          <p:nvPr>
-            <p:ph idx="1"/>
-          </p:nvPr>
-        </p:nvSpPr>
-        <p:spPr/>
-        <p:txBody>
-          <a:bodyPr>
-            <a:normAutofit/>
-          </a:bodyPr>
-          <a:lstStyle/>
-          <a:p>
-            <a:pPr marL="0" indent="0" algn="ctr">
-              <a:buNone/>
-            </a:pPr>
-            <a:r>
-              <a:rPr lang="zh-TW" altLang="en-US" sz="5400" b="1" dirty="0">
-                <a:solidFill>
-                  <a:srgbClr val="002060"/>
-                </a:solidFill>
-                <a:latin typeface="Microsoft JhengHei" panose="020B0604030504040204" pitchFamily="34" charset="-120"/>
-                <a:ea typeface="Microsoft JhengHei" panose="020B0604030504040204" pitchFamily="34" charset="-120"/>
-              </a:rPr>
-              <a:t>在救主寶貴血內洗淨</a:t>
-            </a:r>
-          </a:p>
-          <a:p>
-            <a:pPr marL="0" indent="0" algn="ctr">
-              <a:buNone/>
-            </a:pPr>
-            <a:r>
-              <a:rPr lang="zh-TW" altLang="en-US" sz="5400" b="1" dirty="0">
-                <a:solidFill>
-                  <a:srgbClr val="002060"/>
-                </a:solidFill>
-                <a:latin typeface="Microsoft JhengHei" panose="020B0604030504040204" pitchFamily="34" charset="-120"/>
-                <a:ea typeface="Microsoft JhengHei" panose="020B0604030504040204" pitchFamily="34" charset="-120"/>
-              </a:rPr>
-              <a:t>使我從血泉能得成</a:t>
-            </a:r>
-            <a:r>
-              <a:rPr lang="zh-TW" altLang="en-US" sz="5400" b="1" dirty="0">
-                <a:solidFill>
-                  <a:srgbClr val="002060"/>
-                </a:solidFill>
-                <a:latin typeface="Microsoft JhengHei" panose="020B0604030504040204" pitchFamily="34" charset="-120"/>
-                <a:ea typeface="Microsoft JhengHei" panose="020B0604030504040204" pitchFamily="34" charset="-120"/>
-              </a:rPr>
-              <a:t>聖</a:t>
-            </a:r>
-            <a:endParaRPr lang="en-US" altLang="zh-TW" sz="5400" b="1" dirty="0">
+              <a:t>( 2 / 6 )</a:t>
+            </a:r>
+            <a:endParaRPr lang="vi-VN" sz="3733" b="1" dirty="0">
               <a:solidFill>
-                <a:srgbClr val="002060"/>
+                <a:srgbClr val="000066"/>
               </a:solidFill>
-              <a:latin typeface="Microsoft JhengHei" panose="020B0604030504040204" pitchFamily="34" charset="-120"/>
-              <a:ea typeface="Microsoft JhengHei" panose="020B0604030504040204" pitchFamily="34" charset="-120"/>
-            </a:endParaRPr>
-          </a:p>
-          <a:p>
-            <a:pPr marL="0" indent="0" algn="ctr">
-              <a:buNone/>
-            </a:pPr>
-            <a:r>
-              <a:rPr lang="zh-TW" altLang="en-US" sz="5400" b="1" dirty="0">
-                <a:solidFill>
-                  <a:srgbClr val="002060"/>
-                </a:solidFill>
-                <a:latin typeface="Microsoft JhengHei" panose="020B0604030504040204" pitchFamily="34" charset="-120"/>
-                <a:ea typeface="Microsoft JhengHei" panose="020B0604030504040204" pitchFamily="34" charset="-120"/>
-              </a:rPr>
-              <a:t>主   我命我</a:t>
-            </a:r>
-            <a:r>
-              <a:rPr lang="zh-TW" altLang="en-US" sz="5400" b="1" dirty="0">
-                <a:solidFill>
-                  <a:srgbClr val="002060"/>
-                </a:solidFill>
-                <a:latin typeface="Microsoft JhengHei" panose="020B0604030504040204" pitchFamily="34" charset="-120"/>
-                <a:ea typeface="Microsoft JhengHei" panose="020B0604030504040204" pitchFamily="34" charset="-120"/>
-              </a:rPr>
-              <a:t>心一</a:t>
-            </a:r>
-            <a:r>
-              <a:rPr lang="zh-TW" altLang="en-US" sz="5400" b="1" dirty="0">
-                <a:solidFill>
-                  <a:srgbClr val="002060"/>
-                </a:solidFill>
-                <a:latin typeface="Microsoft JhengHei" panose="020B0604030504040204" pitchFamily="34" charset="-120"/>
-                <a:ea typeface="Microsoft JhengHei" panose="020B0604030504040204" pitchFamily="34" charset="-120"/>
-              </a:rPr>
-              <a:t>切都歸與你</a:t>
-            </a:r>
-          </a:p>
-          <a:p>
-            <a:pPr marL="0" indent="0" algn="ctr">
-              <a:buNone/>
-            </a:pPr>
-            <a:r>
-              <a:rPr lang="zh-TW" altLang="en-US" sz="5400" b="1" dirty="0">
-                <a:solidFill>
-                  <a:srgbClr val="002060"/>
-                </a:solidFill>
-                <a:latin typeface="Microsoft JhengHei" panose="020B0604030504040204" pitchFamily="34" charset="-120"/>
-                <a:ea typeface="Microsoft JhengHei" panose="020B0604030504040204" pitchFamily="34" charset="-120"/>
-              </a:rPr>
-              <a:t>從今日直到永</a:t>
-            </a:r>
-            <a:r>
-              <a:rPr lang="zh-TW" altLang="en-US" sz="5400" b="1" dirty="0">
-                <a:solidFill>
-                  <a:srgbClr val="002060"/>
-                </a:solidFill>
-                <a:latin typeface="Microsoft JhengHei" panose="020B0604030504040204" pitchFamily="34" charset="-120"/>
-                <a:ea typeface="Microsoft JhengHei" panose="020B0604030504040204" pitchFamily="34" charset="-120"/>
-              </a:rPr>
-              <a:t>遠</a:t>
-            </a:r>
-            <a:endParaRPr lang="zh-TW" altLang="en-US" sz="5400" b="1" dirty="0">
-              <a:solidFill>
-                <a:srgbClr val="002060"/>
-              </a:solidFill>
-              <a:latin typeface="Microsoft JhengHei" panose="020B0604030504040204" pitchFamily="34" charset="-120"/>
-              <a:ea typeface="Microsoft JhengHei" panose="020B0604030504040204" pitchFamily="34" charset="-120"/>
             </a:endParaRPr>
           </a:p>
         </p:txBody>
@@ -5602,7 +6391,7 @@
     </p:spTree>
     <p:extLst>
       <p:ext uri="{BB962C8B-B14F-4D97-AF65-F5344CB8AC3E}">
-        <p14:creationId xmlns:p14="http://schemas.microsoft.com/office/powerpoint/2010/main" val="1337893666"/>
+        <p14:creationId xmlns:p14="http://schemas.microsoft.com/office/powerpoint/2010/main" val="1188841311"/>
       </p:ext>
     </p:extLst>
   </p:cSld>
@@ -5617,7 +6406,13 @@
   <p:cSld>
     <p:spTree>
       <p:nvGrpSpPr>
-        <p:cNvPr id="1" name=""/>
+        <p:cNvPr id="1" name="">
+          <a:extLst>
+            <a:ext uri="{FF2B5EF4-FFF2-40B4-BE49-F238E27FC236}">
+              <a16:creationId xmlns:a16="http://schemas.microsoft.com/office/drawing/2014/main" id="{F68B30F1-E60D-02E7-35DD-F3D3867808B6}"/>
+            </a:ext>
+          </a:extLst>
+        </p:cNvPr>
         <p:cNvGrpSpPr/>
         <p:nvPr/>
       </p:nvGrpSpPr>
@@ -5631,178 +6426,103 @@
       </p:grpSpPr>
       <p:sp>
         <p:nvSpPr>
-          <p:cNvPr id="4" name="Title 3"/>
-          <p:cNvSpPr>
-            <a:spLocks noGrp="1"/>
-          </p:cNvSpPr>
-          <p:nvPr>
-            <p:ph type="title"/>
-          </p:nvPr>
-        </p:nvSpPr>
-        <p:spPr/>
-        <p:txBody>
-          <a:bodyPr>
+          <p:cNvPr id="5" name="內容版面配置區 4">
+            <a:extLst>
+              <a:ext uri="{FF2B5EF4-FFF2-40B4-BE49-F238E27FC236}">
+                <a16:creationId xmlns:a16="http://schemas.microsoft.com/office/drawing/2014/main" id="{23254C54-9D42-FE13-A836-339C1E2C1701}"/>
+              </a:ext>
+            </a:extLst>
+          </p:cNvPr>
+          <p:cNvSpPr>
+            <a:spLocks noGrp="1"/>
+          </p:cNvSpPr>
+          <p:nvPr>
+            <p:ph idx="1"/>
+          </p:nvPr>
+        </p:nvSpPr>
+        <p:spPr>
+          <a:xfrm>
+            <a:off x="0" y="2084853"/>
+            <a:ext cx="12192000" cy="2404863"/>
+          </a:xfrm>
+        </p:spPr>
+        <p:txBody>
+          <a:bodyPr anchor="ctr">
             <a:normAutofit/>
           </a:bodyPr>
           <a:lstStyle/>
           <a:p>
-            <a:r>
-              <a:rPr lang="en-US" altLang="zh-CN" sz="4800" b="1" dirty="0">
-                <a:solidFill>
-                  <a:srgbClr val="002060"/>
+            <a:pPr marL="0" indent="0" algn="ctr">
+              <a:buNone/>
+            </a:pPr>
+            <a:r>
+              <a:rPr lang="zh-TW" altLang="en-US" sz="6400" b="1" dirty="0">
+                <a:solidFill>
+                  <a:srgbClr val="000066"/>
                 </a:solidFill>
                 <a:latin typeface="Microsoft JhengHei" panose="020B0604030504040204" pitchFamily="34" charset="-120"/>
                 <a:ea typeface="Microsoft JhengHei" panose="020B0604030504040204" pitchFamily="34" charset="-120"/>
               </a:rPr>
-              <a:t>【</a:t>
-            </a:r>
-            <a:r>
-              <a:rPr lang="zh-CN" altLang="en-US" sz="4800" b="1" dirty="0">
-                <a:solidFill>
-                  <a:srgbClr val="002060"/>
+              <a:t>使我脚為主行路</a:t>
+            </a:r>
+          </a:p>
+          <a:p>
+            <a:pPr marL="0" indent="0" algn="ctr">
+              <a:buNone/>
+            </a:pPr>
+            <a:r>
+              <a:rPr lang="zh-TW" altLang="en-US" sz="6400" b="1" dirty="0">
+                <a:solidFill>
+                  <a:srgbClr val="000066"/>
                 </a:solidFill>
                 <a:latin typeface="Microsoft JhengHei" panose="020B0604030504040204" pitchFamily="34" charset="-120"/>
                 <a:ea typeface="Microsoft JhengHei" panose="020B0604030504040204" pitchFamily="34" charset="-120"/>
               </a:rPr>
-              <a:t>獻己於主</a:t>
-            </a:r>
-            <a:r>
-              <a:rPr lang="en-US" altLang="zh-CN" sz="4800" b="1" dirty="0">
-                <a:solidFill>
-                  <a:srgbClr val="002060"/>
-                </a:solidFill>
-                <a:latin typeface="Microsoft JhengHei" panose="020B0604030504040204" pitchFamily="34" charset="-120"/>
-                <a:ea typeface="Microsoft JhengHei" panose="020B0604030504040204" pitchFamily="34" charset="-120"/>
-              </a:rPr>
-              <a:t>】</a:t>
-            </a:r>
-          </a:p>
-        </p:txBody>
-      </p:sp>
-      <p:sp>
-        <p:nvSpPr>
-          <p:cNvPr id="5" name="Content Placeholder 4"/>
-          <p:cNvSpPr>
-            <a:spLocks noGrp="1"/>
-          </p:cNvSpPr>
-          <p:nvPr>
-            <p:ph idx="1"/>
-          </p:nvPr>
-        </p:nvSpPr>
-        <p:spPr/>
-        <p:txBody>
-          <a:bodyPr>
-            <a:normAutofit/>
-          </a:bodyPr>
-          <a:lstStyle/>
-          <a:p>
-            <a:pPr marL="0" indent="0" algn="ctr">
-              <a:buNone/>
-            </a:pPr>
-            <a:r>
-              <a:rPr lang="zh-TW" altLang="en-US" sz="5400" b="1" dirty="0">
-                <a:solidFill>
-                  <a:srgbClr val="002060"/>
-                </a:solidFill>
-                <a:latin typeface="Microsoft JhengHei" panose="020B0604030504040204" pitchFamily="34" charset="-120"/>
-                <a:ea typeface="Microsoft JhengHei" panose="020B0604030504040204" pitchFamily="34" charset="-120"/>
-              </a:rPr>
-              <a:t>使我財雖是一文</a:t>
-            </a:r>
-          </a:p>
-          <a:p>
-            <a:pPr marL="0" indent="0" algn="ctr">
-              <a:buNone/>
-            </a:pPr>
-            <a:r>
-              <a:rPr lang="zh-TW" altLang="en-US" sz="5400" b="1" dirty="0">
-                <a:solidFill>
-                  <a:srgbClr val="002060"/>
-                </a:solidFill>
-                <a:latin typeface="Microsoft JhengHei" panose="020B0604030504040204" pitchFamily="34" charset="-120"/>
-                <a:ea typeface="Microsoft JhengHei" panose="020B0604030504040204" pitchFamily="34" charset="-120"/>
-              </a:rPr>
-              <a:t>不敢為自己收存</a:t>
-            </a:r>
-          </a:p>
-          <a:p>
-            <a:pPr marL="0" indent="0" algn="ctr">
-              <a:buNone/>
-            </a:pPr>
-            <a:r>
-              <a:rPr lang="zh-TW" altLang="en-US" sz="5400" b="1" dirty="0">
-                <a:solidFill>
-                  <a:srgbClr val="002060"/>
-                </a:solidFill>
-                <a:latin typeface="Microsoft JhengHei" panose="020B0604030504040204" pitchFamily="34" charset="-120"/>
-                <a:ea typeface="Microsoft JhengHei" panose="020B0604030504040204" pitchFamily="34" charset="-120"/>
-              </a:rPr>
-              <a:t>我願為基督僕人</a:t>
-            </a:r>
-          </a:p>
-          <a:p>
-            <a:pPr marL="0" indent="0" algn="ctr">
-              <a:buNone/>
-            </a:pPr>
-            <a:r>
-              <a:rPr lang="zh-TW" altLang="en-US" sz="5400" b="1" dirty="0">
-                <a:solidFill>
-                  <a:srgbClr val="002060"/>
-                </a:solidFill>
-                <a:latin typeface="Microsoft JhengHei" panose="020B0604030504040204" pitchFamily="34" charset="-120"/>
-                <a:ea typeface="Microsoft JhengHei" panose="020B0604030504040204" pitchFamily="34" charset="-120"/>
-              </a:rPr>
-              <a:t>服事主赤胆忠心</a:t>
-            </a:r>
-          </a:p>
-        </p:txBody>
-      </p:sp>
-      <p:sp>
-        <p:nvSpPr>
-          <p:cNvPr id="6" name="Text Box 1"/>
+              <a:t>步步都從主吩咐</a:t>
+            </a:r>
+          </a:p>
+        </p:txBody>
+      </p:sp>
+      <p:sp>
+        <p:nvSpPr>
+          <p:cNvPr id="3" name="TextBox 2">
+            <a:extLst>
+              <a:ext uri="{FF2B5EF4-FFF2-40B4-BE49-F238E27FC236}">
+                <a16:creationId xmlns:a16="http://schemas.microsoft.com/office/drawing/2014/main" id="{ECE0E6C8-F02C-8412-962F-1067330B308C}"/>
+              </a:ext>
+            </a:extLst>
+          </p:cNvPr>
           <p:cNvSpPr txBox="1"/>
           <p:nvPr/>
         </p:nvSpPr>
         <p:spPr>
           <a:xfrm>
-            <a:off x="1199456" y="1700808"/>
-            <a:ext cx="1380490" cy="923330"/>
+            <a:off x="0" y="5061183"/>
+            <a:ext cx="12192000" cy="666786"/>
           </a:xfrm>
           <a:prstGeom prst="rect">
             <a:avLst/>
           </a:prstGeom>
           <a:noFill/>
-          <a:ln w="9525">
-            <a:noFill/>
-            <a:miter lim="800000"/>
-          </a:ln>
         </p:spPr>
         <p:txBody>
-          <a:bodyPr wrap="square">
+          <a:bodyPr wrap="square" rtlCol="0">
             <a:spAutoFit/>
           </a:bodyPr>
           <a:lstStyle/>
           <a:p>
             <a:pPr algn="ctr"/>
             <a:r>
-              <a:rPr lang="en-US" sz="5400" b="1" dirty="0">
-                <a:solidFill>
-                  <a:srgbClr val="002060"/>
+              <a:rPr lang="en-US" sz="3733" b="1" dirty="0">
+                <a:solidFill>
+                  <a:srgbClr val="000066"/>
                 </a:solidFill>
               </a:rPr>
-              <a:t>4</a:t>
-            </a:r>
-            <a:r>
-              <a:rPr lang="en-US" sz="5400" b="1" dirty="0" smtClean="0">
-                <a:solidFill>
-                  <a:srgbClr val="002060"/>
-                </a:solidFill>
-              </a:rPr>
-              <a:t>.</a:t>
-            </a:r>
-            <a:endParaRPr lang="en-US" sz="5400" b="1" dirty="0">
+              <a:t>( 2 / 6 )</a:t>
+            </a:r>
+            <a:endParaRPr lang="vi-VN" sz="3733" b="1" dirty="0">
               <a:solidFill>
-                <a:srgbClr val="002060"/>
+                <a:srgbClr val="000066"/>
               </a:solidFill>
             </a:endParaRPr>
           </a:p>
@@ -5811,7 +6531,7 @@
     </p:spTree>
     <p:extLst>
       <p:ext uri="{BB962C8B-B14F-4D97-AF65-F5344CB8AC3E}">
-        <p14:creationId xmlns:p14="http://schemas.microsoft.com/office/powerpoint/2010/main" val="4064916698"/>
+        <p14:creationId xmlns:p14="http://schemas.microsoft.com/office/powerpoint/2010/main" val="805231122"/>
       </p:ext>
     </p:extLst>
   </p:cSld>
@@ -5826,7 +6546,13 @@
   <p:cSld>
     <p:spTree>
       <p:nvGrpSpPr>
-        <p:cNvPr id="1" name=""/>
+        <p:cNvPr id="1" name="">
+          <a:extLst>
+            <a:ext uri="{FF2B5EF4-FFF2-40B4-BE49-F238E27FC236}">
+              <a16:creationId xmlns:a16="http://schemas.microsoft.com/office/drawing/2014/main" id="{864C208F-E6BA-E052-0836-2C6DEFBD36F5}"/>
+            </a:ext>
+          </a:extLst>
+        </p:cNvPr>
         <p:cNvGrpSpPr/>
         <p:nvPr/>
       </p:nvGrpSpPr>
@@ -5840,78 +6566,39 @@
       </p:grpSpPr>
       <p:sp>
         <p:nvSpPr>
-          <p:cNvPr id="4" name="Title 3"/>
-          <p:cNvSpPr>
-            <a:spLocks noGrp="1"/>
-          </p:cNvSpPr>
-          <p:nvPr>
-            <p:ph type="title"/>
-          </p:nvPr>
-        </p:nvSpPr>
-        <p:spPr/>
-        <p:txBody>
-          <a:bodyPr>
+          <p:cNvPr id="5" name="內容版面配置區 4">
+            <a:extLst>
+              <a:ext uri="{FF2B5EF4-FFF2-40B4-BE49-F238E27FC236}">
+                <a16:creationId xmlns:a16="http://schemas.microsoft.com/office/drawing/2014/main" id="{45288287-FFDF-EDA8-BC6F-E2AF34B5C657}"/>
+              </a:ext>
+            </a:extLst>
+          </p:cNvPr>
+          <p:cNvSpPr>
+            <a:spLocks noGrp="1"/>
+          </p:cNvSpPr>
+          <p:nvPr>
+            <p:ph idx="1"/>
+          </p:nvPr>
+        </p:nvSpPr>
+        <p:spPr>
+          <a:xfrm>
+            <a:off x="0" y="2084853"/>
+            <a:ext cx="12192000" cy="2404863"/>
+          </a:xfrm>
+        </p:spPr>
+        <p:txBody>
+          <a:bodyPr anchor="ctr">
             <a:normAutofit/>
           </a:bodyPr>
           <a:lstStyle/>
           <a:p>
-            <a:r>
-              <a:rPr lang="en-US" altLang="zh-CN" sz="4800" b="1" dirty="0">
-                <a:solidFill>
-                  <a:srgbClr val="002060"/>
-                </a:solidFill>
-                <a:latin typeface="Microsoft JhengHei" panose="020B0604030504040204" pitchFamily="34" charset="-120"/>
-                <a:ea typeface="Microsoft JhengHei" panose="020B0604030504040204" pitchFamily="34" charset="-120"/>
-              </a:rPr>
-              <a:t>【</a:t>
-            </a:r>
-            <a:r>
-              <a:rPr lang="zh-CN" altLang="en-US" sz="4800" b="1" dirty="0">
-                <a:solidFill>
-                  <a:srgbClr val="002060"/>
-                </a:solidFill>
-                <a:latin typeface="Microsoft JhengHei" panose="020B0604030504040204" pitchFamily="34" charset="-120"/>
-                <a:ea typeface="Microsoft JhengHei" panose="020B0604030504040204" pitchFamily="34" charset="-120"/>
-              </a:rPr>
-              <a:t>獻己於主</a:t>
-            </a:r>
-            <a:r>
-              <a:rPr lang="en-US" altLang="zh-CN" sz="4800" b="1" dirty="0">
-                <a:solidFill>
-                  <a:srgbClr val="002060"/>
-                </a:solidFill>
-                <a:latin typeface="Microsoft JhengHei" panose="020B0604030504040204" pitchFamily="34" charset="-120"/>
-                <a:ea typeface="Microsoft JhengHei" panose="020B0604030504040204" pitchFamily="34" charset="-120"/>
-              </a:rPr>
-              <a:t>】</a:t>
-            </a:r>
-          </a:p>
-        </p:txBody>
-      </p:sp>
-      <p:sp>
-        <p:nvSpPr>
-          <p:cNvPr id="5" name="Content Placeholder 4"/>
-          <p:cNvSpPr>
-            <a:spLocks noGrp="1"/>
-          </p:cNvSpPr>
-          <p:nvPr>
-            <p:ph idx="1"/>
-          </p:nvPr>
-        </p:nvSpPr>
-        <p:spPr/>
-        <p:txBody>
-          <a:bodyPr>
-            <a:normAutofit/>
-          </a:bodyPr>
-          <a:lstStyle/>
-          <a:p>
             <a:pPr marL="0" indent="0" algn="ctr">
               <a:buNone/>
             </a:pPr>
             <a:r>
-              <a:rPr lang="zh-TW" altLang="en-US" sz="5400" b="1" dirty="0">
-                <a:solidFill>
-                  <a:srgbClr val="002060"/>
+              <a:rPr lang="zh-TW" altLang="en-US" sz="6400" b="1" dirty="0">
+                <a:solidFill>
+                  <a:srgbClr val="000066"/>
                 </a:solidFill>
                 <a:latin typeface="Microsoft JhengHei" panose="020B0604030504040204" pitchFamily="34" charset="-120"/>
                 <a:ea typeface="Microsoft JhengHei" panose="020B0604030504040204" pitchFamily="34" charset="-120"/>
@@ -5924,106 +6611,29 @@
               <a:buNone/>
             </a:pPr>
             <a:r>
-              <a:rPr lang="zh-TW" altLang="en-US" sz="5400" b="1" dirty="0">
-                <a:solidFill>
-                  <a:srgbClr val="002060"/>
+              <a:rPr lang="zh-TW" altLang="en-US" sz="6400" b="1" dirty="0">
+                <a:solidFill>
+                  <a:srgbClr val="000066"/>
                 </a:solidFill>
                 <a:latin typeface="Microsoft JhengHei" panose="020B0604030504040204" pitchFamily="34" charset="-120"/>
                 <a:ea typeface="Microsoft JhengHei" panose="020B0604030504040204" pitchFamily="34" charset="-120"/>
               </a:rPr>
-              <a:t>使我從血泉能得成</a:t>
-            </a:r>
-            <a:r>
-              <a:rPr lang="zh-TW" altLang="en-US" sz="5400" b="1" dirty="0">
-                <a:solidFill>
-                  <a:srgbClr val="002060"/>
-                </a:solidFill>
-                <a:latin typeface="Microsoft JhengHei" panose="020B0604030504040204" pitchFamily="34" charset="-120"/>
-                <a:ea typeface="Microsoft JhengHei" panose="020B0604030504040204" pitchFamily="34" charset="-120"/>
-              </a:rPr>
-              <a:t>聖</a:t>
-            </a:r>
-            <a:endParaRPr lang="en-US" altLang="zh-TW" sz="5400" b="1" dirty="0">
+              <a:t>使我從血泉能得成聖</a:t>
+            </a:r>
+            <a:endParaRPr lang="en-US" altLang="zh-TW" sz="6400" b="1" dirty="0">
               <a:solidFill>
-                <a:srgbClr val="002060"/>
+                <a:srgbClr val="000066"/>
               </a:solidFill>
               <a:latin typeface="Microsoft JhengHei" panose="020B0604030504040204" pitchFamily="34" charset="-120"/>
               <a:ea typeface="Microsoft JhengHei" panose="020B0604030504040204" pitchFamily="34" charset="-120"/>
             </a:endParaRPr>
           </a:p>
-          <a:p>
-            <a:pPr marL="0" indent="0" algn="ctr">
-              <a:buNone/>
-            </a:pPr>
-            <a:r>
-              <a:rPr lang="zh-TW" altLang="en-US" sz="5400" b="1" dirty="0">
-                <a:solidFill>
-                  <a:srgbClr val="002060"/>
-                </a:solidFill>
-                <a:latin typeface="Microsoft JhengHei" panose="020B0604030504040204" pitchFamily="34" charset="-120"/>
-                <a:ea typeface="Microsoft JhengHei" panose="020B0604030504040204" pitchFamily="34" charset="-120"/>
-              </a:rPr>
-              <a:t>主   我命我</a:t>
-            </a:r>
-            <a:r>
-              <a:rPr lang="zh-TW" altLang="en-US" sz="5400" b="1" dirty="0">
-                <a:solidFill>
-                  <a:srgbClr val="002060"/>
-                </a:solidFill>
-                <a:latin typeface="Microsoft JhengHei" panose="020B0604030504040204" pitchFamily="34" charset="-120"/>
-                <a:ea typeface="Microsoft JhengHei" panose="020B0604030504040204" pitchFamily="34" charset="-120"/>
-              </a:rPr>
-              <a:t>心一</a:t>
-            </a:r>
-            <a:r>
-              <a:rPr lang="zh-TW" altLang="en-US" sz="5400" b="1" dirty="0">
-                <a:solidFill>
-                  <a:srgbClr val="002060"/>
-                </a:solidFill>
-                <a:latin typeface="Microsoft JhengHei" panose="020B0604030504040204" pitchFamily="34" charset="-120"/>
-                <a:ea typeface="Microsoft JhengHei" panose="020B0604030504040204" pitchFamily="34" charset="-120"/>
-              </a:rPr>
-              <a:t>切都歸與你</a:t>
-            </a:r>
-          </a:p>
-          <a:p>
-            <a:pPr marL="0" indent="0" algn="ctr">
-              <a:buNone/>
-            </a:pPr>
-            <a:r>
-              <a:rPr lang="zh-TW" altLang="en-US" sz="5400" b="1" dirty="0">
-                <a:solidFill>
-                  <a:srgbClr val="002060"/>
-                </a:solidFill>
-                <a:latin typeface="Microsoft JhengHei" panose="020B0604030504040204" pitchFamily="34" charset="-120"/>
-                <a:ea typeface="Microsoft JhengHei" panose="020B0604030504040204" pitchFamily="34" charset="-120"/>
-              </a:rPr>
-              <a:t>從今日直到永</a:t>
-            </a:r>
-            <a:r>
-              <a:rPr lang="zh-TW" altLang="en-US" sz="5400" b="1" dirty="0">
-                <a:solidFill>
-                  <a:srgbClr val="002060"/>
-                </a:solidFill>
-                <a:latin typeface="Microsoft JhengHei" panose="020B0604030504040204" pitchFamily="34" charset="-120"/>
-                <a:ea typeface="Microsoft JhengHei" panose="020B0604030504040204" pitchFamily="34" charset="-120"/>
-              </a:rPr>
-              <a:t>遠</a:t>
-            </a:r>
-            <a:endParaRPr lang="zh-TW" altLang="en-US" sz="5400" b="1" dirty="0">
-              <a:solidFill>
-                <a:srgbClr val="002060"/>
-              </a:solidFill>
-              <a:latin typeface="Microsoft JhengHei" panose="020B0604030504040204" pitchFamily="34" charset="-120"/>
-              <a:ea typeface="Microsoft JhengHei" panose="020B0604030504040204" pitchFamily="34" charset="-120"/>
-            </a:endParaRPr>
-          </a:p>
         </p:txBody>
       </p:sp>
     </p:spTree>
     <p:extLst>
       <p:ext uri="{BB962C8B-B14F-4D97-AF65-F5344CB8AC3E}">
-        <p14:creationId xmlns:p14="http://schemas.microsoft.com/office/powerpoint/2010/main" val="2475371428"/>
+        <p14:creationId xmlns:p14="http://schemas.microsoft.com/office/powerpoint/2010/main" val="2679394258"/>
       </p:ext>
     </p:extLst>
   </p:cSld>
@@ -6038,7 +6648,13 @@
   <p:cSld>
     <p:spTree>
       <p:nvGrpSpPr>
-        <p:cNvPr id="1" name=""/>
+        <p:cNvPr id="1" name="">
+          <a:extLst>
+            <a:ext uri="{FF2B5EF4-FFF2-40B4-BE49-F238E27FC236}">
+              <a16:creationId xmlns:a16="http://schemas.microsoft.com/office/drawing/2014/main" id="{7881006B-791C-A5B5-D09F-6F91781EB186}"/>
+            </a:ext>
+          </a:extLst>
+        </p:cNvPr>
         <p:cNvGrpSpPr/>
         <p:nvPr/>
       </p:nvGrpSpPr>
@@ -6052,187 +6668,67 @@
       </p:grpSpPr>
       <p:sp>
         <p:nvSpPr>
-          <p:cNvPr id="4" name="Title 3"/>
-          <p:cNvSpPr>
-            <a:spLocks noGrp="1"/>
-          </p:cNvSpPr>
-          <p:nvPr>
-            <p:ph type="title"/>
-          </p:nvPr>
-        </p:nvSpPr>
-        <p:spPr/>
-        <p:txBody>
-          <a:bodyPr>
+          <p:cNvPr id="5" name="內容版面配置區 4">
+            <a:extLst>
+              <a:ext uri="{FF2B5EF4-FFF2-40B4-BE49-F238E27FC236}">
+                <a16:creationId xmlns:a16="http://schemas.microsoft.com/office/drawing/2014/main" id="{B744F2B1-BBAC-1D6E-E28F-016169AE6059}"/>
+              </a:ext>
+            </a:extLst>
+          </p:cNvPr>
+          <p:cNvSpPr>
+            <a:spLocks noGrp="1"/>
+          </p:cNvSpPr>
+          <p:nvPr>
+            <p:ph idx="1"/>
+          </p:nvPr>
+        </p:nvSpPr>
+        <p:spPr>
+          <a:xfrm>
+            <a:off x="0" y="2084853"/>
+            <a:ext cx="12192000" cy="2404863"/>
+          </a:xfrm>
+        </p:spPr>
+        <p:txBody>
+          <a:bodyPr anchor="ctr">
             <a:normAutofit/>
           </a:bodyPr>
           <a:lstStyle/>
           <a:p>
-            <a:r>
-              <a:rPr lang="en-US" altLang="zh-CN" sz="4800" b="1" dirty="0">
-                <a:solidFill>
-                  <a:srgbClr val="002060"/>
+            <a:pPr marL="0" indent="0" algn="ctr">
+              <a:buNone/>
+            </a:pPr>
+            <a:r>
+              <a:rPr lang="zh-TW" altLang="en-US" sz="6400" b="1" dirty="0">
+                <a:solidFill>
+                  <a:srgbClr val="000066"/>
                 </a:solidFill>
                 <a:latin typeface="Microsoft JhengHei" panose="020B0604030504040204" pitchFamily="34" charset="-120"/>
                 <a:ea typeface="Microsoft JhengHei" panose="020B0604030504040204" pitchFamily="34" charset="-120"/>
               </a:rPr>
-              <a:t>【</a:t>
-            </a:r>
-            <a:r>
-              <a:rPr lang="zh-CN" altLang="en-US" sz="4800" b="1" dirty="0">
-                <a:solidFill>
-                  <a:srgbClr val="002060"/>
+              <a:t>主   我命我心一切都歸與祢</a:t>
+            </a:r>
+          </a:p>
+          <a:p>
+            <a:pPr marL="0" indent="0" algn="ctr">
+              <a:buNone/>
+            </a:pPr>
+            <a:r>
+              <a:rPr lang="zh-TW" altLang="en-US" sz="6400" b="1" dirty="0">
+                <a:solidFill>
+                  <a:srgbClr val="000066"/>
                 </a:solidFill>
                 <a:latin typeface="Microsoft JhengHei" panose="020B0604030504040204" pitchFamily="34" charset="-120"/>
                 <a:ea typeface="Microsoft JhengHei" panose="020B0604030504040204" pitchFamily="34" charset="-120"/>
               </a:rPr>
-              <a:t>獻己於主</a:t>
-            </a:r>
-            <a:r>
-              <a:rPr lang="en-US" altLang="zh-CN" sz="4800" b="1" dirty="0">
-                <a:solidFill>
-                  <a:srgbClr val="002060"/>
-                </a:solidFill>
-                <a:latin typeface="Microsoft JhengHei" panose="020B0604030504040204" pitchFamily="34" charset="-120"/>
-                <a:ea typeface="Microsoft JhengHei" panose="020B0604030504040204" pitchFamily="34" charset="-120"/>
-              </a:rPr>
-              <a:t>】</a:t>
-            </a:r>
-          </a:p>
-        </p:txBody>
-      </p:sp>
-      <p:sp>
-        <p:nvSpPr>
-          <p:cNvPr id="5" name="Content Placeholder 4"/>
-          <p:cNvSpPr>
-            <a:spLocks noGrp="1"/>
-          </p:cNvSpPr>
-          <p:nvPr>
-            <p:ph idx="1"/>
-          </p:nvPr>
-        </p:nvSpPr>
-        <p:spPr/>
-        <p:txBody>
-          <a:bodyPr>
-            <a:normAutofit/>
-          </a:bodyPr>
-          <a:lstStyle/>
-          <a:p>
-            <a:pPr marL="0" indent="0" algn="ctr">
-              <a:buNone/>
-            </a:pPr>
-            <a:r>
-              <a:rPr lang="zh-TW" altLang="en-US" sz="5400" b="1" dirty="0">
-                <a:solidFill>
-                  <a:srgbClr val="002060"/>
-                </a:solidFill>
-                <a:latin typeface="Microsoft JhengHei" panose="020B0604030504040204" pitchFamily="34" charset="-120"/>
-                <a:ea typeface="Microsoft JhengHei" panose="020B0604030504040204" pitchFamily="34" charset="-120"/>
-              </a:rPr>
-              <a:t>我不願隨從自己</a:t>
-            </a:r>
-          </a:p>
-          <a:p>
-            <a:pPr marL="0" indent="0" algn="ctr">
-              <a:buNone/>
-            </a:pPr>
-            <a:r>
-              <a:rPr lang="zh-TW" altLang="en-US" sz="5400" b="1" dirty="0">
-                <a:solidFill>
-                  <a:srgbClr val="002060"/>
-                </a:solidFill>
-                <a:latin typeface="Microsoft JhengHei" panose="020B0604030504040204" pitchFamily="34" charset="-120"/>
-                <a:ea typeface="Microsoft JhengHei" panose="020B0604030504040204" pitchFamily="34" charset="-120"/>
-              </a:rPr>
-              <a:t>都要憑我主旨意</a:t>
-            </a:r>
-          </a:p>
-          <a:p>
-            <a:pPr marL="0" indent="0" algn="ctr">
-              <a:buNone/>
-            </a:pPr>
-            <a:r>
-              <a:rPr lang="zh-TW" altLang="en-US" sz="5400" b="1" dirty="0">
-                <a:solidFill>
-                  <a:srgbClr val="002060"/>
-                </a:solidFill>
-                <a:latin typeface="Microsoft JhengHei" panose="020B0604030504040204" pitchFamily="34" charset="-120"/>
-                <a:ea typeface="Microsoft JhengHei" panose="020B0604030504040204" pitchFamily="34" charset="-120"/>
-              </a:rPr>
-              <a:t>使我心做主聖殿</a:t>
-            </a:r>
-          </a:p>
-          <a:p>
-            <a:pPr marL="0" indent="0" algn="ctr">
-              <a:buNone/>
-            </a:pPr>
-            <a:r>
-              <a:rPr lang="zh-TW" altLang="en-US" sz="5400" b="1" dirty="0">
-                <a:solidFill>
-                  <a:srgbClr val="002060"/>
-                </a:solidFill>
-                <a:latin typeface="Microsoft JhengHei" panose="020B0604030504040204" pitchFamily="34" charset="-120"/>
-                <a:ea typeface="Microsoft JhengHei" panose="020B0604030504040204" pitchFamily="34" charset="-120"/>
-              </a:rPr>
-              <a:t>聖靈來充滿中間</a:t>
-            </a:r>
-          </a:p>
-        </p:txBody>
-      </p:sp>
-      <p:sp>
-        <p:nvSpPr>
-          <p:cNvPr id="6" name="Text Box 1"/>
-          <p:cNvSpPr txBox="1"/>
-          <p:nvPr/>
-        </p:nvSpPr>
-        <p:spPr>
-          <a:xfrm>
-            <a:off x="1199456" y="1700808"/>
-            <a:ext cx="1380490" cy="923330"/>
-          </a:xfrm>
-          <a:prstGeom prst="rect">
-            <a:avLst/>
-          </a:prstGeom>
-          <a:noFill/>
-          <a:ln w="9525">
-            <a:noFill/>
-            <a:miter lim="800000"/>
-          </a:ln>
-        </p:spPr>
-        <p:txBody>
-          <a:bodyPr wrap="square">
-            <a:spAutoFit/>
-          </a:bodyPr>
-          <a:lstStyle/>
-          <a:p>
-            <a:pPr algn="ctr"/>
-            <a:r>
-              <a:rPr lang="en-US" sz="5400" b="1" dirty="0">
-                <a:solidFill>
-                  <a:srgbClr val="002060"/>
-                </a:solidFill>
-              </a:rPr>
-              <a:t>5</a:t>
-            </a:r>
-            <a:r>
-              <a:rPr lang="en-US" sz="5400" b="1" dirty="0" smtClean="0">
-                <a:solidFill>
-                  <a:srgbClr val="002060"/>
-                </a:solidFill>
-              </a:rPr>
-              <a:t>.</a:t>
-            </a:r>
-            <a:endParaRPr lang="en-US" sz="5400" b="1" dirty="0">
-              <a:solidFill>
-                <a:srgbClr val="002060"/>
-              </a:solidFill>
-            </a:endParaRPr>
+              <a:t>從今日直到永遠</a:t>
+            </a:r>
           </a:p>
         </p:txBody>
       </p:sp>
     </p:spTree>
     <p:extLst>
       <p:ext uri="{BB962C8B-B14F-4D97-AF65-F5344CB8AC3E}">
-        <p14:creationId xmlns:p14="http://schemas.microsoft.com/office/powerpoint/2010/main" val="1945779566"/>
+        <p14:creationId xmlns:p14="http://schemas.microsoft.com/office/powerpoint/2010/main" val="8966523"/>
       </p:ext>
     </p:extLst>
   </p:cSld>
